--- a/hw01.pptx
+++ b/hw01.pptx
@@ -4,8 +4,18 @@
   <p:sldMasterIdLst>
     <p:sldMasterId id="2147483648" r:id="rId1"/>
   </p:sldMasterIdLst>
+  <p:notesMasterIdLst>
+    <p:notesMasterId r:id="rId10"/>
+  </p:notesMasterIdLst>
   <p:sldIdLst>
     <p:sldId id="256" r:id="rId2"/>
+    <p:sldId id="257" r:id="rId3"/>
+    <p:sldId id="258" r:id="rId4"/>
+    <p:sldId id="259" r:id="rId5"/>
+    <p:sldId id="261" r:id="rId6"/>
+    <p:sldId id="260" r:id="rId7"/>
+    <p:sldId id="262" r:id="rId8"/>
+    <p:sldId id="263" r:id="rId9"/>
   </p:sldIdLst>
   <p:sldSz cx="12192000" cy="6858000"/>
   <p:notesSz cx="6858000" cy="9144000"/>
@@ -104,7 +114,1049 @@
       </a:defRPr>
     </a:lvl9pPr>
   </p:defaultTextStyle>
+  <p:extLst>
+    <p:ext uri="{EFAFB233-063F-42B5-8137-9DF3F51BA10A}">
+      <p15:sldGuideLst xmlns:p15="http://schemas.microsoft.com/office/powerpoint/2012/main"/>
+    </p:ext>
+  </p:extLst>
 </p:presentation>
+</file>
+
+<file path=ppt/notesMasters/notesMaster1.xml><?xml version="1.0" encoding="utf-8"?>
+<p:notesMaster xmlns:a="http://schemas.openxmlformats.org/drawingml/2006/main" xmlns:r="http://schemas.openxmlformats.org/officeDocument/2006/relationships" xmlns:p="http://schemas.openxmlformats.org/presentationml/2006/main">
+  <p:cSld>
+    <p:bg>
+      <p:bgRef idx="1001">
+        <a:schemeClr val="bg1"/>
+      </p:bgRef>
+    </p:bg>
+    <p:spTree>
+      <p:nvGrpSpPr>
+        <p:cNvPr id="1" name=""/>
+        <p:cNvGrpSpPr/>
+        <p:nvPr/>
+      </p:nvGrpSpPr>
+      <p:grpSpPr>
+        <a:xfrm>
+          <a:off x="0" y="0"/>
+          <a:ext cx="0" cy="0"/>
+          <a:chOff x="0" y="0"/>
+          <a:chExt cx="0" cy="0"/>
+        </a:xfrm>
+      </p:grpSpPr>
+      <p:sp>
+        <p:nvSpPr>
+          <p:cNvPr id="2" name="頁首版面配置區 1"/>
+          <p:cNvSpPr>
+            <a:spLocks noGrp="1"/>
+          </p:cNvSpPr>
+          <p:nvPr>
+            <p:ph type="hdr" sz="quarter"/>
+          </p:nvPr>
+        </p:nvSpPr>
+        <p:spPr>
+          <a:xfrm>
+            <a:off x="0" y="0"/>
+            <a:ext cx="2971800" cy="458788"/>
+          </a:xfrm>
+          <a:prstGeom prst="rect">
+            <a:avLst/>
+          </a:prstGeom>
+        </p:spPr>
+        <p:txBody>
+          <a:bodyPr vert="horz" lIns="91440" tIns="45720" rIns="91440" bIns="45720" rtlCol="0"/>
+          <a:lstStyle>
+            <a:lvl1pPr algn="l">
+              <a:defRPr sz="1200"/>
+            </a:lvl1pPr>
+          </a:lstStyle>
+          <a:p>
+            <a:endParaRPr lang="zh-TW" altLang="en-US"/>
+          </a:p>
+        </p:txBody>
+      </p:sp>
+      <p:sp>
+        <p:nvSpPr>
+          <p:cNvPr id="3" name="日期版面配置區 2"/>
+          <p:cNvSpPr>
+            <a:spLocks noGrp="1"/>
+          </p:cNvSpPr>
+          <p:nvPr>
+            <p:ph type="dt" idx="1"/>
+          </p:nvPr>
+        </p:nvSpPr>
+        <p:spPr>
+          <a:xfrm>
+            <a:off x="3884613" y="0"/>
+            <a:ext cx="2971800" cy="458788"/>
+          </a:xfrm>
+          <a:prstGeom prst="rect">
+            <a:avLst/>
+          </a:prstGeom>
+        </p:spPr>
+        <p:txBody>
+          <a:bodyPr vert="horz" lIns="91440" tIns="45720" rIns="91440" bIns="45720" rtlCol="0"/>
+          <a:lstStyle>
+            <a:lvl1pPr algn="r">
+              <a:defRPr sz="1200"/>
+            </a:lvl1pPr>
+          </a:lstStyle>
+          <a:p>
+            <a:fld id="{21270BC5-C182-4AD2-8957-F05BDDF98905}" type="datetimeFigureOut">
+              <a:rPr lang="zh-TW" altLang="en-US" smtClean="0"/>
+              <a:t>2024/10/23</a:t>
+            </a:fld>
+            <a:endParaRPr lang="zh-TW" altLang="en-US"/>
+          </a:p>
+        </p:txBody>
+      </p:sp>
+      <p:sp>
+        <p:nvSpPr>
+          <p:cNvPr id="4" name="投影片影像版面配置區 3"/>
+          <p:cNvSpPr>
+            <a:spLocks noGrp="1" noRot="1" noChangeAspect="1"/>
+          </p:cNvSpPr>
+          <p:nvPr>
+            <p:ph type="sldImg" idx="2"/>
+          </p:nvPr>
+        </p:nvSpPr>
+        <p:spPr>
+          <a:xfrm>
+            <a:off x="685800" y="1143000"/>
+            <a:ext cx="5486400" cy="3086100"/>
+          </a:xfrm>
+          <a:prstGeom prst="rect">
+            <a:avLst/>
+          </a:prstGeom>
+          <a:noFill/>
+          <a:ln w="12700">
+            <a:solidFill>
+              <a:prstClr val="black"/>
+            </a:solidFill>
+          </a:ln>
+        </p:spPr>
+        <p:txBody>
+          <a:bodyPr vert="horz" lIns="91440" tIns="45720" rIns="91440" bIns="45720" rtlCol="0" anchor="ctr"/>
+          <a:lstStyle/>
+          <a:p>
+            <a:endParaRPr lang="zh-TW" altLang="en-US"/>
+          </a:p>
+        </p:txBody>
+      </p:sp>
+      <p:sp>
+        <p:nvSpPr>
+          <p:cNvPr id="5" name="備忘稿版面配置區 4"/>
+          <p:cNvSpPr>
+            <a:spLocks noGrp="1"/>
+          </p:cNvSpPr>
+          <p:nvPr>
+            <p:ph type="body" sz="quarter" idx="3"/>
+          </p:nvPr>
+        </p:nvSpPr>
+        <p:spPr>
+          <a:xfrm>
+            <a:off x="685800" y="4400550"/>
+            <a:ext cx="5486400" cy="3600450"/>
+          </a:xfrm>
+          <a:prstGeom prst="rect">
+            <a:avLst/>
+          </a:prstGeom>
+        </p:spPr>
+        <p:txBody>
+          <a:bodyPr vert="horz" lIns="91440" tIns="45720" rIns="91440" bIns="45720" rtlCol="0"/>
+          <a:lstStyle/>
+          <a:p>
+            <a:pPr lvl="0"/>
+            <a:r>
+              <a:rPr lang="zh-TW" altLang="en-US"/>
+              <a:t>按一下以編輯母片文字樣式</a:t>
+            </a:r>
+          </a:p>
+          <a:p>
+            <a:pPr lvl="1"/>
+            <a:r>
+              <a:rPr lang="zh-TW" altLang="en-US"/>
+              <a:t>第二層</a:t>
+            </a:r>
+          </a:p>
+          <a:p>
+            <a:pPr lvl="2"/>
+            <a:r>
+              <a:rPr lang="zh-TW" altLang="en-US"/>
+              <a:t>第三層</a:t>
+            </a:r>
+          </a:p>
+          <a:p>
+            <a:pPr lvl="3"/>
+            <a:r>
+              <a:rPr lang="zh-TW" altLang="en-US"/>
+              <a:t>第四層</a:t>
+            </a:r>
+          </a:p>
+          <a:p>
+            <a:pPr lvl="4"/>
+            <a:r>
+              <a:rPr lang="zh-TW" altLang="en-US"/>
+              <a:t>第五層</a:t>
+            </a:r>
+          </a:p>
+        </p:txBody>
+      </p:sp>
+      <p:sp>
+        <p:nvSpPr>
+          <p:cNvPr id="6" name="頁尾版面配置區 5"/>
+          <p:cNvSpPr>
+            <a:spLocks noGrp="1"/>
+          </p:cNvSpPr>
+          <p:nvPr>
+            <p:ph type="ftr" sz="quarter" idx="4"/>
+          </p:nvPr>
+        </p:nvSpPr>
+        <p:spPr>
+          <a:xfrm>
+            <a:off x="0" y="8685213"/>
+            <a:ext cx="2971800" cy="458787"/>
+          </a:xfrm>
+          <a:prstGeom prst="rect">
+            <a:avLst/>
+          </a:prstGeom>
+        </p:spPr>
+        <p:txBody>
+          <a:bodyPr vert="horz" lIns="91440" tIns="45720" rIns="91440" bIns="45720" rtlCol="0" anchor="b"/>
+          <a:lstStyle>
+            <a:lvl1pPr algn="l">
+              <a:defRPr sz="1200"/>
+            </a:lvl1pPr>
+          </a:lstStyle>
+          <a:p>
+            <a:endParaRPr lang="zh-TW" altLang="en-US"/>
+          </a:p>
+        </p:txBody>
+      </p:sp>
+      <p:sp>
+        <p:nvSpPr>
+          <p:cNvPr id="7" name="投影片編號版面配置區 6"/>
+          <p:cNvSpPr>
+            <a:spLocks noGrp="1"/>
+          </p:cNvSpPr>
+          <p:nvPr>
+            <p:ph type="sldNum" sz="quarter" idx="5"/>
+          </p:nvPr>
+        </p:nvSpPr>
+        <p:spPr>
+          <a:xfrm>
+            <a:off x="3884613" y="8685213"/>
+            <a:ext cx="2971800" cy="458787"/>
+          </a:xfrm>
+          <a:prstGeom prst="rect">
+            <a:avLst/>
+          </a:prstGeom>
+        </p:spPr>
+        <p:txBody>
+          <a:bodyPr vert="horz" lIns="91440" tIns="45720" rIns="91440" bIns="45720" rtlCol="0" anchor="b"/>
+          <a:lstStyle>
+            <a:lvl1pPr algn="r">
+              <a:defRPr sz="1200"/>
+            </a:lvl1pPr>
+          </a:lstStyle>
+          <a:p>
+            <a:fld id="{BDB4BAE9-CFB5-4F9F-90E7-96375A5FBC84}" type="slidenum">
+              <a:rPr lang="zh-TW" altLang="en-US" smtClean="0"/>
+              <a:t>‹#›</a:t>
+            </a:fld>
+            <a:endParaRPr lang="zh-TW" altLang="en-US"/>
+          </a:p>
+        </p:txBody>
+      </p:sp>
+    </p:spTree>
+    <p:extLst>
+      <p:ext uri="{BB962C8B-B14F-4D97-AF65-F5344CB8AC3E}">
+        <p14:creationId xmlns:p14="http://schemas.microsoft.com/office/powerpoint/2010/main" val="2329084244"/>
+      </p:ext>
+    </p:extLst>
+  </p:cSld>
+  <p:clrMap bg1="lt1" tx1="dk1" bg2="lt2" tx2="dk2" accent1="accent1" accent2="accent2" accent3="accent3" accent4="accent4" accent5="accent5" accent6="accent6" hlink="hlink" folHlink="folHlink"/>
+  <p:notesStyle>
+    <a:lvl1pPr marL="0" algn="l" defTabSz="914400" rtl="0" eaLnBrk="1" latinLnBrk="0" hangingPunct="1">
+      <a:defRPr sz="1200" kern="1200">
+        <a:solidFill>
+          <a:schemeClr val="tx1"/>
+        </a:solidFill>
+        <a:latin typeface="+mn-lt"/>
+        <a:ea typeface="+mn-ea"/>
+        <a:cs typeface="+mn-cs"/>
+      </a:defRPr>
+    </a:lvl1pPr>
+    <a:lvl2pPr marL="457200" algn="l" defTabSz="914400" rtl="0" eaLnBrk="1" latinLnBrk="0" hangingPunct="1">
+      <a:defRPr sz="1200" kern="1200">
+        <a:solidFill>
+          <a:schemeClr val="tx1"/>
+        </a:solidFill>
+        <a:latin typeface="+mn-lt"/>
+        <a:ea typeface="+mn-ea"/>
+        <a:cs typeface="+mn-cs"/>
+      </a:defRPr>
+    </a:lvl2pPr>
+    <a:lvl3pPr marL="914400" algn="l" defTabSz="914400" rtl="0" eaLnBrk="1" latinLnBrk="0" hangingPunct="1">
+      <a:defRPr sz="1200" kern="1200">
+        <a:solidFill>
+          <a:schemeClr val="tx1"/>
+        </a:solidFill>
+        <a:latin typeface="+mn-lt"/>
+        <a:ea typeface="+mn-ea"/>
+        <a:cs typeface="+mn-cs"/>
+      </a:defRPr>
+    </a:lvl3pPr>
+    <a:lvl4pPr marL="1371600" algn="l" defTabSz="914400" rtl="0" eaLnBrk="1" latinLnBrk="0" hangingPunct="1">
+      <a:defRPr sz="1200" kern="1200">
+        <a:solidFill>
+          <a:schemeClr val="tx1"/>
+        </a:solidFill>
+        <a:latin typeface="+mn-lt"/>
+        <a:ea typeface="+mn-ea"/>
+        <a:cs typeface="+mn-cs"/>
+      </a:defRPr>
+    </a:lvl4pPr>
+    <a:lvl5pPr marL="1828800" algn="l" defTabSz="914400" rtl="0" eaLnBrk="1" latinLnBrk="0" hangingPunct="1">
+      <a:defRPr sz="1200" kern="1200">
+        <a:solidFill>
+          <a:schemeClr val="tx1"/>
+        </a:solidFill>
+        <a:latin typeface="+mn-lt"/>
+        <a:ea typeface="+mn-ea"/>
+        <a:cs typeface="+mn-cs"/>
+      </a:defRPr>
+    </a:lvl5pPr>
+    <a:lvl6pPr marL="2286000" algn="l" defTabSz="914400" rtl="0" eaLnBrk="1" latinLnBrk="0" hangingPunct="1">
+      <a:defRPr sz="1200" kern="1200">
+        <a:solidFill>
+          <a:schemeClr val="tx1"/>
+        </a:solidFill>
+        <a:latin typeface="+mn-lt"/>
+        <a:ea typeface="+mn-ea"/>
+        <a:cs typeface="+mn-cs"/>
+      </a:defRPr>
+    </a:lvl6pPr>
+    <a:lvl7pPr marL="2743200" algn="l" defTabSz="914400" rtl="0" eaLnBrk="1" latinLnBrk="0" hangingPunct="1">
+      <a:defRPr sz="1200" kern="1200">
+        <a:solidFill>
+          <a:schemeClr val="tx1"/>
+        </a:solidFill>
+        <a:latin typeface="+mn-lt"/>
+        <a:ea typeface="+mn-ea"/>
+        <a:cs typeface="+mn-cs"/>
+      </a:defRPr>
+    </a:lvl7pPr>
+    <a:lvl8pPr marL="3200400" algn="l" defTabSz="914400" rtl="0" eaLnBrk="1" latinLnBrk="0" hangingPunct="1">
+      <a:defRPr sz="1200" kern="1200">
+        <a:solidFill>
+          <a:schemeClr val="tx1"/>
+        </a:solidFill>
+        <a:latin typeface="+mn-lt"/>
+        <a:ea typeface="+mn-ea"/>
+        <a:cs typeface="+mn-cs"/>
+      </a:defRPr>
+    </a:lvl8pPr>
+    <a:lvl9pPr marL="3657600" algn="l" defTabSz="914400" rtl="0" eaLnBrk="1" latinLnBrk="0" hangingPunct="1">
+      <a:defRPr sz="1200" kern="1200">
+        <a:solidFill>
+          <a:schemeClr val="tx1"/>
+        </a:solidFill>
+        <a:latin typeface="+mn-lt"/>
+        <a:ea typeface="+mn-ea"/>
+        <a:cs typeface="+mn-cs"/>
+      </a:defRPr>
+    </a:lvl9pPr>
+  </p:notesStyle>
+</p:notesMaster>
+</file>
+
+<file path=ppt/notesSlides/notesSlide1.xml><?xml version="1.0" encoding="utf-8"?>
+<p:notes xmlns:a="http://schemas.openxmlformats.org/drawingml/2006/main" xmlns:r="http://schemas.openxmlformats.org/officeDocument/2006/relationships" xmlns:p="http://schemas.openxmlformats.org/presentationml/2006/main">
+  <p:cSld>
+    <p:spTree>
+      <p:nvGrpSpPr>
+        <p:cNvPr id="1" name=""/>
+        <p:cNvGrpSpPr/>
+        <p:nvPr/>
+      </p:nvGrpSpPr>
+      <p:grpSpPr>
+        <a:xfrm>
+          <a:off x="0" y="0"/>
+          <a:ext cx="0" cy="0"/>
+          <a:chOff x="0" y="0"/>
+          <a:chExt cx="0" cy="0"/>
+        </a:xfrm>
+      </p:grpSpPr>
+      <p:sp>
+        <p:nvSpPr>
+          <p:cNvPr id="2" name="投影片影像版面配置區 1"/>
+          <p:cNvSpPr>
+            <a:spLocks noGrp="1" noRot="1" noChangeAspect="1"/>
+          </p:cNvSpPr>
+          <p:nvPr>
+            <p:ph type="sldImg"/>
+          </p:nvPr>
+        </p:nvSpPr>
+        <p:spPr/>
+      </p:sp>
+      <p:sp>
+        <p:nvSpPr>
+          <p:cNvPr id="3" name="備忘稿版面配置區 2"/>
+          <p:cNvSpPr>
+            <a:spLocks noGrp="1"/>
+          </p:cNvSpPr>
+          <p:nvPr>
+            <p:ph type="body" idx="1"/>
+          </p:nvPr>
+        </p:nvSpPr>
+        <p:spPr/>
+        <p:txBody>
+          <a:bodyPr/>
+          <a:lstStyle/>
+          <a:p>
+            <a:r>
+              <a:rPr lang="en-US" altLang="zh-TW" b="0" i="0" dirty="0">
+                <a:solidFill>
+                  <a:srgbClr val="F2DDCC"/>
+                </a:solidFill>
+                <a:effectLst/>
+                <a:latin typeface="Ginto"/>
+              </a:rPr>
+              <a:t>Xiao Mei </a:t>
+            </a:r>
+            <a:r>
+              <a:rPr lang="zh-TW" altLang="en-US" b="0" i="0" dirty="0">
+                <a:solidFill>
+                  <a:srgbClr val="F2DDCC"/>
+                </a:solidFill>
+                <a:effectLst/>
+                <a:latin typeface="Ginto"/>
+              </a:rPr>
+              <a:t>在日落時分站在室外，拿著畫簿，準備為學校的繪畫比賽描繪完美的落日。她有著肩長的黑髮和困倦的黑眼睛，穿著藍色背心搭配白襯衫，灰色百褶裙配黑鞋。這真是一幅美麗的景象。</a:t>
+            </a:r>
+            <a:endParaRPr lang="zh-TW" altLang="en-US" dirty="0"/>
+          </a:p>
+        </p:txBody>
+      </p:sp>
+      <p:sp>
+        <p:nvSpPr>
+          <p:cNvPr id="4" name="投影片編號版面配置區 3"/>
+          <p:cNvSpPr>
+            <a:spLocks noGrp="1"/>
+          </p:cNvSpPr>
+          <p:nvPr>
+            <p:ph type="sldNum" sz="quarter" idx="5"/>
+          </p:nvPr>
+        </p:nvSpPr>
+        <p:spPr/>
+        <p:txBody>
+          <a:bodyPr/>
+          <a:lstStyle/>
+          <a:p>
+            <a:fld id="{BDB4BAE9-CFB5-4F9F-90E7-96375A5FBC84}" type="slidenum">
+              <a:rPr lang="zh-TW" altLang="en-US" smtClean="0"/>
+              <a:t>2</a:t>
+            </a:fld>
+            <a:endParaRPr lang="zh-TW" altLang="en-US"/>
+          </a:p>
+        </p:txBody>
+      </p:sp>
+    </p:spTree>
+    <p:extLst>
+      <p:ext uri="{BB962C8B-B14F-4D97-AF65-F5344CB8AC3E}">
+        <p14:creationId xmlns:p14="http://schemas.microsoft.com/office/powerpoint/2010/main" val="2988268349"/>
+      </p:ext>
+    </p:extLst>
+  </p:cSld>
+  <p:clrMapOvr>
+    <a:masterClrMapping/>
+  </p:clrMapOvr>
+</p:notes>
+</file>
+
+<file path=ppt/notesSlides/notesSlide2.xml><?xml version="1.0" encoding="utf-8"?>
+<p:notes xmlns:a="http://schemas.openxmlformats.org/drawingml/2006/main" xmlns:r="http://schemas.openxmlformats.org/officeDocument/2006/relationships" xmlns:p="http://schemas.openxmlformats.org/presentationml/2006/main">
+  <p:cSld>
+    <p:spTree>
+      <p:nvGrpSpPr>
+        <p:cNvPr id="1" name=""/>
+        <p:cNvGrpSpPr/>
+        <p:nvPr/>
+      </p:nvGrpSpPr>
+      <p:grpSpPr>
+        <a:xfrm>
+          <a:off x="0" y="0"/>
+          <a:ext cx="0" cy="0"/>
+          <a:chOff x="0" y="0"/>
+          <a:chExt cx="0" cy="0"/>
+        </a:xfrm>
+      </p:grpSpPr>
+      <p:sp>
+        <p:nvSpPr>
+          <p:cNvPr id="2" name="投影片影像版面配置區 1"/>
+          <p:cNvSpPr>
+            <a:spLocks noGrp="1" noRot="1" noChangeAspect="1"/>
+          </p:cNvSpPr>
+          <p:nvPr>
+            <p:ph type="sldImg"/>
+          </p:nvPr>
+        </p:nvSpPr>
+        <p:spPr/>
+      </p:sp>
+      <p:sp>
+        <p:nvSpPr>
+          <p:cNvPr id="3" name="備忘稿版面配置區 2"/>
+          <p:cNvSpPr>
+            <a:spLocks noGrp="1"/>
+          </p:cNvSpPr>
+          <p:nvPr>
+            <p:ph type="body" idx="1"/>
+          </p:nvPr>
+        </p:nvSpPr>
+        <p:spPr/>
+        <p:txBody>
+          <a:bodyPr/>
+          <a:lstStyle/>
+          <a:p>
+            <a:r>
+              <a:rPr lang="en-US" altLang="zh-TW" b="0" i="0" dirty="0">
+                <a:solidFill>
+                  <a:srgbClr val="F2DDCC"/>
+                </a:solidFill>
+                <a:effectLst/>
+                <a:latin typeface="Ginto"/>
+              </a:rPr>
+              <a:t>Xiao Mei, a girl with shoulder-length black hair and black eyes, looking frustrated as she stares at her incomplete sketch. She is sitting outdoors on a hill at sunset, surrounded by art supplies. She wears a blue tank top over a white shirt, a gray pleated skirt, and black shoes. The sketchbook shows her struggling to capture the light and shadows of the sunset on the mountains in the distance.</a:t>
+            </a:r>
+            <a:endParaRPr lang="zh-TW" altLang="en-US" dirty="0"/>
+          </a:p>
+        </p:txBody>
+      </p:sp>
+      <p:sp>
+        <p:nvSpPr>
+          <p:cNvPr id="4" name="投影片編號版面配置區 3"/>
+          <p:cNvSpPr>
+            <a:spLocks noGrp="1"/>
+          </p:cNvSpPr>
+          <p:nvPr>
+            <p:ph type="sldNum" sz="quarter" idx="5"/>
+          </p:nvPr>
+        </p:nvSpPr>
+        <p:spPr/>
+        <p:txBody>
+          <a:bodyPr/>
+          <a:lstStyle/>
+          <a:p>
+            <a:fld id="{BDB4BAE9-CFB5-4F9F-90E7-96375A5FBC84}" type="slidenum">
+              <a:rPr lang="zh-TW" altLang="en-US" smtClean="0"/>
+              <a:t>3</a:t>
+            </a:fld>
+            <a:endParaRPr lang="zh-TW" altLang="en-US"/>
+          </a:p>
+        </p:txBody>
+      </p:sp>
+    </p:spTree>
+    <p:extLst>
+      <p:ext uri="{BB962C8B-B14F-4D97-AF65-F5344CB8AC3E}">
+        <p14:creationId xmlns:p14="http://schemas.microsoft.com/office/powerpoint/2010/main" val="4272450368"/>
+      </p:ext>
+    </p:extLst>
+  </p:cSld>
+  <p:clrMapOvr>
+    <a:masterClrMapping/>
+  </p:clrMapOvr>
+</p:notes>
+</file>
+
+<file path=ppt/notesSlides/notesSlide3.xml><?xml version="1.0" encoding="utf-8"?>
+<p:notes xmlns:a="http://schemas.openxmlformats.org/drawingml/2006/main" xmlns:r="http://schemas.openxmlformats.org/officeDocument/2006/relationships" xmlns:p="http://schemas.openxmlformats.org/presentationml/2006/main">
+  <p:cSld>
+    <p:spTree>
+      <p:nvGrpSpPr>
+        <p:cNvPr id="1" name=""/>
+        <p:cNvGrpSpPr/>
+        <p:nvPr/>
+      </p:nvGrpSpPr>
+      <p:grpSpPr>
+        <a:xfrm>
+          <a:off x="0" y="0"/>
+          <a:ext cx="0" cy="0"/>
+          <a:chOff x="0" y="0"/>
+          <a:chExt cx="0" cy="0"/>
+        </a:xfrm>
+      </p:grpSpPr>
+      <p:sp>
+        <p:nvSpPr>
+          <p:cNvPr id="2" name="投影片影像版面配置區 1"/>
+          <p:cNvSpPr>
+            <a:spLocks noGrp="1" noRot="1" noChangeAspect="1"/>
+          </p:cNvSpPr>
+          <p:nvPr>
+            <p:ph type="sldImg"/>
+          </p:nvPr>
+        </p:nvSpPr>
+        <p:spPr/>
+      </p:sp>
+      <p:sp>
+        <p:nvSpPr>
+          <p:cNvPr id="3" name="備忘稿版面配置區 2"/>
+          <p:cNvSpPr>
+            <a:spLocks noGrp="1"/>
+          </p:cNvSpPr>
+          <p:nvPr>
+            <p:ph type="body" idx="1"/>
+          </p:nvPr>
+        </p:nvSpPr>
+        <p:spPr/>
+        <p:txBody>
+          <a:bodyPr/>
+          <a:lstStyle/>
+          <a:p>
+            <a:r>
+              <a:rPr lang="en-US" altLang="zh-TW" b="0" i="0" dirty="0">
+                <a:solidFill>
+                  <a:srgbClr val="F2DDCC"/>
+                </a:solidFill>
+                <a:effectLst/>
+                <a:latin typeface="Ginto"/>
+              </a:rPr>
+              <a:t>Xiao Mei, a girl with shoulder-length black hair and sleepy black eyes, sitting on a hill at sunset, diligently practicing her landscape drawing. She wears a blue tank top over a white shirt, a gray pleated skirt, and black shoes. Her sketchbook on her lap shows rough sketches of mountains and the sunset. The golden light illuminates the scene, and Xiao Mei is surrounded by art supplies as she studies the landscape, trying to capture the perfect balance of light and shadow in her drawing.</a:t>
+            </a:r>
+            <a:endParaRPr lang="zh-TW" altLang="en-US" dirty="0"/>
+          </a:p>
+        </p:txBody>
+      </p:sp>
+      <p:sp>
+        <p:nvSpPr>
+          <p:cNvPr id="4" name="投影片編號版面配置區 3"/>
+          <p:cNvSpPr>
+            <a:spLocks noGrp="1"/>
+          </p:cNvSpPr>
+          <p:nvPr>
+            <p:ph type="sldNum" sz="quarter" idx="5"/>
+          </p:nvPr>
+        </p:nvSpPr>
+        <p:spPr/>
+        <p:txBody>
+          <a:bodyPr/>
+          <a:lstStyle/>
+          <a:p>
+            <a:fld id="{BDB4BAE9-CFB5-4F9F-90E7-96375A5FBC84}" type="slidenum">
+              <a:rPr lang="zh-TW" altLang="en-US" smtClean="0"/>
+              <a:t>4</a:t>
+            </a:fld>
+            <a:endParaRPr lang="zh-TW" altLang="en-US"/>
+          </a:p>
+        </p:txBody>
+      </p:sp>
+    </p:spTree>
+    <p:extLst>
+      <p:ext uri="{BB962C8B-B14F-4D97-AF65-F5344CB8AC3E}">
+        <p14:creationId xmlns:p14="http://schemas.microsoft.com/office/powerpoint/2010/main" val="3962171400"/>
+      </p:ext>
+    </p:extLst>
+  </p:cSld>
+  <p:clrMapOvr>
+    <a:masterClrMapping/>
+  </p:clrMapOvr>
+</p:notes>
+</file>
+
+<file path=ppt/notesSlides/notesSlide4.xml><?xml version="1.0" encoding="utf-8"?>
+<p:notes xmlns:a="http://schemas.openxmlformats.org/drawingml/2006/main" xmlns:r="http://schemas.openxmlformats.org/officeDocument/2006/relationships" xmlns:p="http://schemas.openxmlformats.org/presentationml/2006/main">
+  <p:cSld>
+    <p:spTree>
+      <p:nvGrpSpPr>
+        <p:cNvPr id="1" name=""/>
+        <p:cNvGrpSpPr/>
+        <p:nvPr/>
+      </p:nvGrpSpPr>
+      <p:grpSpPr>
+        <a:xfrm>
+          <a:off x="0" y="0"/>
+          <a:ext cx="0" cy="0"/>
+          <a:chOff x="0" y="0"/>
+          <a:chExt cx="0" cy="0"/>
+        </a:xfrm>
+      </p:grpSpPr>
+      <p:sp>
+        <p:nvSpPr>
+          <p:cNvPr id="2" name="投影片影像版面配置區 1"/>
+          <p:cNvSpPr>
+            <a:spLocks noGrp="1" noRot="1" noChangeAspect="1"/>
+          </p:cNvSpPr>
+          <p:nvPr>
+            <p:ph type="sldImg"/>
+          </p:nvPr>
+        </p:nvSpPr>
+        <p:spPr/>
+      </p:sp>
+      <p:sp>
+        <p:nvSpPr>
+          <p:cNvPr id="3" name="備忘稿版面配置區 2"/>
+          <p:cNvSpPr>
+            <a:spLocks noGrp="1"/>
+          </p:cNvSpPr>
+          <p:nvPr>
+            <p:ph type="body" idx="1"/>
+          </p:nvPr>
+        </p:nvSpPr>
+        <p:spPr/>
+        <p:txBody>
+          <a:bodyPr/>
+          <a:lstStyle/>
+          <a:p>
+            <a:r>
+              <a:rPr lang="en-US" altLang="zh-TW" b="0" i="0" dirty="0">
+                <a:solidFill>
+                  <a:srgbClr val="F2DDCC"/>
+                </a:solidFill>
+                <a:effectLst/>
+                <a:latin typeface="Ginto"/>
+              </a:rPr>
+              <a:t>In a Japanese anime style and 3:2 vertical ratio, Xiao Mei, a girl with shoulder-length black hair and sleepy black eyes, proudly standing next to her finished landscape painting of a sunset over mountains. She wears a blue tank top over a white shirt, a gray pleated skirt, and black shoes. The completed painting is displayed on an easel beside her, featuring vibrant warm colors and detailed shadows. Xiao Mei smiles confidently, surrounded by her art supplies. The scene is bathed in soft evening light, with expressive anime-style features, bright colors, and a glowing, peaceful background.</a:t>
+            </a:r>
+            <a:endParaRPr lang="zh-TW" altLang="en-US" dirty="0"/>
+          </a:p>
+        </p:txBody>
+      </p:sp>
+      <p:sp>
+        <p:nvSpPr>
+          <p:cNvPr id="4" name="投影片編號版面配置區 3"/>
+          <p:cNvSpPr>
+            <a:spLocks noGrp="1"/>
+          </p:cNvSpPr>
+          <p:nvPr>
+            <p:ph type="sldNum" sz="quarter" idx="5"/>
+          </p:nvPr>
+        </p:nvSpPr>
+        <p:spPr/>
+        <p:txBody>
+          <a:bodyPr/>
+          <a:lstStyle/>
+          <a:p>
+            <a:fld id="{BDB4BAE9-CFB5-4F9F-90E7-96375A5FBC84}" type="slidenum">
+              <a:rPr lang="zh-TW" altLang="en-US" smtClean="0"/>
+              <a:t>5</a:t>
+            </a:fld>
+            <a:endParaRPr lang="zh-TW" altLang="en-US"/>
+          </a:p>
+        </p:txBody>
+      </p:sp>
+    </p:spTree>
+    <p:extLst>
+      <p:ext uri="{BB962C8B-B14F-4D97-AF65-F5344CB8AC3E}">
+        <p14:creationId xmlns:p14="http://schemas.microsoft.com/office/powerpoint/2010/main" val="4166041078"/>
+      </p:ext>
+    </p:extLst>
+  </p:cSld>
+  <p:clrMapOvr>
+    <a:masterClrMapping/>
+  </p:clrMapOvr>
+</p:notes>
+</file>
+
+<file path=ppt/notesSlides/notesSlide5.xml><?xml version="1.0" encoding="utf-8"?>
+<p:notes xmlns:a="http://schemas.openxmlformats.org/drawingml/2006/main" xmlns:r="http://schemas.openxmlformats.org/officeDocument/2006/relationships" xmlns:p="http://schemas.openxmlformats.org/presentationml/2006/main">
+  <p:cSld>
+    <p:spTree>
+      <p:nvGrpSpPr>
+        <p:cNvPr id="1" name=""/>
+        <p:cNvGrpSpPr/>
+        <p:nvPr/>
+      </p:nvGrpSpPr>
+      <p:grpSpPr>
+        <a:xfrm>
+          <a:off x="0" y="0"/>
+          <a:ext cx="0" cy="0"/>
+          <a:chOff x="0" y="0"/>
+          <a:chExt cx="0" cy="0"/>
+        </a:xfrm>
+      </p:grpSpPr>
+      <p:sp>
+        <p:nvSpPr>
+          <p:cNvPr id="2" name="投影片影像版面配置區 1"/>
+          <p:cNvSpPr>
+            <a:spLocks noGrp="1" noRot="1" noChangeAspect="1"/>
+          </p:cNvSpPr>
+          <p:nvPr>
+            <p:ph type="sldImg"/>
+          </p:nvPr>
+        </p:nvSpPr>
+        <p:spPr/>
+      </p:sp>
+      <p:sp>
+        <p:nvSpPr>
+          <p:cNvPr id="3" name="備忘稿版面配置區 2"/>
+          <p:cNvSpPr>
+            <a:spLocks noGrp="1"/>
+          </p:cNvSpPr>
+          <p:nvPr>
+            <p:ph type="body" idx="1"/>
+          </p:nvPr>
+        </p:nvSpPr>
+        <p:spPr/>
+        <p:txBody>
+          <a:bodyPr/>
+          <a:lstStyle/>
+          <a:p>
+            <a:r>
+              <a:rPr lang="en-US" altLang="zh-TW" b="0" i="0" dirty="0">
+                <a:solidFill>
+                  <a:srgbClr val="F2DDCC"/>
+                </a:solidFill>
+                <a:effectLst/>
+                <a:latin typeface="Ginto"/>
+              </a:rPr>
+              <a:t>Xiao Mei, a girl with shoulder-length black hair and sleepy black eyes, standing in shock as rain pours down on her finished landscape painting. She wears a blue tank top over a white shirt, a gray pleated skirt, and black shoes. The painting on the easel, once detailed and vibrant, now has streaks of color running down due to the rain. Xiao Mei looks distressed, her sketchbook and art supplies scattered around, some wet. The scene takes place outdoors at dusk, with the dramatic rainfall and soft fading light creating a tense and emotional atmosphere.</a:t>
+            </a:r>
+            <a:endParaRPr lang="zh-TW" altLang="en-US" dirty="0"/>
+          </a:p>
+        </p:txBody>
+      </p:sp>
+      <p:sp>
+        <p:nvSpPr>
+          <p:cNvPr id="4" name="投影片編號版面配置區 3"/>
+          <p:cNvSpPr>
+            <a:spLocks noGrp="1"/>
+          </p:cNvSpPr>
+          <p:nvPr>
+            <p:ph type="sldNum" sz="quarter" idx="5"/>
+          </p:nvPr>
+        </p:nvSpPr>
+        <p:spPr/>
+        <p:txBody>
+          <a:bodyPr/>
+          <a:lstStyle/>
+          <a:p>
+            <a:fld id="{BDB4BAE9-CFB5-4F9F-90E7-96375A5FBC84}" type="slidenum">
+              <a:rPr lang="zh-TW" altLang="en-US" smtClean="0"/>
+              <a:t>6</a:t>
+            </a:fld>
+            <a:endParaRPr lang="zh-TW" altLang="en-US"/>
+          </a:p>
+        </p:txBody>
+      </p:sp>
+    </p:spTree>
+    <p:extLst>
+      <p:ext uri="{BB962C8B-B14F-4D97-AF65-F5344CB8AC3E}">
+        <p14:creationId xmlns:p14="http://schemas.microsoft.com/office/powerpoint/2010/main" val="3112329491"/>
+      </p:ext>
+    </p:extLst>
+  </p:cSld>
+  <p:clrMapOvr>
+    <a:masterClrMapping/>
+  </p:clrMapOvr>
+</p:notes>
+</file>
+
+<file path=ppt/notesSlides/notesSlide6.xml><?xml version="1.0" encoding="utf-8"?>
+<p:notes xmlns:a="http://schemas.openxmlformats.org/drawingml/2006/main" xmlns:r="http://schemas.openxmlformats.org/officeDocument/2006/relationships" xmlns:p="http://schemas.openxmlformats.org/presentationml/2006/main">
+  <p:cSld>
+    <p:spTree>
+      <p:nvGrpSpPr>
+        <p:cNvPr id="1" name=""/>
+        <p:cNvGrpSpPr/>
+        <p:nvPr/>
+      </p:nvGrpSpPr>
+      <p:grpSpPr>
+        <a:xfrm>
+          <a:off x="0" y="0"/>
+          <a:ext cx="0" cy="0"/>
+          <a:chOff x="0" y="0"/>
+          <a:chExt cx="0" cy="0"/>
+        </a:xfrm>
+      </p:grpSpPr>
+      <p:sp>
+        <p:nvSpPr>
+          <p:cNvPr id="2" name="投影片影像版面配置區 1"/>
+          <p:cNvSpPr>
+            <a:spLocks noGrp="1" noRot="1" noChangeAspect="1"/>
+          </p:cNvSpPr>
+          <p:nvPr>
+            <p:ph type="sldImg"/>
+          </p:nvPr>
+        </p:nvSpPr>
+        <p:spPr/>
+      </p:sp>
+      <p:sp>
+        <p:nvSpPr>
+          <p:cNvPr id="3" name="備忘稿版面配置區 2"/>
+          <p:cNvSpPr>
+            <a:spLocks noGrp="1"/>
+          </p:cNvSpPr>
+          <p:nvPr>
+            <p:ph type="body" idx="1"/>
+          </p:nvPr>
+        </p:nvSpPr>
+        <p:spPr/>
+        <p:txBody>
+          <a:bodyPr/>
+          <a:lstStyle/>
+          <a:p>
+            <a:r>
+              <a:rPr lang="en-US" altLang="zh-TW" b="0" i="0" dirty="0">
+                <a:solidFill>
+                  <a:srgbClr val="F2DDCC"/>
+                </a:solidFill>
+                <a:effectLst/>
+                <a:latin typeface="Ginto"/>
+              </a:rPr>
+              <a:t>Xiao Mei</a:t>
+            </a:r>
+            <a:r>
+              <a:rPr lang="zh-TW" altLang="en-US" b="0" i="0" dirty="0">
+                <a:solidFill>
+                  <a:srgbClr val="F2DDCC"/>
+                </a:solidFill>
+                <a:effectLst/>
+                <a:latin typeface="Ginto"/>
+              </a:rPr>
+              <a:t>，黑色短髮，參加比賽，她向評審展示夕陽的畫作。</a:t>
+            </a:r>
+            <a:endParaRPr lang="zh-TW" altLang="en-US" dirty="0"/>
+          </a:p>
+        </p:txBody>
+      </p:sp>
+      <p:sp>
+        <p:nvSpPr>
+          <p:cNvPr id="4" name="投影片編號版面配置區 3"/>
+          <p:cNvSpPr>
+            <a:spLocks noGrp="1"/>
+          </p:cNvSpPr>
+          <p:nvPr>
+            <p:ph type="sldNum" sz="quarter" idx="5"/>
+          </p:nvPr>
+        </p:nvSpPr>
+        <p:spPr/>
+        <p:txBody>
+          <a:bodyPr/>
+          <a:lstStyle/>
+          <a:p>
+            <a:fld id="{BDB4BAE9-CFB5-4F9F-90E7-96375A5FBC84}" type="slidenum">
+              <a:rPr lang="zh-TW" altLang="en-US" smtClean="0"/>
+              <a:t>7</a:t>
+            </a:fld>
+            <a:endParaRPr lang="zh-TW" altLang="en-US"/>
+          </a:p>
+        </p:txBody>
+      </p:sp>
+    </p:spTree>
+    <p:extLst>
+      <p:ext uri="{BB962C8B-B14F-4D97-AF65-F5344CB8AC3E}">
+        <p14:creationId xmlns:p14="http://schemas.microsoft.com/office/powerpoint/2010/main" val="3521005380"/>
+      </p:ext>
+    </p:extLst>
+  </p:cSld>
+  <p:clrMapOvr>
+    <a:masterClrMapping/>
+  </p:clrMapOvr>
+</p:notes>
+</file>
+
+<file path=ppt/notesSlides/notesSlide7.xml><?xml version="1.0" encoding="utf-8"?>
+<p:notes xmlns:a="http://schemas.openxmlformats.org/drawingml/2006/main" xmlns:r="http://schemas.openxmlformats.org/officeDocument/2006/relationships" xmlns:p="http://schemas.openxmlformats.org/presentationml/2006/main">
+  <p:cSld>
+    <p:spTree>
+      <p:nvGrpSpPr>
+        <p:cNvPr id="1" name=""/>
+        <p:cNvGrpSpPr/>
+        <p:nvPr/>
+      </p:nvGrpSpPr>
+      <p:grpSpPr>
+        <a:xfrm>
+          <a:off x="0" y="0"/>
+          <a:ext cx="0" cy="0"/>
+          <a:chOff x="0" y="0"/>
+          <a:chExt cx="0" cy="0"/>
+        </a:xfrm>
+      </p:grpSpPr>
+      <p:sp>
+        <p:nvSpPr>
+          <p:cNvPr id="2" name="投影片影像版面配置區 1"/>
+          <p:cNvSpPr>
+            <a:spLocks noGrp="1" noRot="1" noChangeAspect="1"/>
+          </p:cNvSpPr>
+          <p:nvPr>
+            <p:ph type="sldImg"/>
+          </p:nvPr>
+        </p:nvSpPr>
+        <p:spPr/>
+      </p:sp>
+      <p:sp>
+        <p:nvSpPr>
+          <p:cNvPr id="3" name="備忘稿版面配置區 2"/>
+          <p:cNvSpPr>
+            <a:spLocks noGrp="1"/>
+          </p:cNvSpPr>
+          <p:nvPr>
+            <p:ph type="body" idx="1"/>
+          </p:nvPr>
+        </p:nvSpPr>
+        <p:spPr/>
+        <p:txBody>
+          <a:bodyPr/>
+          <a:lstStyle/>
+          <a:p>
+            <a:r>
+              <a:rPr lang="en-US" altLang="zh-TW" b="0" i="0" dirty="0">
+                <a:solidFill>
+                  <a:srgbClr val="F2DDCC"/>
+                </a:solidFill>
+                <a:effectLst/>
+                <a:latin typeface="Ginto"/>
+              </a:rPr>
+              <a:t>Xiao Mei</a:t>
+            </a:r>
+            <a:r>
+              <a:rPr lang="zh-TW" altLang="en-US" b="0" i="0" dirty="0">
+                <a:solidFill>
+                  <a:srgbClr val="F2DDCC"/>
+                </a:solidFill>
+                <a:effectLst/>
+                <a:latin typeface="Ginto"/>
+              </a:rPr>
+              <a:t>一個女生，有著黑色及肩短髮和黑色的眼睛，穿著校服，包括長袖白襯衫、藍色背心和百褶裙。得獎了非常開心，環境光很溫暖，有綵帶飄落。</a:t>
+            </a:r>
+            <a:endParaRPr lang="zh-TW" altLang="en-US" dirty="0"/>
+          </a:p>
+        </p:txBody>
+      </p:sp>
+      <p:sp>
+        <p:nvSpPr>
+          <p:cNvPr id="4" name="投影片編號版面配置區 3"/>
+          <p:cNvSpPr>
+            <a:spLocks noGrp="1"/>
+          </p:cNvSpPr>
+          <p:nvPr>
+            <p:ph type="sldNum" sz="quarter" idx="5"/>
+          </p:nvPr>
+        </p:nvSpPr>
+        <p:spPr/>
+        <p:txBody>
+          <a:bodyPr/>
+          <a:lstStyle/>
+          <a:p>
+            <a:fld id="{BDB4BAE9-CFB5-4F9F-90E7-96375A5FBC84}" type="slidenum">
+              <a:rPr lang="zh-TW" altLang="en-US" smtClean="0"/>
+              <a:t>8</a:t>
+            </a:fld>
+            <a:endParaRPr lang="zh-TW" altLang="en-US"/>
+          </a:p>
+        </p:txBody>
+      </p:sp>
+    </p:spTree>
+    <p:extLst>
+      <p:ext uri="{BB962C8B-B14F-4D97-AF65-F5344CB8AC3E}">
+        <p14:creationId xmlns:p14="http://schemas.microsoft.com/office/powerpoint/2010/main" val="194607953"/>
+      </p:ext>
+    </p:extLst>
+  </p:cSld>
+  <p:clrMapOvr>
+    <a:masterClrMapping/>
+  </p:clrMapOvr>
+</p:notes>
 </file>
 
 <file path=ppt/slideLayouts/slideLayout1.xml><?xml version="1.0" encoding="utf-8"?>
@@ -129,7 +1181,7 @@
           <p:cNvPr id="2" name="標題 1">
             <a:extLst>
               <a:ext uri="{FF2B5EF4-FFF2-40B4-BE49-F238E27FC236}">
-                <a16:creationId xmlns:a16="http://schemas.microsoft.com/office/drawing/2014/main" id="{EB5CC918-B447-434E-B98E-5847BB49C259}"/>
+                <a16:creationId xmlns:a16="http://schemas.microsoft.com/office/drawing/2014/main" id="{253C58F5-326C-2731-FB97-844306FEA5B8}"/>
               </a:ext>
             </a:extLst>
           </p:cNvPr>
@@ -166,7 +1218,7 @@
           <p:cNvPr id="3" name="副標題 2">
             <a:extLst>
               <a:ext uri="{FF2B5EF4-FFF2-40B4-BE49-F238E27FC236}">
-                <a16:creationId xmlns:a16="http://schemas.microsoft.com/office/drawing/2014/main" id="{817FCC70-CC4E-4CB6-B2CF-9FDA5AC4D346}"/>
+                <a16:creationId xmlns:a16="http://schemas.microsoft.com/office/drawing/2014/main" id="{95CC6D51-A101-487C-4A7C-8F6F642B41BB}"/>
               </a:ext>
             </a:extLst>
           </p:cNvPr>
@@ -236,7 +1288,7 @@
           <p:cNvPr id="4" name="日期版面配置區 3">
             <a:extLst>
               <a:ext uri="{FF2B5EF4-FFF2-40B4-BE49-F238E27FC236}">
-                <a16:creationId xmlns:a16="http://schemas.microsoft.com/office/drawing/2014/main" id="{BD08F018-0004-4322-AD0F-E6E740964233}"/>
+                <a16:creationId xmlns:a16="http://schemas.microsoft.com/office/drawing/2014/main" id="{6E205D2C-28FD-9C29-BF51-E4954AE85DF2}"/>
               </a:ext>
             </a:extLst>
           </p:cNvPr>
@@ -252,9 +1304,9 @@
           <a:bodyPr/>
           <a:lstStyle/>
           <a:p>
-            <a:fld id="{C3C90D7E-32D6-4894-AE08-7BBB3E610FC9}" type="datetimeFigureOut">
+            <a:fld id="{1D47F646-C623-42E0-9E2A-7AACAFD5A18B}" type="datetimeFigureOut">
               <a:rPr lang="zh-TW" altLang="en-US" smtClean="0"/>
-              <a:t>2024/9/16</a:t>
+              <a:t>2024/10/23</a:t>
             </a:fld>
             <a:endParaRPr lang="zh-TW" altLang="en-US"/>
           </a:p>
@@ -265,7 +1317,7 @@
           <p:cNvPr id="5" name="頁尾版面配置區 4">
             <a:extLst>
               <a:ext uri="{FF2B5EF4-FFF2-40B4-BE49-F238E27FC236}">
-                <a16:creationId xmlns:a16="http://schemas.microsoft.com/office/drawing/2014/main" id="{30427B34-CB13-41C7-B2F2-CED9BDC5B595}"/>
+                <a16:creationId xmlns:a16="http://schemas.microsoft.com/office/drawing/2014/main" id="{6642ACA6-19AA-BC0F-DC6C-993C5362AA0D}"/>
               </a:ext>
             </a:extLst>
           </p:cNvPr>
@@ -290,7 +1342,7 @@
           <p:cNvPr id="6" name="投影片編號版面配置區 5">
             <a:extLst>
               <a:ext uri="{FF2B5EF4-FFF2-40B4-BE49-F238E27FC236}">
-                <a16:creationId xmlns:a16="http://schemas.microsoft.com/office/drawing/2014/main" id="{76FA962E-5B03-439A-928C-87366876542D}"/>
+                <a16:creationId xmlns:a16="http://schemas.microsoft.com/office/drawing/2014/main" id="{97DCDFC4-80BB-B542-8DB3-48A1B05C6B19}"/>
               </a:ext>
             </a:extLst>
           </p:cNvPr>
@@ -306,7 +1358,7 @@
           <a:bodyPr/>
           <a:lstStyle/>
           <a:p>
-            <a:fld id="{E31EC408-072F-4346-BD0A-D6AA5788A305}" type="slidenum">
+            <a:fld id="{90A681C6-CC16-4D5C-850E-A0F0F8C3AFA6}" type="slidenum">
               <a:rPr lang="zh-TW" altLang="en-US" smtClean="0"/>
               <a:t>‹#›</a:t>
             </a:fld>
@@ -317,7 +1369,7 @@
     </p:spTree>
     <p:extLst>
       <p:ext uri="{BB962C8B-B14F-4D97-AF65-F5344CB8AC3E}">
-        <p14:creationId xmlns:p14="http://schemas.microsoft.com/office/powerpoint/2010/main" val="2963035110"/>
+        <p14:creationId xmlns:p14="http://schemas.microsoft.com/office/powerpoint/2010/main" val="3377656992"/>
       </p:ext>
     </p:extLst>
   </p:cSld>
@@ -349,7 +1401,7 @@
           <p:cNvPr id="2" name="標題 1">
             <a:extLst>
               <a:ext uri="{FF2B5EF4-FFF2-40B4-BE49-F238E27FC236}">
-                <a16:creationId xmlns:a16="http://schemas.microsoft.com/office/drawing/2014/main" id="{A02F0018-7F8E-4206-A929-07CDC6B5F34A}"/>
+                <a16:creationId xmlns:a16="http://schemas.microsoft.com/office/drawing/2014/main" id="{12CEFC5A-5E77-5FC3-EE59-16110DE02CD6}"/>
               </a:ext>
             </a:extLst>
           </p:cNvPr>
@@ -377,7 +1429,7 @@
           <p:cNvPr id="3" name="直排文字版面配置區 2">
             <a:extLst>
               <a:ext uri="{FF2B5EF4-FFF2-40B4-BE49-F238E27FC236}">
-                <a16:creationId xmlns:a16="http://schemas.microsoft.com/office/drawing/2014/main" id="{9B801E88-34C3-4545-A358-81F5614FED64}"/>
+                <a16:creationId xmlns:a16="http://schemas.microsoft.com/office/drawing/2014/main" id="{355C1EFA-2A73-ADB8-152B-5C30FDEFF843}"/>
               </a:ext>
             </a:extLst>
           </p:cNvPr>
@@ -434,7 +1486,7 @@
           <p:cNvPr id="4" name="日期版面配置區 3">
             <a:extLst>
               <a:ext uri="{FF2B5EF4-FFF2-40B4-BE49-F238E27FC236}">
-                <a16:creationId xmlns:a16="http://schemas.microsoft.com/office/drawing/2014/main" id="{60AFD716-8B99-4230-B55F-C8B88ECBB171}"/>
+                <a16:creationId xmlns:a16="http://schemas.microsoft.com/office/drawing/2014/main" id="{3ED6A11B-2D38-B08B-07E8-5D1E26B2BEFE}"/>
               </a:ext>
             </a:extLst>
           </p:cNvPr>
@@ -450,9 +1502,9 @@
           <a:bodyPr/>
           <a:lstStyle/>
           <a:p>
-            <a:fld id="{C3C90D7E-32D6-4894-AE08-7BBB3E610FC9}" type="datetimeFigureOut">
+            <a:fld id="{1D47F646-C623-42E0-9E2A-7AACAFD5A18B}" type="datetimeFigureOut">
               <a:rPr lang="zh-TW" altLang="en-US" smtClean="0"/>
-              <a:t>2024/9/16</a:t>
+              <a:t>2024/10/23</a:t>
             </a:fld>
             <a:endParaRPr lang="zh-TW" altLang="en-US"/>
           </a:p>
@@ -463,7 +1515,7 @@
           <p:cNvPr id="5" name="頁尾版面配置區 4">
             <a:extLst>
               <a:ext uri="{FF2B5EF4-FFF2-40B4-BE49-F238E27FC236}">
-                <a16:creationId xmlns:a16="http://schemas.microsoft.com/office/drawing/2014/main" id="{EA374743-76D9-4BF8-A60C-2F50B2636A8A}"/>
+                <a16:creationId xmlns:a16="http://schemas.microsoft.com/office/drawing/2014/main" id="{F6CFE411-81C4-1646-264E-BC47989444F3}"/>
               </a:ext>
             </a:extLst>
           </p:cNvPr>
@@ -488,7 +1540,7 @@
           <p:cNvPr id="6" name="投影片編號版面配置區 5">
             <a:extLst>
               <a:ext uri="{FF2B5EF4-FFF2-40B4-BE49-F238E27FC236}">
-                <a16:creationId xmlns:a16="http://schemas.microsoft.com/office/drawing/2014/main" id="{00454594-6C11-4013-A666-A151E960EC9B}"/>
+                <a16:creationId xmlns:a16="http://schemas.microsoft.com/office/drawing/2014/main" id="{59C9E9EF-9D0E-7422-EE32-8A810019821C}"/>
               </a:ext>
             </a:extLst>
           </p:cNvPr>
@@ -504,7 +1556,7 @@
           <a:bodyPr/>
           <a:lstStyle/>
           <a:p>
-            <a:fld id="{E31EC408-072F-4346-BD0A-D6AA5788A305}" type="slidenum">
+            <a:fld id="{90A681C6-CC16-4D5C-850E-A0F0F8C3AFA6}" type="slidenum">
               <a:rPr lang="zh-TW" altLang="en-US" smtClean="0"/>
               <a:t>‹#›</a:t>
             </a:fld>
@@ -515,7 +1567,7 @@
     </p:spTree>
     <p:extLst>
       <p:ext uri="{BB962C8B-B14F-4D97-AF65-F5344CB8AC3E}">
-        <p14:creationId xmlns:p14="http://schemas.microsoft.com/office/powerpoint/2010/main" val="188953001"/>
+        <p14:creationId xmlns:p14="http://schemas.microsoft.com/office/powerpoint/2010/main" val="63739232"/>
       </p:ext>
     </p:extLst>
   </p:cSld>
@@ -547,7 +1599,7 @@
           <p:cNvPr id="2" name="直排標題 1">
             <a:extLst>
               <a:ext uri="{FF2B5EF4-FFF2-40B4-BE49-F238E27FC236}">
-                <a16:creationId xmlns:a16="http://schemas.microsoft.com/office/drawing/2014/main" id="{70F760AC-E708-4605-85E2-7D0F424B3E29}"/>
+                <a16:creationId xmlns:a16="http://schemas.microsoft.com/office/drawing/2014/main" id="{1CB89678-1987-F4B7-1505-5ACFEB86FA89}"/>
               </a:ext>
             </a:extLst>
           </p:cNvPr>
@@ -580,7 +1632,7 @@
           <p:cNvPr id="3" name="直排文字版面配置區 2">
             <a:extLst>
               <a:ext uri="{FF2B5EF4-FFF2-40B4-BE49-F238E27FC236}">
-                <a16:creationId xmlns:a16="http://schemas.microsoft.com/office/drawing/2014/main" id="{84BECF48-F3B6-4D47-82A8-C6AE92EDC2F0}"/>
+                <a16:creationId xmlns:a16="http://schemas.microsoft.com/office/drawing/2014/main" id="{AFAF13A5-594C-28A6-582A-3016593A06FD}"/>
               </a:ext>
             </a:extLst>
           </p:cNvPr>
@@ -642,7 +1694,7 @@
           <p:cNvPr id="4" name="日期版面配置區 3">
             <a:extLst>
               <a:ext uri="{FF2B5EF4-FFF2-40B4-BE49-F238E27FC236}">
-                <a16:creationId xmlns:a16="http://schemas.microsoft.com/office/drawing/2014/main" id="{215DE52A-093E-4116-A2FE-F61BA999B89F}"/>
+                <a16:creationId xmlns:a16="http://schemas.microsoft.com/office/drawing/2014/main" id="{FAF08E7F-A681-89E5-876F-620C13905C85}"/>
               </a:ext>
             </a:extLst>
           </p:cNvPr>
@@ -658,9 +1710,9 @@
           <a:bodyPr/>
           <a:lstStyle/>
           <a:p>
-            <a:fld id="{C3C90D7E-32D6-4894-AE08-7BBB3E610FC9}" type="datetimeFigureOut">
+            <a:fld id="{1D47F646-C623-42E0-9E2A-7AACAFD5A18B}" type="datetimeFigureOut">
               <a:rPr lang="zh-TW" altLang="en-US" smtClean="0"/>
-              <a:t>2024/9/16</a:t>
+              <a:t>2024/10/23</a:t>
             </a:fld>
             <a:endParaRPr lang="zh-TW" altLang="en-US"/>
           </a:p>
@@ -671,7 +1723,7 @@
           <p:cNvPr id="5" name="頁尾版面配置區 4">
             <a:extLst>
               <a:ext uri="{FF2B5EF4-FFF2-40B4-BE49-F238E27FC236}">
-                <a16:creationId xmlns:a16="http://schemas.microsoft.com/office/drawing/2014/main" id="{34553FE1-A5D9-4070-AA9C-378F491D4677}"/>
+                <a16:creationId xmlns:a16="http://schemas.microsoft.com/office/drawing/2014/main" id="{0C191226-58DE-1EA8-FD2F-302D4D30B3FA}"/>
               </a:ext>
             </a:extLst>
           </p:cNvPr>
@@ -696,7 +1748,7 @@
           <p:cNvPr id="6" name="投影片編號版面配置區 5">
             <a:extLst>
               <a:ext uri="{FF2B5EF4-FFF2-40B4-BE49-F238E27FC236}">
-                <a16:creationId xmlns:a16="http://schemas.microsoft.com/office/drawing/2014/main" id="{928EFDDC-5B11-4543-8144-518625EDA57F}"/>
+                <a16:creationId xmlns:a16="http://schemas.microsoft.com/office/drawing/2014/main" id="{DECC644E-8D54-C230-5006-5CC7C220DC97}"/>
               </a:ext>
             </a:extLst>
           </p:cNvPr>
@@ -712,7 +1764,7 @@
           <a:bodyPr/>
           <a:lstStyle/>
           <a:p>
-            <a:fld id="{E31EC408-072F-4346-BD0A-D6AA5788A305}" type="slidenum">
+            <a:fld id="{90A681C6-CC16-4D5C-850E-A0F0F8C3AFA6}" type="slidenum">
               <a:rPr lang="zh-TW" altLang="en-US" smtClean="0"/>
               <a:t>‹#›</a:t>
             </a:fld>
@@ -723,7 +1775,7 @@
     </p:spTree>
     <p:extLst>
       <p:ext uri="{BB962C8B-B14F-4D97-AF65-F5344CB8AC3E}">
-        <p14:creationId xmlns:p14="http://schemas.microsoft.com/office/powerpoint/2010/main" val="2483123943"/>
+        <p14:creationId xmlns:p14="http://schemas.microsoft.com/office/powerpoint/2010/main" val="1231109376"/>
       </p:ext>
     </p:extLst>
   </p:cSld>
@@ -755,7 +1807,7 @@
           <p:cNvPr id="2" name="標題 1">
             <a:extLst>
               <a:ext uri="{FF2B5EF4-FFF2-40B4-BE49-F238E27FC236}">
-                <a16:creationId xmlns:a16="http://schemas.microsoft.com/office/drawing/2014/main" id="{A1BFCF4C-FB58-444C-B754-A594851E4C7B}"/>
+                <a16:creationId xmlns:a16="http://schemas.microsoft.com/office/drawing/2014/main" id="{41137C62-4D16-5BAB-8734-C5386225B7AB}"/>
               </a:ext>
             </a:extLst>
           </p:cNvPr>
@@ -783,7 +1835,7 @@
           <p:cNvPr id="3" name="內容版面配置區 2">
             <a:extLst>
               <a:ext uri="{FF2B5EF4-FFF2-40B4-BE49-F238E27FC236}">
-                <a16:creationId xmlns:a16="http://schemas.microsoft.com/office/drawing/2014/main" id="{987C475D-648F-4511-A6FE-04B04F755F93}"/>
+                <a16:creationId xmlns:a16="http://schemas.microsoft.com/office/drawing/2014/main" id="{DBF70B9D-BC3D-4A93-421A-692817F8129C}"/>
               </a:ext>
             </a:extLst>
           </p:cNvPr>
@@ -840,7 +1892,7 @@
           <p:cNvPr id="4" name="日期版面配置區 3">
             <a:extLst>
               <a:ext uri="{FF2B5EF4-FFF2-40B4-BE49-F238E27FC236}">
-                <a16:creationId xmlns:a16="http://schemas.microsoft.com/office/drawing/2014/main" id="{F511FCF8-D8F7-4914-920F-D63F2D97F713}"/>
+                <a16:creationId xmlns:a16="http://schemas.microsoft.com/office/drawing/2014/main" id="{155CC0FF-7017-B2E1-9322-BB1F69797B8F}"/>
               </a:ext>
             </a:extLst>
           </p:cNvPr>
@@ -856,9 +1908,9 @@
           <a:bodyPr/>
           <a:lstStyle/>
           <a:p>
-            <a:fld id="{C3C90D7E-32D6-4894-AE08-7BBB3E610FC9}" type="datetimeFigureOut">
+            <a:fld id="{1D47F646-C623-42E0-9E2A-7AACAFD5A18B}" type="datetimeFigureOut">
               <a:rPr lang="zh-TW" altLang="en-US" smtClean="0"/>
-              <a:t>2024/9/16</a:t>
+              <a:t>2024/10/23</a:t>
             </a:fld>
             <a:endParaRPr lang="zh-TW" altLang="en-US"/>
           </a:p>
@@ -869,7 +1921,7 @@
           <p:cNvPr id="5" name="頁尾版面配置區 4">
             <a:extLst>
               <a:ext uri="{FF2B5EF4-FFF2-40B4-BE49-F238E27FC236}">
-                <a16:creationId xmlns:a16="http://schemas.microsoft.com/office/drawing/2014/main" id="{7E1D3E8F-338D-4B4D-B411-5282866FF95D}"/>
+                <a16:creationId xmlns:a16="http://schemas.microsoft.com/office/drawing/2014/main" id="{9608C8FA-5473-0D00-B258-C71A77B90147}"/>
               </a:ext>
             </a:extLst>
           </p:cNvPr>
@@ -894,7 +1946,7 @@
           <p:cNvPr id="6" name="投影片編號版面配置區 5">
             <a:extLst>
               <a:ext uri="{FF2B5EF4-FFF2-40B4-BE49-F238E27FC236}">
-                <a16:creationId xmlns:a16="http://schemas.microsoft.com/office/drawing/2014/main" id="{F7DF3AD5-06B6-42D8-AEDF-66CCE6582524}"/>
+                <a16:creationId xmlns:a16="http://schemas.microsoft.com/office/drawing/2014/main" id="{CFE00E5E-31D9-9BFF-1C3B-AD6B8F51422B}"/>
               </a:ext>
             </a:extLst>
           </p:cNvPr>
@@ -910,7 +1962,7 @@
           <a:bodyPr/>
           <a:lstStyle/>
           <a:p>
-            <a:fld id="{E31EC408-072F-4346-BD0A-D6AA5788A305}" type="slidenum">
+            <a:fld id="{90A681C6-CC16-4D5C-850E-A0F0F8C3AFA6}" type="slidenum">
               <a:rPr lang="zh-TW" altLang="en-US" smtClean="0"/>
               <a:t>‹#›</a:t>
             </a:fld>
@@ -921,7 +1973,7 @@
     </p:spTree>
     <p:extLst>
       <p:ext uri="{BB962C8B-B14F-4D97-AF65-F5344CB8AC3E}">
-        <p14:creationId xmlns:p14="http://schemas.microsoft.com/office/powerpoint/2010/main" val="4198509733"/>
+        <p14:creationId xmlns:p14="http://schemas.microsoft.com/office/powerpoint/2010/main" val="1737116139"/>
       </p:ext>
     </p:extLst>
   </p:cSld>
@@ -953,7 +2005,7 @@
           <p:cNvPr id="2" name="標題 1">
             <a:extLst>
               <a:ext uri="{FF2B5EF4-FFF2-40B4-BE49-F238E27FC236}">
-                <a16:creationId xmlns:a16="http://schemas.microsoft.com/office/drawing/2014/main" id="{5986B870-2B24-4658-9AEB-3C92E8E40B41}"/>
+                <a16:creationId xmlns:a16="http://schemas.microsoft.com/office/drawing/2014/main" id="{FAB870C7-3E8B-A8F6-CD32-8A1B82DBD42F}"/>
               </a:ext>
             </a:extLst>
           </p:cNvPr>
@@ -990,7 +2042,7 @@
           <p:cNvPr id="3" name="文字版面配置區 2">
             <a:extLst>
               <a:ext uri="{FF2B5EF4-FFF2-40B4-BE49-F238E27FC236}">
-                <a16:creationId xmlns:a16="http://schemas.microsoft.com/office/drawing/2014/main" id="{90235018-E757-4630-8511-F466B919268F}"/>
+                <a16:creationId xmlns:a16="http://schemas.microsoft.com/office/drawing/2014/main" id="{97E6DF38-6FC3-8DE4-305C-88A2E8F4B379}"/>
               </a:ext>
             </a:extLst>
           </p:cNvPr>
@@ -1115,7 +2167,7 @@
           <p:cNvPr id="4" name="日期版面配置區 3">
             <a:extLst>
               <a:ext uri="{FF2B5EF4-FFF2-40B4-BE49-F238E27FC236}">
-                <a16:creationId xmlns:a16="http://schemas.microsoft.com/office/drawing/2014/main" id="{37546C76-CF19-433D-9070-0A54A149F1B2}"/>
+                <a16:creationId xmlns:a16="http://schemas.microsoft.com/office/drawing/2014/main" id="{5E8218FC-B36B-3B77-090F-111C202CFAED}"/>
               </a:ext>
             </a:extLst>
           </p:cNvPr>
@@ -1131,9 +2183,9 @@
           <a:bodyPr/>
           <a:lstStyle/>
           <a:p>
-            <a:fld id="{C3C90D7E-32D6-4894-AE08-7BBB3E610FC9}" type="datetimeFigureOut">
+            <a:fld id="{1D47F646-C623-42E0-9E2A-7AACAFD5A18B}" type="datetimeFigureOut">
               <a:rPr lang="zh-TW" altLang="en-US" smtClean="0"/>
-              <a:t>2024/9/16</a:t>
+              <a:t>2024/10/23</a:t>
             </a:fld>
             <a:endParaRPr lang="zh-TW" altLang="en-US"/>
           </a:p>
@@ -1144,7 +2196,7 @@
           <p:cNvPr id="5" name="頁尾版面配置區 4">
             <a:extLst>
               <a:ext uri="{FF2B5EF4-FFF2-40B4-BE49-F238E27FC236}">
-                <a16:creationId xmlns:a16="http://schemas.microsoft.com/office/drawing/2014/main" id="{9C9DC25F-827C-4564-AD0E-7FD815D53AF7}"/>
+                <a16:creationId xmlns:a16="http://schemas.microsoft.com/office/drawing/2014/main" id="{2CF8BF43-FDC0-4728-9287-FDED2E1E65A1}"/>
               </a:ext>
             </a:extLst>
           </p:cNvPr>
@@ -1169,7 +2221,7 @@
           <p:cNvPr id="6" name="投影片編號版面配置區 5">
             <a:extLst>
               <a:ext uri="{FF2B5EF4-FFF2-40B4-BE49-F238E27FC236}">
-                <a16:creationId xmlns:a16="http://schemas.microsoft.com/office/drawing/2014/main" id="{8C0653A6-68AA-4213-8D62-EAF9243D6998}"/>
+                <a16:creationId xmlns:a16="http://schemas.microsoft.com/office/drawing/2014/main" id="{8041A13C-05FA-C878-560E-135451211F31}"/>
               </a:ext>
             </a:extLst>
           </p:cNvPr>
@@ -1185,7 +2237,7 @@
           <a:bodyPr/>
           <a:lstStyle/>
           <a:p>
-            <a:fld id="{E31EC408-072F-4346-BD0A-D6AA5788A305}" type="slidenum">
+            <a:fld id="{90A681C6-CC16-4D5C-850E-A0F0F8C3AFA6}" type="slidenum">
               <a:rPr lang="zh-TW" altLang="en-US" smtClean="0"/>
               <a:t>‹#›</a:t>
             </a:fld>
@@ -1196,7 +2248,7 @@
     </p:spTree>
     <p:extLst>
       <p:ext uri="{BB962C8B-B14F-4D97-AF65-F5344CB8AC3E}">
-        <p14:creationId xmlns:p14="http://schemas.microsoft.com/office/powerpoint/2010/main" val="3126775509"/>
+        <p14:creationId xmlns:p14="http://schemas.microsoft.com/office/powerpoint/2010/main" val="1017076045"/>
       </p:ext>
     </p:extLst>
   </p:cSld>
@@ -1228,7 +2280,7 @@
           <p:cNvPr id="2" name="標題 1">
             <a:extLst>
               <a:ext uri="{FF2B5EF4-FFF2-40B4-BE49-F238E27FC236}">
-                <a16:creationId xmlns:a16="http://schemas.microsoft.com/office/drawing/2014/main" id="{F8A74D77-9E6E-4FD1-97AD-0ADC1228B6AF}"/>
+                <a16:creationId xmlns:a16="http://schemas.microsoft.com/office/drawing/2014/main" id="{C0F40EBC-DD80-0D88-A969-09C57E674E97}"/>
               </a:ext>
             </a:extLst>
           </p:cNvPr>
@@ -1256,7 +2308,7 @@
           <p:cNvPr id="3" name="內容版面配置區 2">
             <a:extLst>
               <a:ext uri="{FF2B5EF4-FFF2-40B4-BE49-F238E27FC236}">
-                <a16:creationId xmlns:a16="http://schemas.microsoft.com/office/drawing/2014/main" id="{9FDE4E9B-689C-4373-B281-9636BE211982}"/>
+                <a16:creationId xmlns:a16="http://schemas.microsoft.com/office/drawing/2014/main" id="{2DBB3468-2DF7-D6FE-E43D-B9B7BD28FFCF}"/>
               </a:ext>
             </a:extLst>
           </p:cNvPr>
@@ -1318,7 +2370,7 @@
           <p:cNvPr id="4" name="內容版面配置區 3">
             <a:extLst>
               <a:ext uri="{FF2B5EF4-FFF2-40B4-BE49-F238E27FC236}">
-                <a16:creationId xmlns:a16="http://schemas.microsoft.com/office/drawing/2014/main" id="{CD25EC10-0BDA-4ECA-AB8E-059AC3378E22}"/>
+                <a16:creationId xmlns:a16="http://schemas.microsoft.com/office/drawing/2014/main" id="{2393966F-1E58-21D9-0C33-273386C1AD73}"/>
               </a:ext>
             </a:extLst>
           </p:cNvPr>
@@ -1380,7 +2432,7 @@
           <p:cNvPr id="5" name="日期版面配置區 4">
             <a:extLst>
               <a:ext uri="{FF2B5EF4-FFF2-40B4-BE49-F238E27FC236}">
-                <a16:creationId xmlns:a16="http://schemas.microsoft.com/office/drawing/2014/main" id="{63DAF127-0983-4C38-869C-C0A513FA9147}"/>
+                <a16:creationId xmlns:a16="http://schemas.microsoft.com/office/drawing/2014/main" id="{5E726988-89BE-6CF8-17CE-4F9C3AFCEEA3}"/>
               </a:ext>
             </a:extLst>
           </p:cNvPr>
@@ -1396,9 +2448,9 @@
           <a:bodyPr/>
           <a:lstStyle/>
           <a:p>
-            <a:fld id="{C3C90D7E-32D6-4894-AE08-7BBB3E610FC9}" type="datetimeFigureOut">
+            <a:fld id="{1D47F646-C623-42E0-9E2A-7AACAFD5A18B}" type="datetimeFigureOut">
               <a:rPr lang="zh-TW" altLang="en-US" smtClean="0"/>
-              <a:t>2024/9/16</a:t>
+              <a:t>2024/10/23</a:t>
             </a:fld>
             <a:endParaRPr lang="zh-TW" altLang="en-US"/>
           </a:p>
@@ -1409,7 +2461,7 @@
           <p:cNvPr id="6" name="頁尾版面配置區 5">
             <a:extLst>
               <a:ext uri="{FF2B5EF4-FFF2-40B4-BE49-F238E27FC236}">
-                <a16:creationId xmlns:a16="http://schemas.microsoft.com/office/drawing/2014/main" id="{E014CBA6-CCE3-4CF4-8E13-D895EDBD8F25}"/>
+                <a16:creationId xmlns:a16="http://schemas.microsoft.com/office/drawing/2014/main" id="{82D1E63D-9652-39BA-117F-9CE0CBD7D593}"/>
               </a:ext>
             </a:extLst>
           </p:cNvPr>
@@ -1434,7 +2486,7 @@
           <p:cNvPr id="7" name="投影片編號版面配置區 6">
             <a:extLst>
               <a:ext uri="{FF2B5EF4-FFF2-40B4-BE49-F238E27FC236}">
-                <a16:creationId xmlns:a16="http://schemas.microsoft.com/office/drawing/2014/main" id="{5CEAA8E5-79B3-445E-B8C3-29BD56CE6D7A}"/>
+                <a16:creationId xmlns:a16="http://schemas.microsoft.com/office/drawing/2014/main" id="{E4608BEE-5B41-348D-EB41-2A5FD8D78969}"/>
               </a:ext>
             </a:extLst>
           </p:cNvPr>
@@ -1450,7 +2502,7 @@
           <a:bodyPr/>
           <a:lstStyle/>
           <a:p>
-            <a:fld id="{E31EC408-072F-4346-BD0A-D6AA5788A305}" type="slidenum">
+            <a:fld id="{90A681C6-CC16-4D5C-850E-A0F0F8C3AFA6}" type="slidenum">
               <a:rPr lang="zh-TW" altLang="en-US" smtClean="0"/>
               <a:t>‹#›</a:t>
             </a:fld>
@@ -1461,7 +2513,7 @@
     </p:spTree>
     <p:extLst>
       <p:ext uri="{BB962C8B-B14F-4D97-AF65-F5344CB8AC3E}">
-        <p14:creationId xmlns:p14="http://schemas.microsoft.com/office/powerpoint/2010/main" val="3858213488"/>
+        <p14:creationId xmlns:p14="http://schemas.microsoft.com/office/powerpoint/2010/main" val="1940608737"/>
       </p:ext>
     </p:extLst>
   </p:cSld>
@@ -1493,7 +2545,7 @@
           <p:cNvPr id="2" name="標題 1">
             <a:extLst>
               <a:ext uri="{FF2B5EF4-FFF2-40B4-BE49-F238E27FC236}">
-                <a16:creationId xmlns:a16="http://schemas.microsoft.com/office/drawing/2014/main" id="{A00F76B6-8DEC-4A74-A06A-BA0146321CD8}"/>
+                <a16:creationId xmlns:a16="http://schemas.microsoft.com/office/drawing/2014/main" id="{A51A3EDA-332E-90B8-0AA9-C41DC65B359D}"/>
               </a:ext>
             </a:extLst>
           </p:cNvPr>
@@ -1526,7 +2578,7 @@
           <p:cNvPr id="3" name="文字版面配置區 2">
             <a:extLst>
               <a:ext uri="{FF2B5EF4-FFF2-40B4-BE49-F238E27FC236}">
-                <a16:creationId xmlns:a16="http://schemas.microsoft.com/office/drawing/2014/main" id="{EF00F5C5-99A7-4F16-855A-F170362659F7}"/>
+                <a16:creationId xmlns:a16="http://schemas.microsoft.com/office/drawing/2014/main" id="{53199343-22B6-60B5-8F94-D9650A909A3A}"/>
               </a:ext>
             </a:extLst>
           </p:cNvPr>
@@ -1597,7 +2649,7 @@
           <p:cNvPr id="4" name="內容版面配置區 3">
             <a:extLst>
               <a:ext uri="{FF2B5EF4-FFF2-40B4-BE49-F238E27FC236}">
-                <a16:creationId xmlns:a16="http://schemas.microsoft.com/office/drawing/2014/main" id="{6722BEB2-C9B4-4C14-8234-D17E84349984}"/>
+                <a16:creationId xmlns:a16="http://schemas.microsoft.com/office/drawing/2014/main" id="{5D4B54B3-8857-C9CB-8343-4F5AC561247E}"/>
               </a:ext>
             </a:extLst>
           </p:cNvPr>
@@ -1659,7 +2711,7 @@
           <p:cNvPr id="5" name="文字版面配置區 4">
             <a:extLst>
               <a:ext uri="{FF2B5EF4-FFF2-40B4-BE49-F238E27FC236}">
-                <a16:creationId xmlns:a16="http://schemas.microsoft.com/office/drawing/2014/main" id="{E4A41162-A0AC-4211-940F-4B92208F9B0E}"/>
+                <a16:creationId xmlns:a16="http://schemas.microsoft.com/office/drawing/2014/main" id="{2A963401-9933-31C3-4216-F8D72312B587}"/>
               </a:ext>
             </a:extLst>
           </p:cNvPr>
@@ -1730,7 +2782,7 @@
           <p:cNvPr id="6" name="內容版面配置區 5">
             <a:extLst>
               <a:ext uri="{FF2B5EF4-FFF2-40B4-BE49-F238E27FC236}">
-                <a16:creationId xmlns:a16="http://schemas.microsoft.com/office/drawing/2014/main" id="{E8EA159A-F9D7-4F58-A7C3-6E5B65E42266}"/>
+                <a16:creationId xmlns:a16="http://schemas.microsoft.com/office/drawing/2014/main" id="{0404A4FA-327B-EA8B-2A7A-10944945B081}"/>
               </a:ext>
             </a:extLst>
           </p:cNvPr>
@@ -1792,7 +2844,7 @@
           <p:cNvPr id="7" name="日期版面配置區 6">
             <a:extLst>
               <a:ext uri="{FF2B5EF4-FFF2-40B4-BE49-F238E27FC236}">
-                <a16:creationId xmlns:a16="http://schemas.microsoft.com/office/drawing/2014/main" id="{AE973E80-9141-48B7-A9D7-605A4541768F}"/>
+                <a16:creationId xmlns:a16="http://schemas.microsoft.com/office/drawing/2014/main" id="{61D81912-EB1F-56CA-3396-2AE39F3A6150}"/>
               </a:ext>
             </a:extLst>
           </p:cNvPr>
@@ -1808,9 +2860,9 @@
           <a:bodyPr/>
           <a:lstStyle/>
           <a:p>
-            <a:fld id="{C3C90D7E-32D6-4894-AE08-7BBB3E610FC9}" type="datetimeFigureOut">
+            <a:fld id="{1D47F646-C623-42E0-9E2A-7AACAFD5A18B}" type="datetimeFigureOut">
               <a:rPr lang="zh-TW" altLang="en-US" smtClean="0"/>
-              <a:t>2024/9/16</a:t>
+              <a:t>2024/10/23</a:t>
             </a:fld>
             <a:endParaRPr lang="zh-TW" altLang="en-US"/>
           </a:p>
@@ -1821,7 +2873,7 @@
           <p:cNvPr id="8" name="頁尾版面配置區 7">
             <a:extLst>
               <a:ext uri="{FF2B5EF4-FFF2-40B4-BE49-F238E27FC236}">
-                <a16:creationId xmlns:a16="http://schemas.microsoft.com/office/drawing/2014/main" id="{6520B07A-79F8-43E7-8013-632DD2AED223}"/>
+                <a16:creationId xmlns:a16="http://schemas.microsoft.com/office/drawing/2014/main" id="{D85FC6AF-58B3-3104-AF07-9AF8A90D9D83}"/>
               </a:ext>
             </a:extLst>
           </p:cNvPr>
@@ -1846,7 +2898,7 @@
           <p:cNvPr id="9" name="投影片編號版面配置區 8">
             <a:extLst>
               <a:ext uri="{FF2B5EF4-FFF2-40B4-BE49-F238E27FC236}">
-                <a16:creationId xmlns:a16="http://schemas.microsoft.com/office/drawing/2014/main" id="{3B997D8F-4F1C-4DE6-A82C-3E0C38ACAE96}"/>
+                <a16:creationId xmlns:a16="http://schemas.microsoft.com/office/drawing/2014/main" id="{ECAEC10D-6DA0-EAE4-5DD5-79E87B1BF25D}"/>
               </a:ext>
             </a:extLst>
           </p:cNvPr>
@@ -1862,7 +2914,7 @@
           <a:bodyPr/>
           <a:lstStyle/>
           <a:p>
-            <a:fld id="{E31EC408-072F-4346-BD0A-D6AA5788A305}" type="slidenum">
+            <a:fld id="{90A681C6-CC16-4D5C-850E-A0F0F8C3AFA6}" type="slidenum">
               <a:rPr lang="zh-TW" altLang="en-US" smtClean="0"/>
               <a:t>‹#›</a:t>
             </a:fld>
@@ -1873,7 +2925,7 @@
     </p:spTree>
     <p:extLst>
       <p:ext uri="{BB962C8B-B14F-4D97-AF65-F5344CB8AC3E}">
-        <p14:creationId xmlns:p14="http://schemas.microsoft.com/office/powerpoint/2010/main" val="3379995638"/>
+        <p14:creationId xmlns:p14="http://schemas.microsoft.com/office/powerpoint/2010/main" val="3849995189"/>
       </p:ext>
     </p:extLst>
   </p:cSld>
@@ -1905,7 +2957,7 @@
           <p:cNvPr id="2" name="標題 1">
             <a:extLst>
               <a:ext uri="{FF2B5EF4-FFF2-40B4-BE49-F238E27FC236}">
-                <a16:creationId xmlns:a16="http://schemas.microsoft.com/office/drawing/2014/main" id="{6CE04611-FD10-429D-89AA-73C259B64293}"/>
+                <a16:creationId xmlns:a16="http://schemas.microsoft.com/office/drawing/2014/main" id="{ACD09A51-2C09-7CEA-8BDE-853F2FA32847}"/>
               </a:ext>
             </a:extLst>
           </p:cNvPr>
@@ -1933,7 +2985,7 @@
           <p:cNvPr id="3" name="日期版面配置區 2">
             <a:extLst>
               <a:ext uri="{FF2B5EF4-FFF2-40B4-BE49-F238E27FC236}">
-                <a16:creationId xmlns:a16="http://schemas.microsoft.com/office/drawing/2014/main" id="{2D9009F3-A280-4DA8-ACC4-187DE2172BCA}"/>
+                <a16:creationId xmlns:a16="http://schemas.microsoft.com/office/drawing/2014/main" id="{8854F972-08A3-EB68-9643-8B3186D91EE1}"/>
               </a:ext>
             </a:extLst>
           </p:cNvPr>
@@ -1949,9 +3001,9 @@
           <a:bodyPr/>
           <a:lstStyle/>
           <a:p>
-            <a:fld id="{C3C90D7E-32D6-4894-AE08-7BBB3E610FC9}" type="datetimeFigureOut">
+            <a:fld id="{1D47F646-C623-42E0-9E2A-7AACAFD5A18B}" type="datetimeFigureOut">
               <a:rPr lang="zh-TW" altLang="en-US" smtClean="0"/>
-              <a:t>2024/9/16</a:t>
+              <a:t>2024/10/23</a:t>
             </a:fld>
             <a:endParaRPr lang="zh-TW" altLang="en-US"/>
           </a:p>
@@ -1962,7 +3014,7 @@
           <p:cNvPr id="4" name="頁尾版面配置區 3">
             <a:extLst>
               <a:ext uri="{FF2B5EF4-FFF2-40B4-BE49-F238E27FC236}">
-                <a16:creationId xmlns:a16="http://schemas.microsoft.com/office/drawing/2014/main" id="{F8FD791E-F627-4DDB-AD69-F7639FDD1767}"/>
+                <a16:creationId xmlns:a16="http://schemas.microsoft.com/office/drawing/2014/main" id="{81C04898-4ACE-CE74-52CA-A1235C408F7F}"/>
               </a:ext>
             </a:extLst>
           </p:cNvPr>
@@ -1987,7 +3039,7 @@
           <p:cNvPr id="5" name="投影片編號版面配置區 4">
             <a:extLst>
               <a:ext uri="{FF2B5EF4-FFF2-40B4-BE49-F238E27FC236}">
-                <a16:creationId xmlns:a16="http://schemas.microsoft.com/office/drawing/2014/main" id="{CE9C3C73-9A1B-4A20-B40C-BF8E0726E9AE}"/>
+                <a16:creationId xmlns:a16="http://schemas.microsoft.com/office/drawing/2014/main" id="{E8AC75D8-D20D-E97E-B6FB-E0990D7C9BA6}"/>
               </a:ext>
             </a:extLst>
           </p:cNvPr>
@@ -2003,7 +3055,7 @@
           <a:bodyPr/>
           <a:lstStyle/>
           <a:p>
-            <a:fld id="{E31EC408-072F-4346-BD0A-D6AA5788A305}" type="slidenum">
+            <a:fld id="{90A681C6-CC16-4D5C-850E-A0F0F8C3AFA6}" type="slidenum">
               <a:rPr lang="zh-TW" altLang="en-US" smtClean="0"/>
               <a:t>‹#›</a:t>
             </a:fld>
@@ -2014,7 +3066,7 @@
     </p:spTree>
     <p:extLst>
       <p:ext uri="{BB962C8B-B14F-4D97-AF65-F5344CB8AC3E}">
-        <p14:creationId xmlns:p14="http://schemas.microsoft.com/office/powerpoint/2010/main" val="3116621787"/>
+        <p14:creationId xmlns:p14="http://schemas.microsoft.com/office/powerpoint/2010/main" val="2248430427"/>
       </p:ext>
     </p:extLst>
   </p:cSld>
@@ -2046,7 +3098,7 @@
           <p:cNvPr id="2" name="日期版面配置區 1">
             <a:extLst>
               <a:ext uri="{FF2B5EF4-FFF2-40B4-BE49-F238E27FC236}">
-                <a16:creationId xmlns:a16="http://schemas.microsoft.com/office/drawing/2014/main" id="{1E1D8EED-F2A7-4221-9887-0DBB62EB3F80}"/>
+                <a16:creationId xmlns:a16="http://schemas.microsoft.com/office/drawing/2014/main" id="{03B1F9F5-9C76-B33C-53B1-99EB96A1DE9F}"/>
               </a:ext>
             </a:extLst>
           </p:cNvPr>
@@ -2062,9 +3114,9 @@
           <a:bodyPr/>
           <a:lstStyle/>
           <a:p>
-            <a:fld id="{C3C90D7E-32D6-4894-AE08-7BBB3E610FC9}" type="datetimeFigureOut">
+            <a:fld id="{1D47F646-C623-42E0-9E2A-7AACAFD5A18B}" type="datetimeFigureOut">
               <a:rPr lang="zh-TW" altLang="en-US" smtClean="0"/>
-              <a:t>2024/9/16</a:t>
+              <a:t>2024/10/23</a:t>
             </a:fld>
             <a:endParaRPr lang="zh-TW" altLang="en-US"/>
           </a:p>
@@ -2075,7 +3127,7 @@
           <p:cNvPr id="3" name="頁尾版面配置區 2">
             <a:extLst>
               <a:ext uri="{FF2B5EF4-FFF2-40B4-BE49-F238E27FC236}">
-                <a16:creationId xmlns:a16="http://schemas.microsoft.com/office/drawing/2014/main" id="{10593B39-DC86-45A7-85EF-B4DB9C28DC80}"/>
+                <a16:creationId xmlns:a16="http://schemas.microsoft.com/office/drawing/2014/main" id="{A2E2C429-0A31-7C08-6F6F-4A6FA63F44C0}"/>
               </a:ext>
             </a:extLst>
           </p:cNvPr>
@@ -2100,7 +3152,7 @@
           <p:cNvPr id="4" name="投影片編號版面配置區 3">
             <a:extLst>
               <a:ext uri="{FF2B5EF4-FFF2-40B4-BE49-F238E27FC236}">
-                <a16:creationId xmlns:a16="http://schemas.microsoft.com/office/drawing/2014/main" id="{3D9056B2-6966-4CAF-94D1-2295A737E168}"/>
+                <a16:creationId xmlns:a16="http://schemas.microsoft.com/office/drawing/2014/main" id="{27A86FB8-2ABD-14AA-C0DD-B811221515C5}"/>
               </a:ext>
             </a:extLst>
           </p:cNvPr>
@@ -2116,7 +3168,7 @@
           <a:bodyPr/>
           <a:lstStyle/>
           <a:p>
-            <a:fld id="{E31EC408-072F-4346-BD0A-D6AA5788A305}" type="slidenum">
+            <a:fld id="{90A681C6-CC16-4D5C-850E-A0F0F8C3AFA6}" type="slidenum">
               <a:rPr lang="zh-TW" altLang="en-US" smtClean="0"/>
               <a:t>‹#›</a:t>
             </a:fld>
@@ -2127,7 +3179,7 @@
     </p:spTree>
     <p:extLst>
       <p:ext uri="{BB962C8B-B14F-4D97-AF65-F5344CB8AC3E}">
-        <p14:creationId xmlns:p14="http://schemas.microsoft.com/office/powerpoint/2010/main" val="3887241942"/>
+        <p14:creationId xmlns:p14="http://schemas.microsoft.com/office/powerpoint/2010/main" val="2010723393"/>
       </p:ext>
     </p:extLst>
   </p:cSld>
@@ -2159,7 +3211,7 @@
           <p:cNvPr id="2" name="標題 1">
             <a:extLst>
               <a:ext uri="{FF2B5EF4-FFF2-40B4-BE49-F238E27FC236}">
-                <a16:creationId xmlns:a16="http://schemas.microsoft.com/office/drawing/2014/main" id="{5C3076DF-D16B-4600-9550-96C6A8DD7F1A}"/>
+                <a16:creationId xmlns:a16="http://schemas.microsoft.com/office/drawing/2014/main" id="{541CBBEB-4BDF-3A8D-69B9-927913761E71}"/>
               </a:ext>
             </a:extLst>
           </p:cNvPr>
@@ -2196,7 +3248,7 @@
           <p:cNvPr id="3" name="內容版面配置區 2">
             <a:extLst>
               <a:ext uri="{FF2B5EF4-FFF2-40B4-BE49-F238E27FC236}">
-                <a16:creationId xmlns:a16="http://schemas.microsoft.com/office/drawing/2014/main" id="{9CD3D667-FDE5-4F5D-9495-588EC18912CE}"/>
+                <a16:creationId xmlns:a16="http://schemas.microsoft.com/office/drawing/2014/main" id="{211A5495-9D65-EBD2-F19B-E442D4584417}"/>
               </a:ext>
             </a:extLst>
           </p:cNvPr>
@@ -2286,7 +3338,7 @@
           <p:cNvPr id="4" name="文字版面配置區 3">
             <a:extLst>
               <a:ext uri="{FF2B5EF4-FFF2-40B4-BE49-F238E27FC236}">
-                <a16:creationId xmlns:a16="http://schemas.microsoft.com/office/drawing/2014/main" id="{22F511E7-BEEF-4F51-BA0E-52C1908D5608}"/>
+                <a16:creationId xmlns:a16="http://schemas.microsoft.com/office/drawing/2014/main" id="{D56D1D6C-A9CF-8214-F765-F141DAFD07E4}"/>
               </a:ext>
             </a:extLst>
           </p:cNvPr>
@@ -2357,7 +3409,7 @@
           <p:cNvPr id="5" name="日期版面配置區 4">
             <a:extLst>
               <a:ext uri="{FF2B5EF4-FFF2-40B4-BE49-F238E27FC236}">
-                <a16:creationId xmlns:a16="http://schemas.microsoft.com/office/drawing/2014/main" id="{88060697-A92E-4178-A790-FCBB90D70573}"/>
+                <a16:creationId xmlns:a16="http://schemas.microsoft.com/office/drawing/2014/main" id="{4E068A29-C3D1-6A66-B6B8-224566EAC1C6}"/>
               </a:ext>
             </a:extLst>
           </p:cNvPr>
@@ -2373,9 +3425,9 @@
           <a:bodyPr/>
           <a:lstStyle/>
           <a:p>
-            <a:fld id="{C3C90D7E-32D6-4894-AE08-7BBB3E610FC9}" type="datetimeFigureOut">
+            <a:fld id="{1D47F646-C623-42E0-9E2A-7AACAFD5A18B}" type="datetimeFigureOut">
               <a:rPr lang="zh-TW" altLang="en-US" smtClean="0"/>
-              <a:t>2024/9/16</a:t>
+              <a:t>2024/10/23</a:t>
             </a:fld>
             <a:endParaRPr lang="zh-TW" altLang="en-US"/>
           </a:p>
@@ -2386,7 +3438,7 @@
           <p:cNvPr id="6" name="頁尾版面配置區 5">
             <a:extLst>
               <a:ext uri="{FF2B5EF4-FFF2-40B4-BE49-F238E27FC236}">
-                <a16:creationId xmlns:a16="http://schemas.microsoft.com/office/drawing/2014/main" id="{2A8E3F57-A99A-4C4C-BF14-EE42AB99CE78}"/>
+                <a16:creationId xmlns:a16="http://schemas.microsoft.com/office/drawing/2014/main" id="{C4CE7075-0593-40BA-7612-5C9D9AF7B3F7}"/>
               </a:ext>
             </a:extLst>
           </p:cNvPr>
@@ -2411,7 +3463,7 @@
           <p:cNvPr id="7" name="投影片編號版面配置區 6">
             <a:extLst>
               <a:ext uri="{FF2B5EF4-FFF2-40B4-BE49-F238E27FC236}">
-                <a16:creationId xmlns:a16="http://schemas.microsoft.com/office/drawing/2014/main" id="{39234440-6924-48D7-AC1A-200D5946BCA9}"/>
+                <a16:creationId xmlns:a16="http://schemas.microsoft.com/office/drawing/2014/main" id="{2F874A69-ED46-0AFB-BF2C-A7A0CA82B4E2}"/>
               </a:ext>
             </a:extLst>
           </p:cNvPr>
@@ -2427,7 +3479,7 @@
           <a:bodyPr/>
           <a:lstStyle/>
           <a:p>
-            <a:fld id="{E31EC408-072F-4346-BD0A-D6AA5788A305}" type="slidenum">
+            <a:fld id="{90A681C6-CC16-4D5C-850E-A0F0F8C3AFA6}" type="slidenum">
               <a:rPr lang="zh-TW" altLang="en-US" smtClean="0"/>
               <a:t>‹#›</a:t>
             </a:fld>
@@ -2438,7 +3490,7 @@
     </p:spTree>
     <p:extLst>
       <p:ext uri="{BB962C8B-B14F-4D97-AF65-F5344CB8AC3E}">
-        <p14:creationId xmlns:p14="http://schemas.microsoft.com/office/powerpoint/2010/main" val="2036183199"/>
+        <p14:creationId xmlns:p14="http://schemas.microsoft.com/office/powerpoint/2010/main" val="121642509"/>
       </p:ext>
     </p:extLst>
   </p:cSld>
@@ -2470,7 +3522,7 @@
           <p:cNvPr id="2" name="標題 1">
             <a:extLst>
               <a:ext uri="{FF2B5EF4-FFF2-40B4-BE49-F238E27FC236}">
-                <a16:creationId xmlns:a16="http://schemas.microsoft.com/office/drawing/2014/main" id="{B2E81694-0B93-4D65-9DA3-21597478A96C}"/>
+                <a16:creationId xmlns:a16="http://schemas.microsoft.com/office/drawing/2014/main" id="{EFE9FCC7-FBE9-09C0-C923-62BDCB225785}"/>
               </a:ext>
             </a:extLst>
           </p:cNvPr>
@@ -2507,7 +3559,7 @@
           <p:cNvPr id="3" name="圖片版面配置區 2">
             <a:extLst>
               <a:ext uri="{FF2B5EF4-FFF2-40B4-BE49-F238E27FC236}">
-                <a16:creationId xmlns:a16="http://schemas.microsoft.com/office/drawing/2014/main" id="{23E4D718-8CB0-4334-BB8A-FB8B57D7CDC6}"/>
+                <a16:creationId xmlns:a16="http://schemas.microsoft.com/office/drawing/2014/main" id="{13564391-42BC-0A12-C08F-0BB06C09DAD1}"/>
               </a:ext>
             </a:extLst>
           </p:cNvPr>
@@ -2574,7 +3626,7 @@
           <p:cNvPr id="4" name="文字版面配置區 3">
             <a:extLst>
               <a:ext uri="{FF2B5EF4-FFF2-40B4-BE49-F238E27FC236}">
-                <a16:creationId xmlns:a16="http://schemas.microsoft.com/office/drawing/2014/main" id="{0DC47463-53E7-4FE3-B60B-1657D11127BD}"/>
+                <a16:creationId xmlns:a16="http://schemas.microsoft.com/office/drawing/2014/main" id="{8CF65B3A-49F3-5F7D-635B-5DE6571E1B0D}"/>
               </a:ext>
             </a:extLst>
           </p:cNvPr>
@@ -2645,7 +3697,7 @@
           <p:cNvPr id="5" name="日期版面配置區 4">
             <a:extLst>
               <a:ext uri="{FF2B5EF4-FFF2-40B4-BE49-F238E27FC236}">
-                <a16:creationId xmlns:a16="http://schemas.microsoft.com/office/drawing/2014/main" id="{28875DC5-6AFF-40C0-8C77-F81A0A3E1B0F}"/>
+                <a16:creationId xmlns:a16="http://schemas.microsoft.com/office/drawing/2014/main" id="{7651A168-7CC5-C908-8BE8-54C07B858ADD}"/>
               </a:ext>
             </a:extLst>
           </p:cNvPr>
@@ -2661,9 +3713,9 @@
           <a:bodyPr/>
           <a:lstStyle/>
           <a:p>
-            <a:fld id="{C3C90D7E-32D6-4894-AE08-7BBB3E610FC9}" type="datetimeFigureOut">
+            <a:fld id="{1D47F646-C623-42E0-9E2A-7AACAFD5A18B}" type="datetimeFigureOut">
               <a:rPr lang="zh-TW" altLang="en-US" smtClean="0"/>
-              <a:t>2024/9/16</a:t>
+              <a:t>2024/10/23</a:t>
             </a:fld>
             <a:endParaRPr lang="zh-TW" altLang="en-US"/>
           </a:p>
@@ -2674,7 +3726,7 @@
           <p:cNvPr id="6" name="頁尾版面配置區 5">
             <a:extLst>
               <a:ext uri="{FF2B5EF4-FFF2-40B4-BE49-F238E27FC236}">
-                <a16:creationId xmlns:a16="http://schemas.microsoft.com/office/drawing/2014/main" id="{24F8A973-6D07-4F0C-97A0-280FEFC238E0}"/>
+                <a16:creationId xmlns:a16="http://schemas.microsoft.com/office/drawing/2014/main" id="{18D92652-619B-F5F7-C2E8-A241B1D454B7}"/>
               </a:ext>
             </a:extLst>
           </p:cNvPr>
@@ -2699,7 +3751,7 @@
           <p:cNvPr id="7" name="投影片編號版面配置區 6">
             <a:extLst>
               <a:ext uri="{FF2B5EF4-FFF2-40B4-BE49-F238E27FC236}">
-                <a16:creationId xmlns:a16="http://schemas.microsoft.com/office/drawing/2014/main" id="{DB60BB1E-F41B-40F0-929B-5208374980BF}"/>
+                <a16:creationId xmlns:a16="http://schemas.microsoft.com/office/drawing/2014/main" id="{D56779AA-E00B-65C6-FEC4-D7B16BC5EFB9}"/>
               </a:ext>
             </a:extLst>
           </p:cNvPr>
@@ -2715,7 +3767,7 @@
           <a:bodyPr/>
           <a:lstStyle/>
           <a:p>
-            <a:fld id="{E31EC408-072F-4346-BD0A-D6AA5788A305}" type="slidenum">
+            <a:fld id="{90A681C6-CC16-4D5C-850E-A0F0F8C3AFA6}" type="slidenum">
               <a:rPr lang="zh-TW" altLang="en-US" smtClean="0"/>
               <a:t>‹#›</a:t>
             </a:fld>
@@ -2726,7 +3778,7 @@
     </p:spTree>
     <p:extLst>
       <p:ext uri="{BB962C8B-B14F-4D97-AF65-F5344CB8AC3E}">
-        <p14:creationId xmlns:p14="http://schemas.microsoft.com/office/powerpoint/2010/main" val="3148270851"/>
+        <p14:creationId xmlns:p14="http://schemas.microsoft.com/office/powerpoint/2010/main" val="3624597223"/>
       </p:ext>
     </p:extLst>
   </p:cSld>
@@ -2763,7 +3815,7 @@
           <p:cNvPr id="2" name="標題版面配置區 1">
             <a:extLst>
               <a:ext uri="{FF2B5EF4-FFF2-40B4-BE49-F238E27FC236}">
-                <a16:creationId xmlns:a16="http://schemas.microsoft.com/office/drawing/2014/main" id="{B8575AAC-624C-4B52-ABD4-699B1E35D2CF}"/>
+                <a16:creationId xmlns:a16="http://schemas.microsoft.com/office/drawing/2014/main" id="{B45CB659-8F00-48C2-4B00-5D96B1DF0016}"/>
               </a:ext>
             </a:extLst>
           </p:cNvPr>
@@ -2801,7 +3853,7 @@
           <p:cNvPr id="3" name="文字版面配置區 2">
             <a:extLst>
               <a:ext uri="{FF2B5EF4-FFF2-40B4-BE49-F238E27FC236}">
-                <a16:creationId xmlns:a16="http://schemas.microsoft.com/office/drawing/2014/main" id="{76722991-C57D-471F-8271-C419A1CFB074}"/>
+                <a16:creationId xmlns:a16="http://schemas.microsoft.com/office/drawing/2014/main" id="{47F0FD5E-6201-D26F-42BC-0CCDDE7A2693}"/>
               </a:ext>
             </a:extLst>
           </p:cNvPr>
@@ -2868,7 +3920,7 @@
           <p:cNvPr id="4" name="日期版面配置區 3">
             <a:extLst>
               <a:ext uri="{FF2B5EF4-FFF2-40B4-BE49-F238E27FC236}">
-                <a16:creationId xmlns:a16="http://schemas.microsoft.com/office/drawing/2014/main" id="{85C839DD-8CBF-4E23-A0C7-7C039E950BB8}"/>
+                <a16:creationId xmlns:a16="http://schemas.microsoft.com/office/drawing/2014/main" id="{E99204C8-6FEE-D3C4-32C2-D805CFCAD4FC}"/>
               </a:ext>
             </a:extLst>
           </p:cNvPr>
@@ -2902,9 +3954,9 @@
             </a:lvl1pPr>
           </a:lstStyle>
           <a:p>
-            <a:fld id="{C3C90D7E-32D6-4894-AE08-7BBB3E610FC9}" type="datetimeFigureOut">
+            <a:fld id="{1D47F646-C623-42E0-9E2A-7AACAFD5A18B}" type="datetimeFigureOut">
               <a:rPr lang="zh-TW" altLang="en-US" smtClean="0"/>
-              <a:t>2024/9/16</a:t>
+              <a:t>2024/10/23</a:t>
             </a:fld>
             <a:endParaRPr lang="zh-TW" altLang="en-US"/>
           </a:p>
@@ -2915,7 +3967,7 @@
           <p:cNvPr id="5" name="頁尾版面配置區 4">
             <a:extLst>
               <a:ext uri="{FF2B5EF4-FFF2-40B4-BE49-F238E27FC236}">
-                <a16:creationId xmlns:a16="http://schemas.microsoft.com/office/drawing/2014/main" id="{12802D8A-77D4-418C-8190-43B6ADED2131}"/>
+                <a16:creationId xmlns:a16="http://schemas.microsoft.com/office/drawing/2014/main" id="{E981F0CE-A40B-723F-3A02-D5E42D1B9C07}"/>
               </a:ext>
             </a:extLst>
           </p:cNvPr>
@@ -2958,7 +4010,7 @@
           <p:cNvPr id="6" name="投影片編號版面配置區 5">
             <a:extLst>
               <a:ext uri="{FF2B5EF4-FFF2-40B4-BE49-F238E27FC236}">
-                <a16:creationId xmlns:a16="http://schemas.microsoft.com/office/drawing/2014/main" id="{7072B55E-2BE2-4AF4-AFF8-2A716F492F1C}"/>
+                <a16:creationId xmlns:a16="http://schemas.microsoft.com/office/drawing/2014/main" id="{128067BE-6CE1-D583-CC31-5FC7D7F75AB9}"/>
               </a:ext>
             </a:extLst>
           </p:cNvPr>
@@ -2992,7 +4044,7 @@
             </a:lvl1pPr>
           </a:lstStyle>
           <a:p>
-            <a:fld id="{E31EC408-072F-4346-BD0A-D6AA5788A305}" type="slidenum">
+            <a:fld id="{90A681C6-CC16-4D5C-850E-A0F0F8C3AFA6}" type="slidenum">
               <a:rPr lang="zh-TW" altLang="en-US" smtClean="0"/>
               <a:t>‹#›</a:t>
             </a:fld>
@@ -3003,7 +4055,7 @@
     </p:spTree>
     <p:extLst>
       <p:ext uri="{BB962C8B-B14F-4D97-AF65-F5344CB8AC3E}">
-        <p14:creationId xmlns:p14="http://schemas.microsoft.com/office/powerpoint/2010/main" val="2016052060"/>
+        <p14:creationId xmlns:p14="http://schemas.microsoft.com/office/powerpoint/2010/main" val="2600521547"/>
       </p:ext>
     </p:extLst>
   </p:cSld>
@@ -3323,50 +4375,401 @@
       </p:grpSpPr>
       <p:sp>
         <p:nvSpPr>
-          <p:cNvPr id="2" name="標題 1">
-            <a:extLst>
-              <a:ext uri="{FF2B5EF4-FFF2-40B4-BE49-F238E27FC236}">
-                <a16:creationId xmlns:a16="http://schemas.microsoft.com/office/drawing/2014/main" id="{32532283-9F93-4E44-8138-32796965361F}"/>
-              </a:ext>
-            </a:extLst>
-          </p:cNvPr>
-          <p:cNvSpPr>
-            <a:spLocks noGrp="1"/>
-          </p:cNvSpPr>
-          <p:nvPr>
-            <p:ph type="ctrTitle"/>
-          </p:nvPr>
-        </p:nvSpPr>
-        <p:spPr/>
-        <p:txBody>
-          <a:bodyPr/>
+          <p:cNvPr id="4" name="內容版面配置區 8">
+            <a:extLst>
+              <a:ext uri="{FF2B5EF4-FFF2-40B4-BE49-F238E27FC236}">
+                <a16:creationId xmlns:a16="http://schemas.microsoft.com/office/drawing/2014/main" id="{D62BE31C-1EC5-74ED-A495-53C2B5DB5DA0}"/>
+              </a:ext>
+            </a:extLst>
+          </p:cNvPr>
+          <p:cNvSpPr txBox="1">
+            <a:spLocks/>
+          </p:cNvSpPr>
+          <p:nvPr/>
+        </p:nvSpPr>
+        <p:spPr>
+          <a:xfrm>
+            <a:off x="0" y="2632100"/>
+            <a:ext cx="6985301" cy="1301677"/>
+          </a:xfrm>
+          <a:prstGeom prst="rect">
+            <a:avLst/>
+          </a:prstGeom>
+        </p:spPr>
+        <p:txBody>
+          <a:bodyPr vert="horz" lIns="91440" tIns="45720" rIns="91440" bIns="45720" rtlCol="0">
+            <a:normAutofit/>
+          </a:bodyPr>
+          <a:lstStyle>
+            <a:lvl1pPr marL="0" indent="0" algn="ctr" defTabSz="914400" rtl="0" eaLnBrk="1" latinLnBrk="0" hangingPunct="1">
+              <a:lnSpc>
+                <a:spcPct val="90000"/>
+              </a:lnSpc>
+              <a:spcBef>
+                <a:spcPts val="1000"/>
+              </a:spcBef>
+              <a:buFont typeface="Arial" panose="020B0604020202020204" pitchFamily="34" charset="0"/>
+              <a:buNone/>
+              <a:defRPr sz="2400" kern="1200">
+                <a:solidFill>
+                  <a:schemeClr val="tx1"/>
+                </a:solidFill>
+                <a:latin typeface="+mn-lt"/>
+                <a:ea typeface="+mn-ea"/>
+                <a:cs typeface="+mn-cs"/>
+              </a:defRPr>
+            </a:lvl1pPr>
+            <a:lvl2pPr marL="457200" indent="0" algn="ctr" defTabSz="914400" rtl="0" eaLnBrk="1" latinLnBrk="0" hangingPunct="1">
+              <a:lnSpc>
+                <a:spcPct val="90000"/>
+              </a:lnSpc>
+              <a:spcBef>
+                <a:spcPts val="500"/>
+              </a:spcBef>
+              <a:buFont typeface="Arial" panose="020B0604020202020204" pitchFamily="34" charset="0"/>
+              <a:buNone/>
+              <a:defRPr sz="2000" kern="1200">
+                <a:solidFill>
+                  <a:schemeClr val="tx1"/>
+                </a:solidFill>
+                <a:latin typeface="+mn-lt"/>
+                <a:ea typeface="+mn-ea"/>
+                <a:cs typeface="+mn-cs"/>
+              </a:defRPr>
+            </a:lvl2pPr>
+            <a:lvl3pPr marL="914400" indent="0" algn="ctr" defTabSz="914400" rtl="0" eaLnBrk="1" latinLnBrk="0" hangingPunct="1">
+              <a:lnSpc>
+                <a:spcPct val="90000"/>
+              </a:lnSpc>
+              <a:spcBef>
+                <a:spcPts val="500"/>
+              </a:spcBef>
+              <a:buFont typeface="Arial" panose="020B0604020202020204" pitchFamily="34" charset="0"/>
+              <a:buNone/>
+              <a:defRPr sz="1800" kern="1200">
+                <a:solidFill>
+                  <a:schemeClr val="tx1"/>
+                </a:solidFill>
+                <a:latin typeface="+mn-lt"/>
+                <a:ea typeface="+mn-ea"/>
+                <a:cs typeface="+mn-cs"/>
+              </a:defRPr>
+            </a:lvl3pPr>
+            <a:lvl4pPr marL="1371600" indent="0" algn="ctr" defTabSz="914400" rtl="0" eaLnBrk="1" latinLnBrk="0" hangingPunct="1">
+              <a:lnSpc>
+                <a:spcPct val="90000"/>
+              </a:lnSpc>
+              <a:spcBef>
+                <a:spcPts val="500"/>
+              </a:spcBef>
+              <a:buFont typeface="Arial" panose="020B0604020202020204" pitchFamily="34" charset="0"/>
+              <a:buNone/>
+              <a:defRPr sz="1600" kern="1200">
+                <a:solidFill>
+                  <a:schemeClr val="tx1"/>
+                </a:solidFill>
+                <a:latin typeface="+mn-lt"/>
+                <a:ea typeface="+mn-ea"/>
+                <a:cs typeface="+mn-cs"/>
+              </a:defRPr>
+            </a:lvl4pPr>
+            <a:lvl5pPr marL="1828800" indent="0" algn="ctr" defTabSz="914400" rtl="0" eaLnBrk="1" latinLnBrk="0" hangingPunct="1">
+              <a:lnSpc>
+                <a:spcPct val="90000"/>
+              </a:lnSpc>
+              <a:spcBef>
+                <a:spcPts val="500"/>
+              </a:spcBef>
+              <a:buFont typeface="Arial" panose="020B0604020202020204" pitchFamily="34" charset="0"/>
+              <a:buNone/>
+              <a:defRPr sz="1600" kern="1200">
+                <a:solidFill>
+                  <a:schemeClr val="tx1"/>
+                </a:solidFill>
+                <a:latin typeface="+mn-lt"/>
+                <a:ea typeface="+mn-ea"/>
+                <a:cs typeface="+mn-cs"/>
+              </a:defRPr>
+            </a:lvl5pPr>
+            <a:lvl6pPr marL="2286000" indent="0" algn="ctr" defTabSz="914400" rtl="0" eaLnBrk="1" latinLnBrk="0" hangingPunct="1">
+              <a:lnSpc>
+                <a:spcPct val="90000"/>
+              </a:lnSpc>
+              <a:spcBef>
+                <a:spcPts val="500"/>
+              </a:spcBef>
+              <a:buFont typeface="Arial" panose="020B0604020202020204" pitchFamily="34" charset="0"/>
+              <a:buNone/>
+              <a:defRPr sz="1600" kern="1200">
+                <a:solidFill>
+                  <a:schemeClr val="tx1"/>
+                </a:solidFill>
+                <a:latin typeface="+mn-lt"/>
+                <a:ea typeface="+mn-ea"/>
+                <a:cs typeface="+mn-cs"/>
+              </a:defRPr>
+            </a:lvl6pPr>
+            <a:lvl7pPr marL="2743200" indent="0" algn="ctr" defTabSz="914400" rtl="0" eaLnBrk="1" latinLnBrk="0" hangingPunct="1">
+              <a:lnSpc>
+                <a:spcPct val="90000"/>
+              </a:lnSpc>
+              <a:spcBef>
+                <a:spcPts val="500"/>
+              </a:spcBef>
+              <a:buFont typeface="Arial" panose="020B0604020202020204" pitchFamily="34" charset="0"/>
+              <a:buNone/>
+              <a:defRPr sz="1600" kern="1200">
+                <a:solidFill>
+                  <a:schemeClr val="tx1"/>
+                </a:solidFill>
+                <a:latin typeface="+mn-lt"/>
+                <a:ea typeface="+mn-ea"/>
+                <a:cs typeface="+mn-cs"/>
+              </a:defRPr>
+            </a:lvl7pPr>
+            <a:lvl8pPr marL="3200400" indent="0" algn="ctr" defTabSz="914400" rtl="0" eaLnBrk="1" latinLnBrk="0" hangingPunct="1">
+              <a:lnSpc>
+                <a:spcPct val="90000"/>
+              </a:lnSpc>
+              <a:spcBef>
+                <a:spcPts val="500"/>
+              </a:spcBef>
+              <a:buFont typeface="Arial" panose="020B0604020202020204" pitchFamily="34" charset="0"/>
+              <a:buNone/>
+              <a:defRPr sz="1600" kern="1200">
+                <a:solidFill>
+                  <a:schemeClr val="tx1"/>
+                </a:solidFill>
+                <a:latin typeface="+mn-lt"/>
+                <a:ea typeface="+mn-ea"/>
+                <a:cs typeface="+mn-cs"/>
+              </a:defRPr>
+            </a:lvl8pPr>
+            <a:lvl9pPr marL="3657600" indent="0" algn="ctr" defTabSz="914400" rtl="0" eaLnBrk="1" latinLnBrk="0" hangingPunct="1">
+              <a:lnSpc>
+                <a:spcPct val="90000"/>
+              </a:lnSpc>
+              <a:spcBef>
+                <a:spcPts val="500"/>
+              </a:spcBef>
+              <a:buFont typeface="Arial" panose="020B0604020202020204" pitchFamily="34" charset="0"/>
+              <a:buNone/>
+              <a:defRPr sz="1600" kern="1200">
+                <a:solidFill>
+                  <a:schemeClr val="tx1"/>
+                </a:solidFill>
+                <a:latin typeface="+mn-lt"/>
+                <a:ea typeface="+mn-ea"/>
+                <a:cs typeface="+mn-cs"/>
+              </a:defRPr>
+            </a:lvl9pPr>
+          </a:lstStyle>
+          <a:p>
+            <a:r>
+              <a:rPr lang="zh-TW" altLang="en-US" sz="6000" dirty="0">
+                <a:solidFill>
+                  <a:schemeClr val="accent2"/>
+                </a:solidFill>
+                <a:latin typeface="GenSenRounded JP M" panose="020B0600000000000000" pitchFamily="34" charset="-128"/>
+                <a:ea typeface="GenSenRounded JP M" panose="020B0600000000000000" pitchFamily="34" charset="-128"/>
+              </a:rPr>
+              <a:t>自我介紹</a:t>
+            </a:r>
+          </a:p>
+        </p:txBody>
+      </p:sp>
+      <p:sp>
+        <p:nvSpPr>
+          <p:cNvPr id="5" name="標題 1">
+            <a:extLst>
+              <a:ext uri="{FF2B5EF4-FFF2-40B4-BE49-F238E27FC236}">
+                <a16:creationId xmlns:a16="http://schemas.microsoft.com/office/drawing/2014/main" id="{CBFEFCBA-9B36-7C5F-A24D-1DD4DE4841D7}"/>
+              </a:ext>
+            </a:extLst>
+          </p:cNvPr>
+          <p:cNvSpPr txBox="1">
+            <a:spLocks/>
+          </p:cNvSpPr>
+          <p:nvPr/>
+        </p:nvSpPr>
+        <p:spPr>
+          <a:xfrm>
+            <a:off x="1" y="3429000"/>
+            <a:ext cx="6985300" cy="880459"/>
+          </a:xfrm>
+          <a:prstGeom prst="rect">
+            <a:avLst/>
+          </a:prstGeom>
+        </p:spPr>
+        <p:txBody>
+          <a:bodyPr vert="horz" lIns="91440" tIns="45720" rIns="91440" bIns="45720" rtlCol="0" anchor="b">
+            <a:noAutofit/>
+          </a:bodyPr>
+          <a:lstStyle>
+            <a:lvl1pPr algn="ctr" defTabSz="914400" rtl="0" eaLnBrk="1" latinLnBrk="0" hangingPunct="1">
+              <a:lnSpc>
+                <a:spcPct val="90000"/>
+              </a:lnSpc>
+              <a:spcBef>
+                <a:spcPct val="0"/>
+              </a:spcBef>
+              <a:buNone/>
+              <a:defRPr sz="6000" kern="1200">
+                <a:solidFill>
+                  <a:schemeClr val="tx1"/>
+                </a:solidFill>
+                <a:latin typeface="+mj-lt"/>
+                <a:ea typeface="+mj-ea"/>
+                <a:cs typeface="+mj-cs"/>
+              </a:defRPr>
+            </a:lvl1pPr>
+          </a:lstStyle>
+          <a:p>
+            <a:r>
+              <a:rPr lang="en-US" altLang="zh-TW" sz="5400" dirty="0" err="1">
+                <a:ln>
+                  <a:solidFill>
+                    <a:schemeClr val="accent2"/>
+                  </a:solidFill>
+                </a:ln>
+                <a:solidFill>
+                  <a:schemeClr val="bg1"/>
+                </a:solidFill>
+                <a:latin typeface="GenSenRounded JP M" panose="020B0600000000000000" pitchFamily="34" charset="-128"/>
+                <a:ea typeface="GenSenRounded JP M" panose="020B0600000000000000" pitchFamily="34" charset="-128"/>
+              </a:rPr>
+              <a:t>nizima</a:t>
+            </a:r>
+            <a:r>
+              <a:rPr lang="en-US" altLang="zh-TW" sz="5400" dirty="0">
+                <a:ln>
+                  <a:solidFill>
+                    <a:schemeClr val="accent2"/>
+                  </a:solidFill>
+                </a:ln>
+                <a:solidFill>
+                  <a:schemeClr val="bg1"/>
+                </a:solidFill>
+                <a:latin typeface="GenSenRounded JP M" panose="020B0600000000000000" pitchFamily="34" charset="-128"/>
+                <a:ea typeface="GenSenRounded JP M" panose="020B0600000000000000" pitchFamily="34" charset="-128"/>
+              </a:rPr>
+              <a:t> Live</a:t>
+            </a:r>
+            <a:endParaRPr lang="zh-TW" altLang="en-US" sz="5400" dirty="0">
+              <a:ln>
+                <a:solidFill>
+                  <a:schemeClr val="accent2"/>
+                </a:solidFill>
+              </a:ln>
+              <a:solidFill>
+                <a:schemeClr val="bg1"/>
+              </a:solidFill>
+              <a:latin typeface="GenSenRounded JP M" panose="020B0600000000000000" pitchFamily="34" charset="-128"/>
+              <a:ea typeface="GenSenRounded JP M" panose="020B0600000000000000" pitchFamily="34" charset="-128"/>
+            </a:endParaRPr>
+          </a:p>
+        </p:txBody>
+      </p:sp>
+      <p:sp>
+        <p:nvSpPr>
+          <p:cNvPr id="6" name="矩形 5">
+            <a:extLst>
+              <a:ext uri="{FF2B5EF4-FFF2-40B4-BE49-F238E27FC236}">
+                <a16:creationId xmlns:a16="http://schemas.microsoft.com/office/drawing/2014/main" id="{FBFFD77F-9E1F-5B6B-F2FA-79F9C9C38102}"/>
+              </a:ext>
+            </a:extLst>
+          </p:cNvPr>
+          <p:cNvSpPr/>
+          <p:nvPr/>
+        </p:nvSpPr>
+        <p:spPr>
+          <a:xfrm>
+            <a:off x="727934" y="1951168"/>
+            <a:ext cx="5529431" cy="2955663"/>
+          </a:xfrm>
+          <a:prstGeom prst="rect">
+            <a:avLst/>
+          </a:prstGeom>
+          <a:noFill/>
+          <a:ln>
+            <a:solidFill>
+              <a:schemeClr val="accent2"/>
+            </a:solidFill>
+          </a:ln>
+        </p:spPr>
+        <p:style>
+          <a:lnRef idx="2">
+            <a:schemeClr val="accent1">
+              <a:shade val="15000"/>
+            </a:schemeClr>
+          </a:lnRef>
+          <a:fillRef idx="1">
+            <a:schemeClr val="accent1"/>
+          </a:fillRef>
+          <a:effectRef idx="0">
+            <a:schemeClr val="accent1"/>
+          </a:effectRef>
+          <a:fontRef idx="minor">
+            <a:schemeClr val="lt1"/>
+          </a:fontRef>
+        </p:style>
+        <p:txBody>
+          <a:bodyPr rtlCol="0" anchor="ctr"/>
           <a:lstStyle/>
           <a:p>
+            <a:pPr algn="ctr"/>
             <a:endParaRPr lang="zh-TW" altLang="en-US"/>
           </a:p>
         </p:txBody>
       </p:sp>
       <p:sp>
         <p:nvSpPr>
-          <p:cNvPr id="3" name="副標題 2">
-            <a:extLst>
-              <a:ext uri="{FF2B5EF4-FFF2-40B4-BE49-F238E27FC236}">
-                <a16:creationId xmlns:a16="http://schemas.microsoft.com/office/drawing/2014/main" id="{8C946F38-524D-4B98-B9CB-80AEE57E455A}"/>
-              </a:ext>
-            </a:extLst>
-          </p:cNvPr>
-          <p:cNvSpPr>
-            <a:spLocks noGrp="1"/>
-          </p:cNvSpPr>
-          <p:nvPr>
-            <p:ph type="subTitle" idx="1"/>
-          </p:nvPr>
-        </p:nvSpPr>
-        <p:spPr/>
-        <p:txBody>
-          <a:bodyPr/>
+          <p:cNvPr id="7" name="矩形 6">
+            <a:extLst>
+              <a:ext uri="{FF2B5EF4-FFF2-40B4-BE49-F238E27FC236}">
+                <a16:creationId xmlns:a16="http://schemas.microsoft.com/office/drawing/2014/main" id="{F7A05431-61A6-BA53-F538-9FE01460DFF0}"/>
+              </a:ext>
+            </a:extLst>
+          </p:cNvPr>
+          <p:cNvSpPr/>
+          <p:nvPr/>
+        </p:nvSpPr>
+        <p:spPr>
+          <a:xfrm>
+            <a:off x="0" y="1793836"/>
+            <a:ext cx="12192000" cy="3270325"/>
+          </a:xfrm>
+          <a:prstGeom prst="rect">
+            <a:avLst/>
+          </a:prstGeom>
+          <a:noFill/>
+          <a:ln w="25400">
+            <a:solidFill>
+              <a:schemeClr val="accent2"/>
+            </a:solidFill>
+          </a:ln>
+        </p:spPr>
+        <p:style>
+          <a:lnRef idx="2">
+            <a:schemeClr val="accent1">
+              <a:shade val="15000"/>
+            </a:schemeClr>
+          </a:lnRef>
+          <a:fillRef idx="1">
+            <a:schemeClr val="accent1"/>
+          </a:fillRef>
+          <a:effectRef idx="0">
+            <a:schemeClr val="accent1"/>
+          </a:effectRef>
+          <a:fontRef idx="minor">
+            <a:schemeClr val="lt1"/>
+          </a:fontRef>
+        </p:style>
+        <p:txBody>
+          <a:bodyPr rtlCol="0" anchor="ctr"/>
           <a:lstStyle/>
           <a:p>
+            <a:pPr algn="ctr"/>
             <a:endParaRPr lang="zh-TW" altLang="en-US"/>
           </a:p>
         </p:txBody>
@@ -3374,7 +4777,2271 @@
     </p:spTree>
     <p:extLst>
       <p:ext uri="{BB962C8B-B14F-4D97-AF65-F5344CB8AC3E}">
-        <p14:creationId xmlns:p14="http://schemas.microsoft.com/office/powerpoint/2010/main" val="1328321055"/>
+        <p14:creationId xmlns:p14="http://schemas.microsoft.com/office/powerpoint/2010/main" val="1990290650"/>
+      </p:ext>
+    </p:extLst>
+  </p:cSld>
+  <p:clrMapOvr>
+    <a:masterClrMapping/>
+  </p:clrMapOvr>
+</p:sld>
+</file>
+
+<file path=ppt/slides/slide2.xml><?xml version="1.0" encoding="utf-8"?>
+<p:sld xmlns:a="http://schemas.openxmlformats.org/drawingml/2006/main" xmlns:r="http://schemas.openxmlformats.org/officeDocument/2006/relationships" xmlns:p="http://schemas.openxmlformats.org/presentationml/2006/main">
+  <p:cSld>
+    <p:spTree>
+      <p:nvGrpSpPr>
+        <p:cNvPr id="1" name=""/>
+        <p:cNvGrpSpPr/>
+        <p:nvPr/>
+      </p:nvGrpSpPr>
+      <p:grpSpPr>
+        <a:xfrm>
+          <a:off x="0" y="0"/>
+          <a:ext cx="0" cy="0"/>
+          <a:chOff x="0" y="0"/>
+          <a:chExt cx="0" cy="0"/>
+        </a:xfrm>
+      </p:grpSpPr>
+      <p:pic>
+        <p:nvPicPr>
+          <p:cNvPr id="7" name="圖片 6">
+            <a:extLst>
+              <a:ext uri="{FF2B5EF4-FFF2-40B4-BE49-F238E27FC236}">
+                <a16:creationId xmlns:a16="http://schemas.microsoft.com/office/drawing/2014/main" id="{6D84DACE-6291-0A2D-C38B-488514B12995}"/>
+              </a:ext>
+            </a:extLst>
+          </p:cNvPr>
+          <p:cNvPicPr>
+            <a:picLocks noChangeAspect="1"/>
+          </p:cNvPicPr>
+          <p:nvPr/>
+        </p:nvPicPr>
+        <p:blipFill>
+          <a:blip r:embed="rId3"/>
+          <a:srcRect l="-15"/>
+          <a:stretch/>
+        </p:blipFill>
+        <p:spPr>
+          <a:xfrm>
+            <a:off x="0" y="968189"/>
+            <a:ext cx="5890677" cy="5889811"/>
+          </a:xfrm>
+          <a:prstGeom prst="rect">
+            <a:avLst/>
+          </a:prstGeom>
+        </p:spPr>
+      </p:pic>
+      <p:sp>
+        <p:nvSpPr>
+          <p:cNvPr id="9" name="內容版面配置區 8">
+            <a:extLst>
+              <a:ext uri="{FF2B5EF4-FFF2-40B4-BE49-F238E27FC236}">
+                <a16:creationId xmlns:a16="http://schemas.microsoft.com/office/drawing/2014/main" id="{A900E10F-C26E-6876-C82A-89CF1825D71A}"/>
+              </a:ext>
+            </a:extLst>
+          </p:cNvPr>
+          <p:cNvSpPr>
+            <a:spLocks noGrp="1"/>
+          </p:cNvSpPr>
+          <p:nvPr>
+            <p:ph idx="1"/>
+          </p:nvPr>
+        </p:nvSpPr>
+        <p:spPr>
+          <a:xfrm>
+            <a:off x="2385596" y="204394"/>
+            <a:ext cx="9580432" cy="2856703"/>
+          </a:xfrm>
+        </p:spPr>
+        <p:txBody>
+          <a:bodyPr>
+            <a:normAutofit/>
+          </a:bodyPr>
+          <a:lstStyle/>
+          <a:p>
+            <a:pPr marL="0" indent="0">
+              <a:buNone/>
+            </a:pPr>
+            <a:r>
+              <a:rPr lang="zh-TW" altLang="en-US" sz="2400" dirty="0">
+                <a:solidFill>
+                  <a:schemeClr val="accent2"/>
+                </a:solidFill>
+                <a:latin typeface="GenSenRounded JP M" panose="020B0600000000000000" pitchFamily="34" charset="-128"/>
+                <a:ea typeface="GenSenRounded JP M" panose="020B0600000000000000" pitchFamily="34" charset="-128"/>
+              </a:rPr>
+              <a:t>我是一位非常熱愛畫畫的女孩，我的夢想是畫出一幅完美的風景畫，並參加學校的繪畫比賽。</a:t>
+            </a:r>
+          </a:p>
+        </p:txBody>
+      </p:sp>
+      <p:sp>
+        <p:nvSpPr>
+          <p:cNvPr id="2" name="標題 1">
+            <a:extLst>
+              <a:ext uri="{FF2B5EF4-FFF2-40B4-BE49-F238E27FC236}">
+                <a16:creationId xmlns:a16="http://schemas.microsoft.com/office/drawing/2014/main" id="{59C2C6B4-F716-6E4B-6D4A-AA722E9D355B}"/>
+              </a:ext>
+            </a:extLst>
+          </p:cNvPr>
+          <p:cNvSpPr>
+            <a:spLocks noGrp="1"/>
+          </p:cNvSpPr>
+          <p:nvPr>
+            <p:ph type="title"/>
+          </p:nvPr>
+        </p:nvSpPr>
+        <p:spPr>
+          <a:xfrm>
+            <a:off x="225972" y="0"/>
+            <a:ext cx="2617885" cy="1213946"/>
+          </a:xfrm>
+        </p:spPr>
+        <p:txBody>
+          <a:bodyPr>
+            <a:noAutofit/>
+          </a:bodyPr>
+          <a:lstStyle/>
+          <a:p>
+            <a:r>
+              <a:rPr lang="en-US" altLang="zh-TW" sz="5400" dirty="0">
+                <a:ln>
+                  <a:solidFill>
+                    <a:schemeClr val="accent2"/>
+                  </a:solidFill>
+                </a:ln>
+                <a:solidFill>
+                  <a:schemeClr val="bg1"/>
+                </a:solidFill>
+                <a:latin typeface="GenSenRounded JP M" panose="020B0600000000000000" pitchFamily="34" charset="-128"/>
+                <a:ea typeface="GenSenRounded JP M" panose="020B0600000000000000" pitchFamily="34" charset="-128"/>
+              </a:rPr>
+              <a:t>1.</a:t>
+            </a:r>
+            <a:r>
+              <a:rPr lang="zh-TW" altLang="en-US" sz="5400" dirty="0">
+                <a:ln>
+                  <a:solidFill>
+                    <a:schemeClr val="accent2"/>
+                  </a:solidFill>
+                </a:ln>
+                <a:solidFill>
+                  <a:schemeClr val="bg1"/>
+                </a:solidFill>
+                <a:latin typeface="GenSenRounded JP M" panose="020B0600000000000000" pitchFamily="34" charset="-128"/>
+                <a:ea typeface="GenSenRounded JP M" panose="020B0600000000000000" pitchFamily="34" charset="-128"/>
+              </a:rPr>
+              <a:t>目標</a:t>
+            </a:r>
+          </a:p>
+        </p:txBody>
+      </p:sp>
+    </p:spTree>
+    <p:extLst>
+      <p:ext uri="{BB962C8B-B14F-4D97-AF65-F5344CB8AC3E}">
+        <p14:creationId xmlns:p14="http://schemas.microsoft.com/office/powerpoint/2010/main" val="1585570171"/>
+      </p:ext>
+    </p:extLst>
+  </p:cSld>
+  <p:clrMapOvr>
+    <a:masterClrMapping/>
+  </p:clrMapOvr>
+</p:sld>
+</file>
+
+<file path=ppt/slides/slide3.xml><?xml version="1.0" encoding="utf-8"?>
+<p:sld xmlns:a="http://schemas.openxmlformats.org/drawingml/2006/main" xmlns:r="http://schemas.openxmlformats.org/officeDocument/2006/relationships" xmlns:p="http://schemas.openxmlformats.org/presentationml/2006/main">
+  <p:cSld>
+    <p:spTree>
+      <p:nvGrpSpPr>
+        <p:cNvPr id="1" name=""/>
+        <p:cNvGrpSpPr/>
+        <p:nvPr/>
+      </p:nvGrpSpPr>
+      <p:grpSpPr>
+        <a:xfrm>
+          <a:off x="0" y="0"/>
+          <a:ext cx="0" cy="0"/>
+          <a:chOff x="0" y="0"/>
+          <a:chExt cx="0" cy="0"/>
+        </a:xfrm>
+      </p:grpSpPr>
+      <p:pic>
+        <p:nvPicPr>
+          <p:cNvPr id="5" name="內容版面配置區 4">
+            <a:extLst>
+              <a:ext uri="{FF2B5EF4-FFF2-40B4-BE49-F238E27FC236}">
+                <a16:creationId xmlns:a16="http://schemas.microsoft.com/office/drawing/2014/main" id="{B68ADD57-F66B-92F3-4325-0FE4EF088027}"/>
+              </a:ext>
+            </a:extLst>
+          </p:cNvPr>
+          <p:cNvPicPr>
+            <a:picLocks noGrp="1" noChangeAspect="1"/>
+          </p:cNvPicPr>
+          <p:nvPr>
+            <p:ph idx="1"/>
+          </p:nvPr>
+        </p:nvPicPr>
+        <p:blipFill>
+          <a:blip r:embed="rId3"/>
+          <a:stretch>
+            <a:fillRect/>
+          </a:stretch>
+        </p:blipFill>
+        <p:spPr>
+          <a:xfrm>
+            <a:off x="0" y="987972"/>
+            <a:ext cx="5870028" cy="5870028"/>
+          </a:xfrm>
+        </p:spPr>
+      </p:pic>
+      <p:sp>
+        <p:nvSpPr>
+          <p:cNvPr id="6" name="內容版面配置區 8">
+            <a:extLst>
+              <a:ext uri="{FF2B5EF4-FFF2-40B4-BE49-F238E27FC236}">
+                <a16:creationId xmlns:a16="http://schemas.microsoft.com/office/drawing/2014/main" id="{B3F9FA75-0D84-17C7-59F8-AEF1D225D2EA}"/>
+              </a:ext>
+            </a:extLst>
+          </p:cNvPr>
+          <p:cNvSpPr txBox="1">
+            <a:spLocks/>
+          </p:cNvSpPr>
+          <p:nvPr/>
+        </p:nvSpPr>
+        <p:spPr>
+          <a:xfrm>
+            <a:off x="2385596" y="204395"/>
+            <a:ext cx="9580432" cy="783578"/>
+          </a:xfrm>
+          <a:prstGeom prst="rect">
+            <a:avLst/>
+          </a:prstGeom>
+        </p:spPr>
+        <p:txBody>
+          <a:bodyPr vert="horz" lIns="91440" tIns="45720" rIns="91440" bIns="45720" rtlCol="0">
+            <a:normAutofit/>
+          </a:bodyPr>
+          <a:lstStyle>
+            <a:lvl1pPr marL="228600" indent="-228600" algn="l" defTabSz="914400" rtl="0" eaLnBrk="1" latinLnBrk="0" hangingPunct="1">
+              <a:lnSpc>
+                <a:spcPct val="90000"/>
+              </a:lnSpc>
+              <a:spcBef>
+                <a:spcPts val="1000"/>
+              </a:spcBef>
+              <a:buFont typeface="Arial" panose="020B0604020202020204" pitchFamily="34" charset="0"/>
+              <a:buChar char="•"/>
+              <a:defRPr sz="2800" kern="1200">
+                <a:solidFill>
+                  <a:schemeClr val="tx1"/>
+                </a:solidFill>
+                <a:latin typeface="+mn-lt"/>
+                <a:ea typeface="+mn-ea"/>
+                <a:cs typeface="+mn-cs"/>
+              </a:defRPr>
+            </a:lvl1pPr>
+            <a:lvl2pPr marL="685800" indent="-228600" algn="l" defTabSz="914400" rtl="0" eaLnBrk="1" latinLnBrk="0" hangingPunct="1">
+              <a:lnSpc>
+                <a:spcPct val="90000"/>
+              </a:lnSpc>
+              <a:spcBef>
+                <a:spcPts val="500"/>
+              </a:spcBef>
+              <a:buFont typeface="Arial" panose="020B0604020202020204" pitchFamily="34" charset="0"/>
+              <a:buChar char="•"/>
+              <a:defRPr sz="2400" kern="1200">
+                <a:solidFill>
+                  <a:schemeClr val="tx1"/>
+                </a:solidFill>
+                <a:latin typeface="+mn-lt"/>
+                <a:ea typeface="+mn-ea"/>
+                <a:cs typeface="+mn-cs"/>
+              </a:defRPr>
+            </a:lvl2pPr>
+            <a:lvl3pPr marL="1143000" indent="-228600" algn="l" defTabSz="914400" rtl="0" eaLnBrk="1" latinLnBrk="0" hangingPunct="1">
+              <a:lnSpc>
+                <a:spcPct val="90000"/>
+              </a:lnSpc>
+              <a:spcBef>
+                <a:spcPts val="500"/>
+              </a:spcBef>
+              <a:buFont typeface="Arial" panose="020B0604020202020204" pitchFamily="34" charset="0"/>
+              <a:buChar char="•"/>
+              <a:defRPr sz="2000" kern="1200">
+                <a:solidFill>
+                  <a:schemeClr val="tx1"/>
+                </a:solidFill>
+                <a:latin typeface="+mn-lt"/>
+                <a:ea typeface="+mn-ea"/>
+                <a:cs typeface="+mn-cs"/>
+              </a:defRPr>
+            </a:lvl3pPr>
+            <a:lvl4pPr marL="1600200" indent="-228600" algn="l" defTabSz="914400" rtl="0" eaLnBrk="1" latinLnBrk="0" hangingPunct="1">
+              <a:lnSpc>
+                <a:spcPct val="90000"/>
+              </a:lnSpc>
+              <a:spcBef>
+                <a:spcPts val="500"/>
+              </a:spcBef>
+              <a:buFont typeface="Arial" panose="020B0604020202020204" pitchFamily="34" charset="0"/>
+              <a:buChar char="•"/>
+              <a:defRPr sz="1800" kern="1200">
+                <a:solidFill>
+                  <a:schemeClr val="tx1"/>
+                </a:solidFill>
+                <a:latin typeface="+mn-lt"/>
+                <a:ea typeface="+mn-ea"/>
+                <a:cs typeface="+mn-cs"/>
+              </a:defRPr>
+            </a:lvl4pPr>
+            <a:lvl5pPr marL="2057400" indent="-228600" algn="l" defTabSz="914400" rtl="0" eaLnBrk="1" latinLnBrk="0" hangingPunct="1">
+              <a:lnSpc>
+                <a:spcPct val="90000"/>
+              </a:lnSpc>
+              <a:spcBef>
+                <a:spcPts val="500"/>
+              </a:spcBef>
+              <a:buFont typeface="Arial" panose="020B0604020202020204" pitchFamily="34" charset="0"/>
+              <a:buChar char="•"/>
+              <a:defRPr sz="1800" kern="1200">
+                <a:solidFill>
+                  <a:schemeClr val="tx1"/>
+                </a:solidFill>
+                <a:latin typeface="+mn-lt"/>
+                <a:ea typeface="+mn-ea"/>
+                <a:cs typeface="+mn-cs"/>
+              </a:defRPr>
+            </a:lvl5pPr>
+            <a:lvl6pPr marL="2514600" indent="-228600" algn="l" defTabSz="914400" rtl="0" eaLnBrk="1" latinLnBrk="0" hangingPunct="1">
+              <a:lnSpc>
+                <a:spcPct val="90000"/>
+              </a:lnSpc>
+              <a:spcBef>
+                <a:spcPts val="500"/>
+              </a:spcBef>
+              <a:buFont typeface="Arial" panose="020B0604020202020204" pitchFamily="34" charset="0"/>
+              <a:buChar char="•"/>
+              <a:defRPr sz="1800" kern="1200">
+                <a:solidFill>
+                  <a:schemeClr val="tx1"/>
+                </a:solidFill>
+                <a:latin typeface="+mn-lt"/>
+                <a:ea typeface="+mn-ea"/>
+                <a:cs typeface="+mn-cs"/>
+              </a:defRPr>
+            </a:lvl6pPr>
+            <a:lvl7pPr marL="2971800" indent="-228600" algn="l" defTabSz="914400" rtl="0" eaLnBrk="1" latinLnBrk="0" hangingPunct="1">
+              <a:lnSpc>
+                <a:spcPct val="90000"/>
+              </a:lnSpc>
+              <a:spcBef>
+                <a:spcPts val="500"/>
+              </a:spcBef>
+              <a:buFont typeface="Arial" panose="020B0604020202020204" pitchFamily="34" charset="0"/>
+              <a:buChar char="•"/>
+              <a:defRPr sz="1800" kern="1200">
+                <a:solidFill>
+                  <a:schemeClr val="tx1"/>
+                </a:solidFill>
+                <a:latin typeface="+mn-lt"/>
+                <a:ea typeface="+mn-ea"/>
+                <a:cs typeface="+mn-cs"/>
+              </a:defRPr>
+            </a:lvl7pPr>
+            <a:lvl8pPr marL="3429000" indent="-228600" algn="l" defTabSz="914400" rtl="0" eaLnBrk="1" latinLnBrk="0" hangingPunct="1">
+              <a:lnSpc>
+                <a:spcPct val="90000"/>
+              </a:lnSpc>
+              <a:spcBef>
+                <a:spcPts val="500"/>
+              </a:spcBef>
+              <a:buFont typeface="Arial" panose="020B0604020202020204" pitchFamily="34" charset="0"/>
+              <a:buChar char="•"/>
+              <a:defRPr sz="1800" kern="1200">
+                <a:solidFill>
+                  <a:schemeClr val="tx1"/>
+                </a:solidFill>
+                <a:latin typeface="+mn-lt"/>
+                <a:ea typeface="+mn-ea"/>
+                <a:cs typeface="+mn-cs"/>
+              </a:defRPr>
+            </a:lvl8pPr>
+            <a:lvl9pPr marL="3886200" indent="-228600" algn="l" defTabSz="914400" rtl="0" eaLnBrk="1" latinLnBrk="0" hangingPunct="1">
+              <a:lnSpc>
+                <a:spcPct val="90000"/>
+              </a:lnSpc>
+              <a:spcBef>
+                <a:spcPts val="500"/>
+              </a:spcBef>
+              <a:buFont typeface="Arial" panose="020B0604020202020204" pitchFamily="34" charset="0"/>
+              <a:buChar char="•"/>
+              <a:defRPr sz="1800" kern="1200">
+                <a:solidFill>
+                  <a:schemeClr val="tx1"/>
+                </a:solidFill>
+                <a:latin typeface="+mn-lt"/>
+                <a:ea typeface="+mn-ea"/>
+                <a:cs typeface="+mn-cs"/>
+              </a:defRPr>
+            </a:lvl9pPr>
+          </a:lstStyle>
+          <a:p>
+            <a:pPr marL="0" indent="0">
+              <a:buFont typeface="Arial" panose="020B0604020202020204" pitchFamily="34" charset="0"/>
+              <a:buNone/>
+            </a:pPr>
+            <a:r>
+              <a:rPr lang="zh-TW" altLang="en-US" sz="2400" dirty="0">
+                <a:solidFill>
+                  <a:schemeClr val="accent2"/>
+                </a:solidFill>
+                <a:latin typeface="GenSenRounded JP M" panose="020B0600000000000000" pitchFamily="34" charset="-128"/>
+                <a:ea typeface="GenSenRounded JP M" panose="020B0600000000000000" pitchFamily="34" charset="-128"/>
+              </a:rPr>
+              <a:t>但在創作的過程中，我發現無法把山間的光影表現得自然生動，為此而苦惱。</a:t>
+            </a:r>
+          </a:p>
+        </p:txBody>
+      </p:sp>
+      <p:sp>
+        <p:nvSpPr>
+          <p:cNvPr id="7" name="標題 1">
+            <a:extLst>
+              <a:ext uri="{FF2B5EF4-FFF2-40B4-BE49-F238E27FC236}">
+                <a16:creationId xmlns:a16="http://schemas.microsoft.com/office/drawing/2014/main" id="{CCFECA67-6942-9FBB-E5E4-CB51A380970F}"/>
+              </a:ext>
+            </a:extLst>
+          </p:cNvPr>
+          <p:cNvSpPr txBox="1">
+            <a:spLocks/>
+          </p:cNvSpPr>
+          <p:nvPr/>
+        </p:nvSpPr>
+        <p:spPr>
+          <a:xfrm>
+            <a:off x="225972" y="0"/>
+            <a:ext cx="4238452" cy="1213946"/>
+          </a:xfrm>
+          <a:prstGeom prst="rect">
+            <a:avLst/>
+          </a:prstGeom>
+        </p:spPr>
+        <p:txBody>
+          <a:bodyPr vert="horz" lIns="91440" tIns="45720" rIns="91440" bIns="45720" rtlCol="0" anchor="ctr">
+            <a:noAutofit/>
+          </a:bodyPr>
+          <a:lstStyle>
+            <a:lvl1pPr algn="l" defTabSz="914400" rtl="0" eaLnBrk="1" latinLnBrk="0" hangingPunct="1">
+              <a:lnSpc>
+                <a:spcPct val="90000"/>
+              </a:lnSpc>
+              <a:spcBef>
+                <a:spcPct val="0"/>
+              </a:spcBef>
+              <a:buNone/>
+              <a:defRPr sz="4400" kern="1200">
+                <a:solidFill>
+                  <a:schemeClr val="tx1"/>
+                </a:solidFill>
+                <a:latin typeface="+mj-lt"/>
+                <a:ea typeface="+mj-ea"/>
+                <a:cs typeface="+mj-cs"/>
+              </a:defRPr>
+            </a:lvl1pPr>
+          </a:lstStyle>
+          <a:p>
+            <a:r>
+              <a:rPr lang="en-US" altLang="zh-TW" sz="5400" dirty="0">
+                <a:ln>
+                  <a:solidFill>
+                    <a:schemeClr val="accent2"/>
+                  </a:solidFill>
+                </a:ln>
+                <a:solidFill>
+                  <a:schemeClr val="bg1"/>
+                </a:solidFill>
+                <a:latin typeface="GenSenRounded JP M" panose="020B0600000000000000" pitchFamily="34" charset="-128"/>
+                <a:ea typeface="GenSenRounded JP M" panose="020B0600000000000000" pitchFamily="34" charset="-128"/>
+              </a:rPr>
+              <a:t>2.</a:t>
+            </a:r>
+            <a:r>
+              <a:rPr lang="zh-TW" altLang="en-US" sz="5400" dirty="0">
+                <a:ln>
+                  <a:solidFill>
+                    <a:schemeClr val="accent2"/>
+                  </a:solidFill>
+                </a:ln>
+                <a:solidFill>
+                  <a:schemeClr val="bg1"/>
+                </a:solidFill>
+                <a:latin typeface="GenSenRounded JP M" panose="020B0600000000000000" pitchFamily="34" charset="-128"/>
+                <a:ea typeface="GenSenRounded JP M" panose="020B0600000000000000" pitchFamily="34" charset="-128"/>
+              </a:rPr>
+              <a:t>阻礙</a:t>
+            </a:r>
+          </a:p>
+        </p:txBody>
+      </p:sp>
+    </p:spTree>
+    <p:extLst>
+      <p:ext uri="{BB962C8B-B14F-4D97-AF65-F5344CB8AC3E}">
+        <p14:creationId xmlns:p14="http://schemas.microsoft.com/office/powerpoint/2010/main" val="880172853"/>
+      </p:ext>
+    </p:extLst>
+  </p:cSld>
+  <p:clrMapOvr>
+    <a:masterClrMapping/>
+  </p:clrMapOvr>
+</p:sld>
+</file>
+
+<file path=ppt/slides/slide4.xml><?xml version="1.0" encoding="utf-8"?>
+<p:sld xmlns:a="http://schemas.openxmlformats.org/drawingml/2006/main" xmlns:r="http://schemas.openxmlformats.org/officeDocument/2006/relationships" xmlns:p="http://schemas.openxmlformats.org/presentationml/2006/main">
+  <p:cSld>
+    <p:spTree>
+      <p:nvGrpSpPr>
+        <p:cNvPr id="1" name=""/>
+        <p:cNvGrpSpPr/>
+        <p:nvPr/>
+      </p:nvGrpSpPr>
+      <p:grpSpPr>
+        <a:xfrm>
+          <a:off x="0" y="0"/>
+          <a:ext cx="0" cy="0"/>
+          <a:chOff x="0" y="0"/>
+          <a:chExt cx="0" cy="0"/>
+        </a:xfrm>
+      </p:grpSpPr>
+      <p:pic>
+        <p:nvPicPr>
+          <p:cNvPr id="5" name="內容版面配置區 4">
+            <a:extLst>
+              <a:ext uri="{FF2B5EF4-FFF2-40B4-BE49-F238E27FC236}">
+                <a16:creationId xmlns:a16="http://schemas.microsoft.com/office/drawing/2014/main" id="{AFF9D7A6-B31E-B823-B61E-B41738E6E327}"/>
+              </a:ext>
+            </a:extLst>
+          </p:cNvPr>
+          <p:cNvPicPr>
+            <a:picLocks noGrp="1" noChangeAspect="1"/>
+          </p:cNvPicPr>
+          <p:nvPr>
+            <p:ph idx="1"/>
+          </p:nvPr>
+        </p:nvPicPr>
+        <p:blipFill>
+          <a:blip r:embed="rId3"/>
+          <a:srcRect l="-89" r="-157"/>
+          <a:stretch/>
+        </p:blipFill>
+        <p:spPr>
+          <a:xfrm>
+            <a:off x="0" y="987973"/>
+            <a:ext cx="5884433" cy="5870027"/>
+          </a:xfrm>
+        </p:spPr>
+      </p:pic>
+      <p:sp>
+        <p:nvSpPr>
+          <p:cNvPr id="8" name="內容版面配置區 8">
+            <a:extLst>
+              <a:ext uri="{FF2B5EF4-FFF2-40B4-BE49-F238E27FC236}">
+                <a16:creationId xmlns:a16="http://schemas.microsoft.com/office/drawing/2014/main" id="{6ADB4E80-A726-78BA-287B-BE4B3BC83246}"/>
+              </a:ext>
+            </a:extLst>
+          </p:cNvPr>
+          <p:cNvSpPr txBox="1">
+            <a:spLocks/>
+          </p:cNvSpPr>
+          <p:nvPr/>
+        </p:nvSpPr>
+        <p:spPr>
+          <a:xfrm>
+            <a:off x="2385596" y="204395"/>
+            <a:ext cx="9580432" cy="783578"/>
+          </a:xfrm>
+          <a:prstGeom prst="rect">
+            <a:avLst/>
+          </a:prstGeom>
+        </p:spPr>
+        <p:txBody>
+          <a:bodyPr vert="horz" lIns="91440" tIns="45720" rIns="91440" bIns="45720" rtlCol="0">
+            <a:normAutofit/>
+          </a:bodyPr>
+          <a:lstStyle>
+            <a:lvl1pPr marL="228600" indent="-228600" algn="l" defTabSz="914400" rtl="0" eaLnBrk="1" latinLnBrk="0" hangingPunct="1">
+              <a:lnSpc>
+                <a:spcPct val="90000"/>
+              </a:lnSpc>
+              <a:spcBef>
+                <a:spcPts val="1000"/>
+              </a:spcBef>
+              <a:buFont typeface="Arial" panose="020B0604020202020204" pitchFamily="34" charset="0"/>
+              <a:buChar char="•"/>
+              <a:defRPr sz="2800" kern="1200">
+                <a:solidFill>
+                  <a:schemeClr val="tx1"/>
+                </a:solidFill>
+                <a:latin typeface="+mn-lt"/>
+                <a:ea typeface="+mn-ea"/>
+                <a:cs typeface="+mn-cs"/>
+              </a:defRPr>
+            </a:lvl1pPr>
+            <a:lvl2pPr marL="685800" indent="-228600" algn="l" defTabSz="914400" rtl="0" eaLnBrk="1" latinLnBrk="0" hangingPunct="1">
+              <a:lnSpc>
+                <a:spcPct val="90000"/>
+              </a:lnSpc>
+              <a:spcBef>
+                <a:spcPts val="500"/>
+              </a:spcBef>
+              <a:buFont typeface="Arial" panose="020B0604020202020204" pitchFamily="34" charset="0"/>
+              <a:buChar char="•"/>
+              <a:defRPr sz="2400" kern="1200">
+                <a:solidFill>
+                  <a:schemeClr val="tx1"/>
+                </a:solidFill>
+                <a:latin typeface="+mn-lt"/>
+                <a:ea typeface="+mn-ea"/>
+                <a:cs typeface="+mn-cs"/>
+              </a:defRPr>
+            </a:lvl2pPr>
+            <a:lvl3pPr marL="1143000" indent="-228600" algn="l" defTabSz="914400" rtl="0" eaLnBrk="1" latinLnBrk="0" hangingPunct="1">
+              <a:lnSpc>
+                <a:spcPct val="90000"/>
+              </a:lnSpc>
+              <a:spcBef>
+                <a:spcPts val="500"/>
+              </a:spcBef>
+              <a:buFont typeface="Arial" panose="020B0604020202020204" pitchFamily="34" charset="0"/>
+              <a:buChar char="•"/>
+              <a:defRPr sz="2000" kern="1200">
+                <a:solidFill>
+                  <a:schemeClr val="tx1"/>
+                </a:solidFill>
+                <a:latin typeface="+mn-lt"/>
+                <a:ea typeface="+mn-ea"/>
+                <a:cs typeface="+mn-cs"/>
+              </a:defRPr>
+            </a:lvl3pPr>
+            <a:lvl4pPr marL="1600200" indent="-228600" algn="l" defTabSz="914400" rtl="0" eaLnBrk="1" latinLnBrk="0" hangingPunct="1">
+              <a:lnSpc>
+                <a:spcPct val="90000"/>
+              </a:lnSpc>
+              <a:spcBef>
+                <a:spcPts val="500"/>
+              </a:spcBef>
+              <a:buFont typeface="Arial" panose="020B0604020202020204" pitchFamily="34" charset="0"/>
+              <a:buChar char="•"/>
+              <a:defRPr sz="1800" kern="1200">
+                <a:solidFill>
+                  <a:schemeClr val="tx1"/>
+                </a:solidFill>
+                <a:latin typeface="+mn-lt"/>
+                <a:ea typeface="+mn-ea"/>
+                <a:cs typeface="+mn-cs"/>
+              </a:defRPr>
+            </a:lvl4pPr>
+            <a:lvl5pPr marL="2057400" indent="-228600" algn="l" defTabSz="914400" rtl="0" eaLnBrk="1" latinLnBrk="0" hangingPunct="1">
+              <a:lnSpc>
+                <a:spcPct val="90000"/>
+              </a:lnSpc>
+              <a:spcBef>
+                <a:spcPts val="500"/>
+              </a:spcBef>
+              <a:buFont typeface="Arial" panose="020B0604020202020204" pitchFamily="34" charset="0"/>
+              <a:buChar char="•"/>
+              <a:defRPr sz="1800" kern="1200">
+                <a:solidFill>
+                  <a:schemeClr val="tx1"/>
+                </a:solidFill>
+                <a:latin typeface="+mn-lt"/>
+                <a:ea typeface="+mn-ea"/>
+                <a:cs typeface="+mn-cs"/>
+              </a:defRPr>
+            </a:lvl5pPr>
+            <a:lvl6pPr marL="2514600" indent="-228600" algn="l" defTabSz="914400" rtl="0" eaLnBrk="1" latinLnBrk="0" hangingPunct="1">
+              <a:lnSpc>
+                <a:spcPct val="90000"/>
+              </a:lnSpc>
+              <a:spcBef>
+                <a:spcPts val="500"/>
+              </a:spcBef>
+              <a:buFont typeface="Arial" panose="020B0604020202020204" pitchFamily="34" charset="0"/>
+              <a:buChar char="•"/>
+              <a:defRPr sz="1800" kern="1200">
+                <a:solidFill>
+                  <a:schemeClr val="tx1"/>
+                </a:solidFill>
+                <a:latin typeface="+mn-lt"/>
+                <a:ea typeface="+mn-ea"/>
+                <a:cs typeface="+mn-cs"/>
+              </a:defRPr>
+            </a:lvl6pPr>
+            <a:lvl7pPr marL="2971800" indent="-228600" algn="l" defTabSz="914400" rtl="0" eaLnBrk="1" latinLnBrk="0" hangingPunct="1">
+              <a:lnSpc>
+                <a:spcPct val="90000"/>
+              </a:lnSpc>
+              <a:spcBef>
+                <a:spcPts val="500"/>
+              </a:spcBef>
+              <a:buFont typeface="Arial" panose="020B0604020202020204" pitchFamily="34" charset="0"/>
+              <a:buChar char="•"/>
+              <a:defRPr sz="1800" kern="1200">
+                <a:solidFill>
+                  <a:schemeClr val="tx1"/>
+                </a:solidFill>
+                <a:latin typeface="+mn-lt"/>
+                <a:ea typeface="+mn-ea"/>
+                <a:cs typeface="+mn-cs"/>
+              </a:defRPr>
+            </a:lvl7pPr>
+            <a:lvl8pPr marL="3429000" indent="-228600" algn="l" defTabSz="914400" rtl="0" eaLnBrk="1" latinLnBrk="0" hangingPunct="1">
+              <a:lnSpc>
+                <a:spcPct val="90000"/>
+              </a:lnSpc>
+              <a:spcBef>
+                <a:spcPts val="500"/>
+              </a:spcBef>
+              <a:buFont typeface="Arial" panose="020B0604020202020204" pitchFamily="34" charset="0"/>
+              <a:buChar char="•"/>
+              <a:defRPr sz="1800" kern="1200">
+                <a:solidFill>
+                  <a:schemeClr val="tx1"/>
+                </a:solidFill>
+                <a:latin typeface="+mn-lt"/>
+                <a:ea typeface="+mn-ea"/>
+                <a:cs typeface="+mn-cs"/>
+              </a:defRPr>
+            </a:lvl8pPr>
+            <a:lvl9pPr marL="3886200" indent="-228600" algn="l" defTabSz="914400" rtl="0" eaLnBrk="1" latinLnBrk="0" hangingPunct="1">
+              <a:lnSpc>
+                <a:spcPct val="90000"/>
+              </a:lnSpc>
+              <a:spcBef>
+                <a:spcPts val="500"/>
+              </a:spcBef>
+              <a:buFont typeface="Arial" panose="020B0604020202020204" pitchFamily="34" charset="0"/>
+              <a:buChar char="•"/>
+              <a:defRPr sz="1800" kern="1200">
+                <a:solidFill>
+                  <a:schemeClr val="tx1"/>
+                </a:solidFill>
+                <a:latin typeface="+mn-lt"/>
+                <a:ea typeface="+mn-ea"/>
+                <a:cs typeface="+mn-cs"/>
+              </a:defRPr>
+            </a:lvl9pPr>
+          </a:lstStyle>
+          <a:p>
+            <a:pPr marL="0" indent="0">
+              <a:buFont typeface="Arial" panose="020B0604020202020204" pitchFamily="34" charset="0"/>
+              <a:buNone/>
+            </a:pPr>
+            <a:r>
+              <a:rPr lang="zh-TW" altLang="en-US" sz="2400" dirty="0">
+                <a:solidFill>
+                  <a:schemeClr val="accent2"/>
+                </a:solidFill>
+                <a:latin typeface="GenSenRounded JP M" panose="020B0600000000000000" pitchFamily="34" charset="-128"/>
+                <a:ea typeface="GenSenRounded JP M" panose="020B0600000000000000" pitchFamily="34" charset="-128"/>
+              </a:rPr>
+              <a:t>我決定不放棄，她每天放學後都跑到山上觀察夕陽，試圖捕捉光線的變化。</a:t>
+            </a:r>
+          </a:p>
+        </p:txBody>
+      </p:sp>
+      <p:sp>
+        <p:nvSpPr>
+          <p:cNvPr id="9" name="標題 1">
+            <a:extLst>
+              <a:ext uri="{FF2B5EF4-FFF2-40B4-BE49-F238E27FC236}">
+                <a16:creationId xmlns:a16="http://schemas.microsoft.com/office/drawing/2014/main" id="{E5DA9FCC-0505-2EEF-EDBD-AD34EC79C64D}"/>
+              </a:ext>
+            </a:extLst>
+          </p:cNvPr>
+          <p:cNvSpPr txBox="1">
+            <a:spLocks/>
+          </p:cNvSpPr>
+          <p:nvPr/>
+        </p:nvSpPr>
+        <p:spPr>
+          <a:xfrm>
+            <a:off x="225972" y="0"/>
+            <a:ext cx="4238452" cy="1213946"/>
+          </a:xfrm>
+          <a:prstGeom prst="rect">
+            <a:avLst/>
+          </a:prstGeom>
+        </p:spPr>
+        <p:txBody>
+          <a:bodyPr vert="horz" lIns="91440" tIns="45720" rIns="91440" bIns="45720" rtlCol="0" anchor="ctr">
+            <a:noAutofit/>
+          </a:bodyPr>
+          <a:lstStyle>
+            <a:lvl1pPr algn="l" defTabSz="914400" rtl="0" eaLnBrk="1" latinLnBrk="0" hangingPunct="1">
+              <a:lnSpc>
+                <a:spcPct val="90000"/>
+              </a:lnSpc>
+              <a:spcBef>
+                <a:spcPct val="0"/>
+              </a:spcBef>
+              <a:buNone/>
+              <a:defRPr sz="4400" kern="1200">
+                <a:solidFill>
+                  <a:schemeClr val="tx1"/>
+                </a:solidFill>
+                <a:latin typeface="+mj-lt"/>
+                <a:ea typeface="+mj-ea"/>
+                <a:cs typeface="+mj-cs"/>
+              </a:defRPr>
+            </a:lvl1pPr>
+          </a:lstStyle>
+          <a:p>
+            <a:r>
+              <a:rPr lang="en-US" altLang="zh-TW" sz="5400" dirty="0">
+                <a:ln>
+                  <a:solidFill>
+                    <a:schemeClr val="accent2"/>
+                  </a:solidFill>
+                </a:ln>
+                <a:solidFill>
+                  <a:schemeClr val="bg1"/>
+                </a:solidFill>
+                <a:latin typeface="GenSenRounded JP M" panose="020B0600000000000000" pitchFamily="34" charset="-128"/>
+                <a:ea typeface="GenSenRounded JP M" panose="020B0600000000000000" pitchFamily="34" charset="-128"/>
+              </a:rPr>
+              <a:t>3.</a:t>
+            </a:r>
+            <a:r>
+              <a:rPr lang="zh-TW" altLang="en-US" sz="5400" dirty="0">
+                <a:ln>
+                  <a:solidFill>
+                    <a:schemeClr val="accent2"/>
+                  </a:solidFill>
+                </a:ln>
+                <a:solidFill>
+                  <a:schemeClr val="bg1"/>
+                </a:solidFill>
+                <a:latin typeface="GenSenRounded JP M" panose="020B0600000000000000" pitchFamily="34" charset="-128"/>
+                <a:ea typeface="GenSenRounded JP M" panose="020B0600000000000000" pitchFamily="34" charset="-128"/>
+              </a:rPr>
+              <a:t>努力</a:t>
+            </a:r>
+          </a:p>
+        </p:txBody>
+      </p:sp>
+    </p:spTree>
+    <p:extLst>
+      <p:ext uri="{BB962C8B-B14F-4D97-AF65-F5344CB8AC3E}">
+        <p14:creationId xmlns:p14="http://schemas.microsoft.com/office/powerpoint/2010/main" val="594101201"/>
+      </p:ext>
+    </p:extLst>
+  </p:cSld>
+  <p:clrMapOvr>
+    <a:masterClrMapping/>
+  </p:clrMapOvr>
+</p:sld>
+</file>
+
+<file path=ppt/slides/slide5.xml><?xml version="1.0" encoding="utf-8"?>
+<p:sld xmlns:a="http://schemas.openxmlformats.org/drawingml/2006/main" xmlns:r="http://schemas.openxmlformats.org/officeDocument/2006/relationships" xmlns:p="http://schemas.openxmlformats.org/presentationml/2006/main">
+  <p:cSld>
+    <p:spTree>
+      <p:nvGrpSpPr>
+        <p:cNvPr id="1" name=""/>
+        <p:cNvGrpSpPr/>
+        <p:nvPr/>
+      </p:nvGrpSpPr>
+      <p:grpSpPr>
+        <a:xfrm>
+          <a:off x="0" y="0"/>
+          <a:ext cx="0" cy="0"/>
+          <a:chOff x="0" y="0"/>
+          <a:chExt cx="0" cy="0"/>
+        </a:xfrm>
+      </p:grpSpPr>
+      <p:pic>
+        <p:nvPicPr>
+          <p:cNvPr id="5" name="內容版面配置區 4">
+            <a:extLst>
+              <a:ext uri="{FF2B5EF4-FFF2-40B4-BE49-F238E27FC236}">
+                <a16:creationId xmlns:a16="http://schemas.microsoft.com/office/drawing/2014/main" id="{318EEB15-8865-0689-9CB9-17FB5997EBA0}"/>
+              </a:ext>
+            </a:extLst>
+          </p:cNvPr>
+          <p:cNvPicPr>
+            <a:picLocks noGrp="1" noChangeAspect="1"/>
+          </p:cNvPicPr>
+          <p:nvPr>
+            <p:ph idx="1"/>
+          </p:nvPr>
+        </p:nvPicPr>
+        <p:blipFill>
+          <a:blip r:embed="rId3"/>
+          <a:stretch>
+            <a:fillRect/>
+          </a:stretch>
+        </p:blipFill>
+        <p:spPr>
+          <a:xfrm>
+            <a:off x="0" y="987973"/>
+            <a:ext cx="5870027" cy="5870027"/>
+          </a:xfrm>
+        </p:spPr>
+      </p:pic>
+      <p:sp>
+        <p:nvSpPr>
+          <p:cNvPr id="8" name="內容版面配置區 8">
+            <a:extLst>
+              <a:ext uri="{FF2B5EF4-FFF2-40B4-BE49-F238E27FC236}">
+                <a16:creationId xmlns:a16="http://schemas.microsoft.com/office/drawing/2014/main" id="{2B07231D-379B-BC05-A083-2701F858C91D}"/>
+              </a:ext>
+            </a:extLst>
+          </p:cNvPr>
+          <p:cNvSpPr txBox="1">
+            <a:spLocks/>
+          </p:cNvSpPr>
+          <p:nvPr/>
+        </p:nvSpPr>
+        <p:spPr>
+          <a:xfrm>
+            <a:off x="2385596" y="204395"/>
+            <a:ext cx="9580432" cy="783578"/>
+          </a:xfrm>
+          <a:prstGeom prst="rect">
+            <a:avLst/>
+          </a:prstGeom>
+        </p:spPr>
+        <p:txBody>
+          <a:bodyPr vert="horz" lIns="91440" tIns="45720" rIns="91440" bIns="45720" rtlCol="0">
+            <a:normAutofit/>
+          </a:bodyPr>
+          <a:lstStyle>
+            <a:lvl1pPr marL="228600" indent="-228600" algn="l" defTabSz="914400" rtl="0" eaLnBrk="1" latinLnBrk="0" hangingPunct="1">
+              <a:lnSpc>
+                <a:spcPct val="90000"/>
+              </a:lnSpc>
+              <a:spcBef>
+                <a:spcPts val="1000"/>
+              </a:spcBef>
+              <a:buFont typeface="Arial" panose="020B0604020202020204" pitchFamily="34" charset="0"/>
+              <a:buChar char="•"/>
+              <a:defRPr sz="2800" kern="1200">
+                <a:solidFill>
+                  <a:schemeClr val="tx1"/>
+                </a:solidFill>
+                <a:latin typeface="+mn-lt"/>
+                <a:ea typeface="+mn-ea"/>
+                <a:cs typeface="+mn-cs"/>
+              </a:defRPr>
+            </a:lvl1pPr>
+            <a:lvl2pPr marL="685800" indent="-228600" algn="l" defTabSz="914400" rtl="0" eaLnBrk="1" latinLnBrk="0" hangingPunct="1">
+              <a:lnSpc>
+                <a:spcPct val="90000"/>
+              </a:lnSpc>
+              <a:spcBef>
+                <a:spcPts val="500"/>
+              </a:spcBef>
+              <a:buFont typeface="Arial" panose="020B0604020202020204" pitchFamily="34" charset="0"/>
+              <a:buChar char="•"/>
+              <a:defRPr sz="2400" kern="1200">
+                <a:solidFill>
+                  <a:schemeClr val="tx1"/>
+                </a:solidFill>
+                <a:latin typeface="+mn-lt"/>
+                <a:ea typeface="+mn-ea"/>
+                <a:cs typeface="+mn-cs"/>
+              </a:defRPr>
+            </a:lvl2pPr>
+            <a:lvl3pPr marL="1143000" indent="-228600" algn="l" defTabSz="914400" rtl="0" eaLnBrk="1" latinLnBrk="0" hangingPunct="1">
+              <a:lnSpc>
+                <a:spcPct val="90000"/>
+              </a:lnSpc>
+              <a:spcBef>
+                <a:spcPts val="500"/>
+              </a:spcBef>
+              <a:buFont typeface="Arial" panose="020B0604020202020204" pitchFamily="34" charset="0"/>
+              <a:buChar char="•"/>
+              <a:defRPr sz="2000" kern="1200">
+                <a:solidFill>
+                  <a:schemeClr val="tx1"/>
+                </a:solidFill>
+                <a:latin typeface="+mn-lt"/>
+                <a:ea typeface="+mn-ea"/>
+                <a:cs typeface="+mn-cs"/>
+              </a:defRPr>
+            </a:lvl3pPr>
+            <a:lvl4pPr marL="1600200" indent="-228600" algn="l" defTabSz="914400" rtl="0" eaLnBrk="1" latinLnBrk="0" hangingPunct="1">
+              <a:lnSpc>
+                <a:spcPct val="90000"/>
+              </a:lnSpc>
+              <a:spcBef>
+                <a:spcPts val="500"/>
+              </a:spcBef>
+              <a:buFont typeface="Arial" panose="020B0604020202020204" pitchFamily="34" charset="0"/>
+              <a:buChar char="•"/>
+              <a:defRPr sz="1800" kern="1200">
+                <a:solidFill>
+                  <a:schemeClr val="tx1"/>
+                </a:solidFill>
+                <a:latin typeface="+mn-lt"/>
+                <a:ea typeface="+mn-ea"/>
+                <a:cs typeface="+mn-cs"/>
+              </a:defRPr>
+            </a:lvl4pPr>
+            <a:lvl5pPr marL="2057400" indent="-228600" algn="l" defTabSz="914400" rtl="0" eaLnBrk="1" latinLnBrk="0" hangingPunct="1">
+              <a:lnSpc>
+                <a:spcPct val="90000"/>
+              </a:lnSpc>
+              <a:spcBef>
+                <a:spcPts val="500"/>
+              </a:spcBef>
+              <a:buFont typeface="Arial" panose="020B0604020202020204" pitchFamily="34" charset="0"/>
+              <a:buChar char="•"/>
+              <a:defRPr sz="1800" kern="1200">
+                <a:solidFill>
+                  <a:schemeClr val="tx1"/>
+                </a:solidFill>
+                <a:latin typeface="+mn-lt"/>
+                <a:ea typeface="+mn-ea"/>
+                <a:cs typeface="+mn-cs"/>
+              </a:defRPr>
+            </a:lvl5pPr>
+            <a:lvl6pPr marL="2514600" indent="-228600" algn="l" defTabSz="914400" rtl="0" eaLnBrk="1" latinLnBrk="0" hangingPunct="1">
+              <a:lnSpc>
+                <a:spcPct val="90000"/>
+              </a:lnSpc>
+              <a:spcBef>
+                <a:spcPts val="500"/>
+              </a:spcBef>
+              <a:buFont typeface="Arial" panose="020B0604020202020204" pitchFamily="34" charset="0"/>
+              <a:buChar char="•"/>
+              <a:defRPr sz="1800" kern="1200">
+                <a:solidFill>
+                  <a:schemeClr val="tx1"/>
+                </a:solidFill>
+                <a:latin typeface="+mn-lt"/>
+                <a:ea typeface="+mn-ea"/>
+                <a:cs typeface="+mn-cs"/>
+              </a:defRPr>
+            </a:lvl6pPr>
+            <a:lvl7pPr marL="2971800" indent="-228600" algn="l" defTabSz="914400" rtl="0" eaLnBrk="1" latinLnBrk="0" hangingPunct="1">
+              <a:lnSpc>
+                <a:spcPct val="90000"/>
+              </a:lnSpc>
+              <a:spcBef>
+                <a:spcPts val="500"/>
+              </a:spcBef>
+              <a:buFont typeface="Arial" panose="020B0604020202020204" pitchFamily="34" charset="0"/>
+              <a:buChar char="•"/>
+              <a:defRPr sz="1800" kern="1200">
+                <a:solidFill>
+                  <a:schemeClr val="tx1"/>
+                </a:solidFill>
+                <a:latin typeface="+mn-lt"/>
+                <a:ea typeface="+mn-ea"/>
+                <a:cs typeface="+mn-cs"/>
+              </a:defRPr>
+            </a:lvl7pPr>
+            <a:lvl8pPr marL="3429000" indent="-228600" algn="l" defTabSz="914400" rtl="0" eaLnBrk="1" latinLnBrk="0" hangingPunct="1">
+              <a:lnSpc>
+                <a:spcPct val="90000"/>
+              </a:lnSpc>
+              <a:spcBef>
+                <a:spcPts val="500"/>
+              </a:spcBef>
+              <a:buFont typeface="Arial" panose="020B0604020202020204" pitchFamily="34" charset="0"/>
+              <a:buChar char="•"/>
+              <a:defRPr sz="1800" kern="1200">
+                <a:solidFill>
+                  <a:schemeClr val="tx1"/>
+                </a:solidFill>
+                <a:latin typeface="+mn-lt"/>
+                <a:ea typeface="+mn-ea"/>
+                <a:cs typeface="+mn-cs"/>
+              </a:defRPr>
+            </a:lvl8pPr>
+            <a:lvl9pPr marL="3886200" indent="-228600" algn="l" defTabSz="914400" rtl="0" eaLnBrk="1" latinLnBrk="0" hangingPunct="1">
+              <a:lnSpc>
+                <a:spcPct val="90000"/>
+              </a:lnSpc>
+              <a:spcBef>
+                <a:spcPts val="500"/>
+              </a:spcBef>
+              <a:buFont typeface="Arial" panose="020B0604020202020204" pitchFamily="34" charset="0"/>
+              <a:buChar char="•"/>
+              <a:defRPr sz="1800" kern="1200">
+                <a:solidFill>
+                  <a:schemeClr val="tx1"/>
+                </a:solidFill>
+                <a:latin typeface="+mn-lt"/>
+                <a:ea typeface="+mn-ea"/>
+                <a:cs typeface="+mn-cs"/>
+              </a:defRPr>
+            </a:lvl9pPr>
+          </a:lstStyle>
+          <a:p>
+            <a:pPr marL="0" indent="0">
+              <a:buFont typeface="Arial" panose="020B0604020202020204" pitchFamily="34" charset="0"/>
+              <a:buNone/>
+            </a:pPr>
+            <a:r>
+              <a:rPr lang="zh-TW" altLang="en-US" sz="2400" dirty="0">
+                <a:solidFill>
+                  <a:schemeClr val="accent2"/>
+                </a:solidFill>
+                <a:latin typeface="GenSenRounded JP M" panose="020B0600000000000000" pitchFamily="34" charset="-128"/>
+                <a:ea typeface="GenSenRounded JP M" panose="020B0600000000000000" pitchFamily="34" charset="-128"/>
+              </a:rPr>
+              <a:t>經過無數次的修改和練習，我終於完成了一幅她滿意的風景畫。我興奮地將畫作交給老師，參加了學校的比賽。</a:t>
+            </a:r>
+          </a:p>
+        </p:txBody>
+      </p:sp>
+      <p:sp>
+        <p:nvSpPr>
+          <p:cNvPr id="9" name="標題 1">
+            <a:extLst>
+              <a:ext uri="{FF2B5EF4-FFF2-40B4-BE49-F238E27FC236}">
+                <a16:creationId xmlns:a16="http://schemas.microsoft.com/office/drawing/2014/main" id="{66672FB7-8132-3A13-1D19-03B5103A973F}"/>
+              </a:ext>
+            </a:extLst>
+          </p:cNvPr>
+          <p:cNvSpPr txBox="1">
+            <a:spLocks/>
+          </p:cNvSpPr>
+          <p:nvPr/>
+        </p:nvSpPr>
+        <p:spPr>
+          <a:xfrm>
+            <a:off x="225972" y="0"/>
+            <a:ext cx="4238452" cy="1213946"/>
+          </a:xfrm>
+          <a:prstGeom prst="rect">
+            <a:avLst/>
+          </a:prstGeom>
+        </p:spPr>
+        <p:txBody>
+          <a:bodyPr vert="horz" lIns="91440" tIns="45720" rIns="91440" bIns="45720" rtlCol="0" anchor="ctr">
+            <a:noAutofit/>
+          </a:bodyPr>
+          <a:lstStyle>
+            <a:lvl1pPr algn="l" defTabSz="914400" rtl="0" eaLnBrk="1" latinLnBrk="0" hangingPunct="1">
+              <a:lnSpc>
+                <a:spcPct val="90000"/>
+              </a:lnSpc>
+              <a:spcBef>
+                <a:spcPct val="0"/>
+              </a:spcBef>
+              <a:buNone/>
+              <a:defRPr sz="4400" kern="1200">
+                <a:solidFill>
+                  <a:schemeClr val="tx1"/>
+                </a:solidFill>
+                <a:latin typeface="+mj-lt"/>
+                <a:ea typeface="+mj-ea"/>
+                <a:cs typeface="+mj-cs"/>
+              </a:defRPr>
+            </a:lvl1pPr>
+          </a:lstStyle>
+          <a:p>
+            <a:r>
+              <a:rPr lang="en-US" altLang="zh-TW" sz="5400" dirty="0">
+                <a:ln>
+                  <a:solidFill>
+                    <a:schemeClr val="accent2"/>
+                  </a:solidFill>
+                </a:ln>
+                <a:solidFill>
+                  <a:schemeClr val="bg1"/>
+                </a:solidFill>
+                <a:latin typeface="GenSenRounded JP M" panose="020B0600000000000000" pitchFamily="34" charset="-128"/>
+                <a:ea typeface="GenSenRounded JP M" panose="020B0600000000000000" pitchFamily="34" charset="-128"/>
+              </a:rPr>
+              <a:t>4.</a:t>
+            </a:r>
+            <a:r>
+              <a:rPr lang="zh-TW" altLang="en-US" sz="5400" dirty="0">
+                <a:ln>
+                  <a:solidFill>
+                    <a:schemeClr val="accent2"/>
+                  </a:solidFill>
+                </a:ln>
+                <a:solidFill>
+                  <a:schemeClr val="bg1"/>
+                </a:solidFill>
+                <a:latin typeface="GenSenRounded JP M" panose="020B0600000000000000" pitchFamily="34" charset="-128"/>
+                <a:ea typeface="GenSenRounded JP M" panose="020B0600000000000000" pitchFamily="34" charset="-128"/>
+              </a:rPr>
+              <a:t>結果</a:t>
+            </a:r>
+          </a:p>
+        </p:txBody>
+      </p:sp>
+    </p:spTree>
+    <p:extLst>
+      <p:ext uri="{BB962C8B-B14F-4D97-AF65-F5344CB8AC3E}">
+        <p14:creationId xmlns:p14="http://schemas.microsoft.com/office/powerpoint/2010/main" val="555111474"/>
+      </p:ext>
+    </p:extLst>
+  </p:cSld>
+  <p:clrMapOvr>
+    <a:masterClrMapping/>
+  </p:clrMapOvr>
+</p:sld>
+</file>
+
+<file path=ppt/slides/slide6.xml><?xml version="1.0" encoding="utf-8"?>
+<p:sld xmlns:a="http://schemas.openxmlformats.org/drawingml/2006/main" xmlns:r="http://schemas.openxmlformats.org/officeDocument/2006/relationships" xmlns:p="http://schemas.openxmlformats.org/presentationml/2006/main">
+  <p:cSld>
+    <p:spTree>
+      <p:nvGrpSpPr>
+        <p:cNvPr id="1" name=""/>
+        <p:cNvGrpSpPr/>
+        <p:nvPr/>
+      </p:nvGrpSpPr>
+      <p:grpSpPr>
+        <a:xfrm>
+          <a:off x="0" y="0"/>
+          <a:ext cx="0" cy="0"/>
+          <a:chOff x="0" y="0"/>
+          <a:chExt cx="0" cy="0"/>
+        </a:xfrm>
+      </p:grpSpPr>
+      <p:sp>
+        <p:nvSpPr>
+          <p:cNvPr id="6" name="內容版面配置區 8">
+            <a:extLst>
+              <a:ext uri="{FF2B5EF4-FFF2-40B4-BE49-F238E27FC236}">
+                <a16:creationId xmlns:a16="http://schemas.microsoft.com/office/drawing/2014/main" id="{3E7D7F30-57A0-75B5-9E72-24EF47DD03B0}"/>
+              </a:ext>
+            </a:extLst>
+          </p:cNvPr>
+          <p:cNvSpPr txBox="1">
+            <a:spLocks/>
+          </p:cNvSpPr>
+          <p:nvPr/>
+        </p:nvSpPr>
+        <p:spPr>
+          <a:xfrm>
+            <a:off x="2385596" y="204395"/>
+            <a:ext cx="9580432" cy="783578"/>
+          </a:xfrm>
+          <a:prstGeom prst="rect">
+            <a:avLst/>
+          </a:prstGeom>
+        </p:spPr>
+        <p:txBody>
+          <a:bodyPr vert="horz" lIns="91440" tIns="45720" rIns="91440" bIns="45720" rtlCol="0">
+            <a:normAutofit/>
+          </a:bodyPr>
+          <a:lstStyle>
+            <a:lvl1pPr marL="228600" indent="-228600" algn="l" defTabSz="914400" rtl="0" eaLnBrk="1" latinLnBrk="0" hangingPunct="1">
+              <a:lnSpc>
+                <a:spcPct val="90000"/>
+              </a:lnSpc>
+              <a:spcBef>
+                <a:spcPts val="1000"/>
+              </a:spcBef>
+              <a:buFont typeface="Arial" panose="020B0604020202020204" pitchFamily="34" charset="0"/>
+              <a:buChar char="•"/>
+              <a:defRPr sz="2800" kern="1200">
+                <a:solidFill>
+                  <a:schemeClr val="tx1"/>
+                </a:solidFill>
+                <a:latin typeface="+mn-lt"/>
+                <a:ea typeface="+mn-ea"/>
+                <a:cs typeface="+mn-cs"/>
+              </a:defRPr>
+            </a:lvl1pPr>
+            <a:lvl2pPr marL="685800" indent="-228600" algn="l" defTabSz="914400" rtl="0" eaLnBrk="1" latinLnBrk="0" hangingPunct="1">
+              <a:lnSpc>
+                <a:spcPct val="90000"/>
+              </a:lnSpc>
+              <a:spcBef>
+                <a:spcPts val="500"/>
+              </a:spcBef>
+              <a:buFont typeface="Arial" panose="020B0604020202020204" pitchFamily="34" charset="0"/>
+              <a:buChar char="•"/>
+              <a:defRPr sz="2400" kern="1200">
+                <a:solidFill>
+                  <a:schemeClr val="tx1"/>
+                </a:solidFill>
+                <a:latin typeface="+mn-lt"/>
+                <a:ea typeface="+mn-ea"/>
+                <a:cs typeface="+mn-cs"/>
+              </a:defRPr>
+            </a:lvl2pPr>
+            <a:lvl3pPr marL="1143000" indent="-228600" algn="l" defTabSz="914400" rtl="0" eaLnBrk="1" latinLnBrk="0" hangingPunct="1">
+              <a:lnSpc>
+                <a:spcPct val="90000"/>
+              </a:lnSpc>
+              <a:spcBef>
+                <a:spcPts val="500"/>
+              </a:spcBef>
+              <a:buFont typeface="Arial" panose="020B0604020202020204" pitchFamily="34" charset="0"/>
+              <a:buChar char="•"/>
+              <a:defRPr sz="2000" kern="1200">
+                <a:solidFill>
+                  <a:schemeClr val="tx1"/>
+                </a:solidFill>
+                <a:latin typeface="+mn-lt"/>
+                <a:ea typeface="+mn-ea"/>
+                <a:cs typeface="+mn-cs"/>
+              </a:defRPr>
+            </a:lvl3pPr>
+            <a:lvl4pPr marL="1600200" indent="-228600" algn="l" defTabSz="914400" rtl="0" eaLnBrk="1" latinLnBrk="0" hangingPunct="1">
+              <a:lnSpc>
+                <a:spcPct val="90000"/>
+              </a:lnSpc>
+              <a:spcBef>
+                <a:spcPts val="500"/>
+              </a:spcBef>
+              <a:buFont typeface="Arial" panose="020B0604020202020204" pitchFamily="34" charset="0"/>
+              <a:buChar char="•"/>
+              <a:defRPr sz="1800" kern="1200">
+                <a:solidFill>
+                  <a:schemeClr val="tx1"/>
+                </a:solidFill>
+                <a:latin typeface="+mn-lt"/>
+                <a:ea typeface="+mn-ea"/>
+                <a:cs typeface="+mn-cs"/>
+              </a:defRPr>
+            </a:lvl4pPr>
+            <a:lvl5pPr marL="2057400" indent="-228600" algn="l" defTabSz="914400" rtl="0" eaLnBrk="1" latinLnBrk="0" hangingPunct="1">
+              <a:lnSpc>
+                <a:spcPct val="90000"/>
+              </a:lnSpc>
+              <a:spcBef>
+                <a:spcPts val="500"/>
+              </a:spcBef>
+              <a:buFont typeface="Arial" panose="020B0604020202020204" pitchFamily="34" charset="0"/>
+              <a:buChar char="•"/>
+              <a:defRPr sz="1800" kern="1200">
+                <a:solidFill>
+                  <a:schemeClr val="tx1"/>
+                </a:solidFill>
+                <a:latin typeface="+mn-lt"/>
+                <a:ea typeface="+mn-ea"/>
+                <a:cs typeface="+mn-cs"/>
+              </a:defRPr>
+            </a:lvl5pPr>
+            <a:lvl6pPr marL="2514600" indent="-228600" algn="l" defTabSz="914400" rtl="0" eaLnBrk="1" latinLnBrk="0" hangingPunct="1">
+              <a:lnSpc>
+                <a:spcPct val="90000"/>
+              </a:lnSpc>
+              <a:spcBef>
+                <a:spcPts val="500"/>
+              </a:spcBef>
+              <a:buFont typeface="Arial" panose="020B0604020202020204" pitchFamily="34" charset="0"/>
+              <a:buChar char="•"/>
+              <a:defRPr sz="1800" kern="1200">
+                <a:solidFill>
+                  <a:schemeClr val="tx1"/>
+                </a:solidFill>
+                <a:latin typeface="+mn-lt"/>
+                <a:ea typeface="+mn-ea"/>
+                <a:cs typeface="+mn-cs"/>
+              </a:defRPr>
+            </a:lvl6pPr>
+            <a:lvl7pPr marL="2971800" indent="-228600" algn="l" defTabSz="914400" rtl="0" eaLnBrk="1" latinLnBrk="0" hangingPunct="1">
+              <a:lnSpc>
+                <a:spcPct val="90000"/>
+              </a:lnSpc>
+              <a:spcBef>
+                <a:spcPts val="500"/>
+              </a:spcBef>
+              <a:buFont typeface="Arial" panose="020B0604020202020204" pitchFamily="34" charset="0"/>
+              <a:buChar char="•"/>
+              <a:defRPr sz="1800" kern="1200">
+                <a:solidFill>
+                  <a:schemeClr val="tx1"/>
+                </a:solidFill>
+                <a:latin typeface="+mn-lt"/>
+                <a:ea typeface="+mn-ea"/>
+                <a:cs typeface="+mn-cs"/>
+              </a:defRPr>
+            </a:lvl7pPr>
+            <a:lvl8pPr marL="3429000" indent="-228600" algn="l" defTabSz="914400" rtl="0" eaLnBrk="1" latinLnBrk="0" hangingPunct="1">
+              <a:lnSpc>
+                <a:spcPct val="90000"/>
+              </a:lnSpc>
+              <a:spcBef>
+                <a:spcPts val="500"/>
+              </a:spcBef>
+              <a:buFont typeface="Arial" panose="020B0604020202020204" pitchFamily="34" charset="0"/>
+              <a:buChar char="•"/>
+              <a:defRPr sz="1800" kern="1200">
+                <a:solidFill>
+                  <a:schemeClr val="tx1"/>
+                </a:solidFill>
+                <a:latin typeface="+mn-lt"/>
+                <a:ea typeface="+mn-ea"/>
+                <a:cs typeface="+mn-cs"/>
+              </a:defRPr>
+            </a:lvl8pPr>
+            <a:lvl9pPr marL="3886200" indent="-228600" algn="l" defTabSz="914400" rtl="0" eaLnBrk="1" latinLnBrk="0" hangingPunct="1">
+              <a:lnSpc>
+                <a:spcPct val="90000"/>
+              </a:lnSpc>
+              <a:spcBef>
+                <a:spcPts val="500"/>
+              </a:spcBef>
+              <a:buFont typeface="Arial" panose="020B0604020202020204" pitchFamily="34" charset="0"/>
+              <a:buChar char="•"/>
+              <a:defRPr sz="1800" kern="1200">
+                <a:solidFill>
+                  <a:schemeClr val="tx1"/>
+                </a:solidFill>
+                <a:latin typeface="+mn-lt"/>
+                <a:ea typeface="+mn-ea"/>
+                <a:cs typeface="+mn-cs"/>
+              </a:defRPr>
+            </a:lvl9pPr>
+          </a:lstStyle>
+          <a:p>
+            <a:pPr marL="0" indent="0">
+              <a:buFont typeface="Arial" panose="020B0604020202020204" pitchFamily="34" charset="0"/>
+              <a:buNone/>
+            </a:pPr>
+            <a:r>
+              <a:rPr lang="zh-TW" altLang="en-US" sz="2400" dirty="0">
+                <a:solidFill>
+                  <a:schemeClr val="accent2"/>
+                </a:solidFill>
+                <a:latin typeface="GenSenRounded JP M" panose="020B0600000000000000" pitchFamily="34" charset="-128"/>
+                <a:ea typeface="GenSenRounded JP M" panose="020B0600000000000000" pitchFamily="34" charset="-128"/>
+              </a:rPr>
+              <a:t>然而，評審當天，一場突如其來的暴風雨把我的畫作弄濕了，顏料被沖開，畫面變得模糊不清。</a:t>
+            </a:r>
+          </a:p>
+        </p:txBody>
+      </p:sp>
+      <p:sp>
+        <p:nvSpPr>
+          <p:cNvPr id="7" name="標題 1">
+            <a:extLst>
+              <a:ext uri="{FF2B5EF4-FFF2-40B4-BE49-F238E27FC236}">
+                <a16:creationId xmlns:a16="http://schemas.microsoft.com/office/drawing/2014/main" id="{2731E3AC-AA8C-8515-7D77-ED1957288E31}"/>
+              </a:ext>
+            </a:extLst>
+          </p:cNvPr>
+          <p:cNvSpPr txBox="1">
+            <a:spLocks/>
+          </p:cNvSpPr>
+          <p:nvPr/>
+        </p:nvSpPr>
+        <p:spPr>
+          <a:xfrm>
+            <a:off x="225972" y="0"/>
+            <a:ext cx="4238452" cy="1213946"/>
+          </a:xfrm>
+          <a:prstGeom prst="rect">
+            <a:avLst/>
+          </a:prstGeom>
+        </p:spPr>
+        <p:txBody>
+          <a:bodyPr vert="horz" lIns="91440" tIns="45720" rIns="91440" bIns="45720" rtlCol="0" anchor="ctr">
+            <a:noAutofit/>
+          </a:bodyPr>
+          <a:lstStyle>
+            <a:lvl1pPr algn="l" defTabSz="914400" rtl="0" eaLnBrk="1" latinLnBrk="0" hangingPunct="1">
+              <a:lnSpc>
+                <a:spcPct val="90000"/>
+              </a:lnSpc>
+              <a:spcBef>
+                <a:spcPct val="0"/>
+              </a:spcBef>
+              <a:buNone/>
+              <a:defRPr sz="4400" kern="1200">
+                <a:solidFill>
+                  <a:schemeClr val="tx1"/>
+                </a:solidFill>
+                <a:latin typeface="+mj-lt"/>
+                <a:ea typeface="+mj-ea"/>
+                <a:cs typeface="+mj-cs"/>
+              </a:defRPr>
+            </a:lvl1pPr>
+          </a:lstStyle>
+          <a:p>
+            <a:r>
+              <a:rPr lang="en-US" altLang="zh-TW" sz="5400" dirty="0">
+                <a:ln>
+                  <a:solidFill>
+                    <a:schemeClr val="accent2"/>
+                  </a:solidFill>
+                </a:ln>
+                <a:solidFill>
+                  <a:schemeClr val="bg1"/>
+                </a:solidFill>
+                <a:latin typeface="GenSenRounded JP M" panose="020B0600000000000000" pitchFamily="34" charset="-128"/>
+                <a:ea typeface="GenSenRounded JP M" panose="020B0600000000000000" pitchFamily="34" charset="-128"/>
+              </a:rPr>
+              <a:t>5.</a:t>
+            </a:r>
+            <a:r>
+              <a:rPr lang="zh-TW" altLang="en-US" sz="5400" dirty="0">
+                <a:ln>
+                  <a:solidFill>
+                    <a:schemeClr val="accent2"/>
+                  </a:solidFill>
+                </a:ln>
+                <a:solidFill>
+                  <a:schemeClr val="bg1"/>
+                </a:solidFill>
+                <a:latin typeface="GenSenRounded JP M" panose="020B0600000000000000" pitchFamily="34" charset="-128"/>
+                <a:ea typeface="GenSenRounded JP M" panose="020B0600000000000000" pitchFamily="34" charset="-128"/>
+              </a:rPr>
+              <a:t>意外</a:t>
+            </a:r>
+          </a:p>
+        </p:txBody>
+      </p:sp>
+      <p:pic>
+        <p:nvPicPr>
+          <p:cNvPr id="3" name="圖片 2">
+            <a:extLst>
+              <a:ext uri="{FF2B5EF4-FFF2-40B4-BE49-F238E27FC236}">
+                <a16:creationId xmlns:a16="http://schemas.microsoft.com/office/drawing/2014/main" id="{03506CCB-DE68-93C4-3B04-EA5982EA3C42}"/>
+              </a:ext>
+            </a:extLst>
+          </p:cNvPr>
+          <p:cNvPicPr>
+            <a:picLocks noChangeAspect="1"/>
+          </p:cNvPicPr>
+          <p:nvPr/>
+        </p:nvPicPr>
+        <p:blipFill>
+          <a:blip r:embed="rId3"/>
+          <a:stretch>
+            <a:fillRect/>
+          </a:stretch>
+        </p:blipFill>
+        <p:spPr>
+          <a:xfrm>
+            <a:off x="0" y="987973"/>
+            <a:ext cx="5870028" cy="5870028"/>
+          </a:xfrm>
+          <a:prstGeom prst="rect">
+            <a:avLst/>
+          </a:prstGeom>
+        </p:spPr>
+      </p:pic>
+    </p:spTree>
+    <p:extLst>
+      <p:ext uri="{BB962C8B-B14F-4D97-AF65-F5344CB8AC3E}">
+        <p14:creationId xmlns:p14="http://schemas.microsoft.com/office/powerpoint/2010/main" val="2426427137"/>
+      </p:ext>
+    </p:extLst>
+  </p:cSld>
+  <p:clrMapOvr>
+    <a:masterClrMapping/>
+  </p:clrMapOvr>
+</p:sld>
+</file>
+
+<file path=ppt/slides/slide7.xml><?xml version="1.0" encoding="utf-8"?>
+<p:sld xmlns:a="http://schemas.openxmlformats.org/drawingml/2006/main" xmlns:r="http://schemas.openxmlformats.org/officeDocument/2006/relationships" xmlns:p="http://schemas.openxmlformats.org/presentationml/2006/main">
+  <p:cSld>
+    <p:spTree>
+      <p:nvGrpSpPr>
+        <p:cNvPr id="1" name=""/>
+        <p:cNvGrpSpPr/>
+        <p:nvPr/>
+      </p:nvGrpSpPr>
+      <p:grpSpPr>
+        <a:xfrm>
+          <a:off x="0" y="0"/>
+          <a:ext cx="0" cy="0"/>
+          <a:chOff x="0" y="0"/>
+          <a:chExt cx="0" cy="0"/>
+        </a:xfrm>
+      </p:grpSpPr>
+      <p:pic>
+        <p:nvPicPr>
+          <p:cNvPr id="5" name="內容版面配置區 4">
+            <a:extLst>
+              <a:ext uri="{FF2B5EF4-FFF2-40B4-BE49-F238E27FC236}">
+                <a16:creationId xmlns:a16="http://schemas.microsoft.com/office/drawing/2014/main" id="{962F6772-2D92-F6F2-79F9-64DD288B6FC5}"/>
+              </a:ext>
+            </a:extLst>
+          </p:cNvPr>
+          <p:cNvPicPr>
+            <a:picLocks noGrp="1" noChangeAspect="1"/>
+          </p:cNvPicPr>
+          <p:nvPr>
+            <p:ph idx="1"/>
+          </p:nvPr>
+        </p:nvPicPr>
+        <p:blipFill>
+          <a:blip r:embed="rId3"/>
+          <a:stretch>
+            <a:fillRect/>
+          </a:stretch>
+        </p:blipFill>
+        <p:spPr>
+          <a:xfrm>
+            <a:off x="0" y="987972"/>
+            <a:ext cx="5870027" cy="5870027"/>
+          </a:xfrm>
+        </p:spPr>
+      </p:pic>
+      <p:sp>
+        <p:nvSpPr>
+          <p:cNvPr id="6" name="內容版面配置區 8">
+            <a:extLst>
+              <a:ext uri="{FF2B5EF4-FFF2-40B4-BE49-F238E27FC236}">
+                <a16:creationId xmlns:a16="http://schemas.microsoft.com/office/drawing/2014/main" id="{63F76313-69BC-6A37-01C3-8BDDA31B26D4}"/>
+              </a:ext>
+            </a:extLst>
+          </p:cNvPr>
+          <p:cNvSpPr txBox="1">
+            <a:spLocks/>
+          </p:cNvSpPr>
+          <p:nvPr/>
+        </p:nvSpPr>
+        <p:spPr>
+          <a:xfrm>
+            <a:off x="2385596" y="365759"/>
+            <a:ext cx="9580432" cy="622213"/>
+          </a:xfrm>
+          <a:prstGeom prst="rect">
+            <a:avLst/>
+          </a:prstGeom>
+        </p:spPr>
+        <p:txBody>
+          <a:bodyPr vert="horz" lIns="91440" tIns="45720" rIns="91440" bIns="45720" rtlCol="0">
+            <a:normAutofit/>
+          </a:bodyPr>
+          <a:lstStyle>
+            <a:lvl1pPr marL="228600" indent="-228600" algn="l" defTabSz="914400" rtl="0" eaLnBrk="1" latinLnBrk="0" hangingPunct="1">
+              <a:lnSpc>
+                <a:spcPct val="90000"/>
+              </a:lnSpc>
+              <a:spcBef>
+                <a:spcPts val="1000"/>
+              </a:spcBef>
+              <a:buFont typeface="Arial" panose="020B0604020202020204" pitchFamily="34" charset="0"/>
+              <a:buChar char="•"/>
+              <a:defRPr sz="2800" kern="1200">
+                <a:solidFill>
+                  <a:schemeClr val="tx1"/>
+                </a:solidFill>
+                <a:latin typeface="+mn-lt"/>
+                <a:ea typeface="+mn-ea"/>
+                <a:cs typeface="+mn-cs"/>
+              </a:defRPr>
+            </a:lvl1pPr>
+            <a:lvl2pPr marL="685800" indent="-228600" algn="l" defTabSz="914400" rtl="0" eaLnBrk="1" latinLnBrk="0" hangingPunct="1">
+              <a:lnSpc>
+                <a:spcPct val="90000"/>
+              </a:lnSpc>
+              <a:spcBef>
+                <a:spcPts val="500"/>
+              </a:spcBef>
+              <a:buFont typeface="Arial" panose="020B0604020202020204" pitchFamily="34" charset="0"/>
+              <a:buChar char="•"/>
+              <a:defRPr sz="2400" kern="1200">
+                <a:solidFill>
+                  <a:schemeClr val="tx1"/>
+                </a:solidFill>
+                <a:latin typeface="+mn-lt"/>
+                <a:ea typeface="+mn-ea"/>
+                <a:cs typeface="+mn-cs"/>
+              </a:defRPr>
+            </a:lvl2pPr>
+            <a:lvl3pPr marL="1143000" indent="-228600" algn="l" defTabSz="914400" rtl="0" eaLnBrk="1" latinLnBrk="0" hangingPunct="1">
+              <a:lnSpc>
+                <a:spcPct val="90000"/>
+              </a:lnSpc>
+              <a:spcBef>
+                <a:spcPts val="500"/>
+              </a:spcBef>
+              <a:buFont typeface="Arial" panose="020B0604020202020204" pitchFamily="34" charset="0"/>
+              <a:buChar char="•"/>
+              <a:defRPr sz="2000" kern="1200">
+                <a:solidFill>
+                  <a:schemeClr val="tx1"/>
+                </a:solidFill>
+                <a:latin typeface="+mn-lt"/>
+                <a:ea typeface="+mn-ea"/>
+                <a:cs typeface="+mn-cs"/>
+              </a:defRPr>
+            </a:lvl3pPr>
+            <a:lvl4pPr marL="1600200" indent="-228600" algn="l" defTabSz="914400" rtl="0" eaLnBrk="1" latinLnBrk="0" hangingPunct="1">
+              <a:lnSpc>
+                <a:spcPct val="90000"/>
+              </a:lnSpc>
+              <a:spcBef>
+                <a:spcPts val="500"/>
+              </a:spcBef>
+              <a:buFont typeface="Arial" panose="020B0604020202020204" pitchFamily="34" charset="0"/>
+              <a:buChar char="•"/>
+              <a:defRPr sz="1800" kern="1200">
+                <a:solidFill>
+                  <a:schemeClr val="tx1"/>
+                </a:solidFill>
+                <a:latin typeface="+mn-lt"/>
+                <a:ea typeface="+mn-ea"/>
+                <a:cs typeface="+mn-cs"/>
+              </a:defRPr>
+            </a:lvl4pPr>
+            <a:lvl5pPr marL="2057400" indent="-228600" algn="l" defTabSz="914400" rtl="0" eaLnBrk="1" latinLnBrk="0" hangingPunct="1">
+              <a:lnSpc>
+                <a:spcPct val="90000"/>
+              </a:lnSpc>
+              <a:spcBef>
+                <a:spcPts val="500"/>
+              </a:spcBef>
+              <a:buFont typeface="Arial" panose="020B0604020202020204" pitchFamily="34" charset="0"/>
+              <a:buChar char="•"/>
+              <a:defRPr sz="1800" kern="1200">
+                <a:solidFill>
+                  <a:schemeClr val="tx1"/>
+                </a:solidFill>
+                <a:latin typeface="+mn-lt"/>
+                <a:ea typeface="+mn-ea"/>
+                <a:cs typeface="+mn-cs"/>
+              </a:defRPr>
+            </a:lvl5pPr>
+            <a:lvl6pPr marL="2514600" indent="-228600" algn="l" defTabSz="914400" rtl="0" eaLnBrk="1" latinLnBrk="0" hangingPunct="1">
+              <a:lnSpc>
+                <a:spcPct val="90000"/>
+              </a:lnSpc>
+              <a:spcBef>
+                <a:spcPts val="500"/>
+              </a:spcBef>
+              <a:buFont typeface="Arial" panose="020B0604020202020204" pitchFamily="34" charset="0"/>
+              <a:buChar char="•"/>
+              <a:defRPr sz="1800" kern="1200">
+                <a:solidFill>
+                  <a:schemeClr val="tx1"/>
+                </a:solidFill>
+                <a:latin typeface="+mn-lt"/>
+                <a:ea typeface="+mn-ea"/>
+                <a:cs typeface="+mn-cs"/>
+              </a:defRPr>
+            </a:lvl6pPr>
+            <a:lvl7pPr marL="2971800" indent="-228600" algn="l" defTabSz="914400" rtl="0" eaLnBrk="1" latinLnBrk="0" hangingPunct="1">
+              <a:lnSpc>
+                <a:spcPct val="90000"/>
+              </a:lnSpc>
+              <a:spcBef>
+                <a:spcPts val="500"/>
+              </a:spcBef>
+              <a:buFont typeface="Arial" panose="020B0604020202020204" pitchFamily="34" charset="0"/>
+              <a:buChar char="•"/>
+              <a:defRPr sz="1800" kern="1200">
+                <a:solidFill>
+                  <a:schemeClr val="tx1"/>
+                </a:solidFill>
+                <a:latin typeface="+mn-lt"/>
+                <a:ea typeface="+mn-ea"/>
+                <a:cs typeface="+mn-cs"/>
+              </a:defRPr>
+            </a:lvl7pPr>
+            <a:lvl8pPr marL="3429000" indent="-228600" algn="l" defTabSz="914400" rtl="0" eaLnBrk="1" latinLnBrk="0" hangingPunct="1">
+              <a:lnSpc>
+                <a:spcPct val="90000"/>
+              </a:lnSpc>
+              <a:spcBef>
+                <a:spcPts val="500"/>
+              </a:spcBef>
+              <a:buFont typeface="Arial" panose="020B0604020202020204" pitchFamily="34" charset="0"/>
+              <a:buChar char="•"/>
+              <a:defRPr sz="1800" kern="1200">
+                <a:solidFill>
+                  <a:schemeClr val="tx1"/>
+                </a:solidFill>
+                <a:latin typeface="+mn-lt"/>
+                <a:ea typeface="+mn-ea"/>
+                <a:cs typeface="+mn-cs"/>
+              </a:defRPr>
+            </a:lvl8pPr>
+            <a:lvl9pPr marL="3886200" indent="-228600" algn="l" defTabSz="914400" rtl="0" eaLnBrk="1" latinLnBrk="0" hangingPunct="1">
+              <a:lnSpc>
+                <a:spcPct val="90000"/>
+              </a:lnSpc>
+              <a:spcBef>
+                <a:spcPts val="500"/>
+              </a:spcBef>
+              <a:buFont typeface="Arial" panose="020B0604020202020204" pitchFamily="34" charset="0"/>
+              <a:buChar char="•"/>
+              <a:defRPr sz="1800" kern="1200">
+                <a:solidFill>
+                  <a:schemeClr val="tx1"/>
+                </a:solidFill>
+                <a:latin typeface="+mn-lt"/>
+                <a:ea typeface="+mn-ea"/>
+                <a:cs typeface="+mn-cs"/>
+              </a:defRPr>
+            </a:lvl9pPr>
+          </a:lstStyle>
+          <a:p>
+            <a:pPr marL="0" indent="0">
+              <a:buFont typeface="Arial" panose="020B0604020202020204" pitchFamily="34" charset="0"/>
+              <a:buNone/>
+            </a:pPr>
+            <a:r>
+              <a:rPr lang="zh-TW" altLang="en-US" sz="2400" dirty="0">
+                <a:solidFill>
+                  <a:schemeClr val="accent2"/>
+                </a:solidFill>
+                <a:latin typeface="GenSenRounded JP M" panose="020B0600000000000000" pitchFamily="34" charset="-128"/>
+                <a:ea typeface="GenSenRounded JP M" panose="020B0600000000000000" pitchFamily="34" charset="-128"/>
+              </a:rPr>
+              <a:t>評審們注意到這幅畫在雨水沖刷後，形成了一種意外的美感。</a:t>
+            </a:r>
+          </a:p>
+        </p:txBody>
+      </p:sp>
+      <p:sp>
+        <p:nvSpPr>
+          <p:cNvPr id="7" name="標題 1">
+            <a:extLst>
+              <a:ext uri="{FF2B5EF4-FFF2-40B4-BE49-F238E27FC236}">
+                <a16:creationId xmlns:a16="http://schemas.microsoft.com/office/drawing/2014/main" id="{DC57EEAE-5209-9A80-47C7-4031C28D3CC0}"/>
+              </a:ext>
+            </a:extLst>
+          </p:cNvPr>
+          <p:cNvSpPr txBox="1">
+            <a:spLocks/>
+          </p:cNvSpPr>
+          <p:nvPr/>
+        </p:nvSpPr>
+        <p:spPr>
+          <a:xfrm>
+            <a:off x="225972" y="0"/>
+            <a:ext cx="4238452" cy="1213946"/>
+          </a:xfrm>
+          <a:prstGeom prst="rect">
+            <a:avLst/>
+          </a:prstGeom>
+        </p:spPr>
+        <p:txBody>
+          <a:bodyPr vert="horz" lIns="91440" tIns="45720" rIns="91440" bIns="45720" rtlCol="0" anchor="ctr">
+            <a:noAutofit/>
+          </a:bodyPr>
+          <a:lstStyle>
+            <a:lvl1pPr algn="l" defTabSz="914400" rtl="0" eaLnBrk="1" latinLnBrk="0" hangingPunct="1">
+              <a:lnSpc>
+                <a:spcPct val="90000"/>
+              </a:lnSpc>
+              <a:spcBef>
+                <a:spcPct val="0"/>
+              </a:spcBef>
+              <a:buNone/>
+              <a:defRPr sz="4400" kern="1200">
+                <a:solidFill>
+                  <a:schemeClr val="tx1"/>
+                </a:solidFill>
+                <a:latin typeface="+mj-lt"/>
+                <a:ea typeface="+mj-ea"/>
+                <a:cs typeface="+mj-cs"/>
+              </a:defRPr>
+            </a:lvl1pPr>
+          </a:lstStyle>
+          <a:p>
+            <a:r>
+              <a:rPr lang="en-US" altLang="zh-TW" sz="5400" dirty="0">
+                <a:ln>
+                  <a:solidFill>
+                    <a:schemeClr val="accent2"/>
+                  </a:solidFill>
+                </a:ln>
+                <a:solidFill>
+                  <a:schemeClr val="bg1"/>
+                </a:solidFill>
+                <a:latin typeface="GenSenRounded JP M" panose="020B0600000000000000" pitchFamily="34" charset="-128"/>
+                <a:ea typeface="GenSenRounded JP M" panose="020B0600000000000000" pitchFamily="34" charset="-128"/>
+              </a:rPr>
+              <a:t>6.</a:t>
+            </a:r>
+            <a:r>
+              <a:rPr lang="zh-TW" altLang="en-US" sz="5400" dirty="0">
+                <a:ln>
+                  <a:solidFill>
+                    <a:schemeClr val="accent2"/>
+                  </a:solidFill>
+                </a:ln>
+                <a:solidFill>
+                  <a:schemeClr val="bg1"/>
+                </a:solidFill>
+                <a:latin typeface="GenSenRounded JP M" panose="020B0600000000000000" pitchFamily="34" charset="-128"/>
+                <a:ea typeface="GenSenRounded JP M" panose="020B0600000000000000" pitchFamily="34" charset="-128"/>
+              </a:rPr>
+              <a:t>轉彎</a:t>
+            </a:r>
+          </a:p>
+        </p:txBody>
+      </p:sp>
+    </p:spTree>
+    <p:extLst>
+      <p:ext uri="{BB962C8B-B14F-4D97-AF65-F5344CB8AC3E}">
+        <p14:creationId xmlns:p14="http://schemas.microsoft.com/office/powerpoint/2010/main" val="160508049"/>
+      </p:ext>
+    </p:extLst>
+  </p:cSld>
+  <p:clrMapOvr>
+    <a:masterClrMapping/>
+  </p:clrMapOvr>
+</p:sld>
+</file>
+
+<file path=ppt/slides/slide8.xml><?xml version="1.0" encoding="utf-8"?>
+<p:sld xmlns:a="http://schemas.openxmlformats.org/drawingml/2006/main" xmlns:r="http://schemas.openxmlformats.org/officeDocument/2006/relationships" xmlns:p="http://schemas.openxmlformats.org/presentationml/2006/main">
+  <p:cSld>
+    <p:spTree>
+      <p:nvGrpSpPr>
+        <p:cNvPr id="1" name=""/>
+        <p:cNvGrpSpPr/>
+        <p:nvPr/>
+      </p:nvGrpSpPr>
+      <p:grpSpPr>
+        <a:xfrm>
+          <a:off x="0" y="0"/>
+          <a:ext cx="0" cy="0"/>
+          <a:chOff x="0" y="0"/>
+          <a:chExt cx="0" cy="0"/>
+        </a:xfrm>
+      </p:grpSpPr>
+      <p:pic>
+        <p:nvPicPr>
+          <p:cNvPr id="5" name="內容版面配置區 4">
+            <a:extLst>
+              <a:ext uri="{FF2B5EF4-FFF2-40B4-BE49-F238E27FC236}">
+                <a16:creationId xmlns:a16="http://schemas.microsoft.com/office/drawing/2014/main" id="{9B031E6E-BF67-7409-23F8-74B0F0EF3604}"/>
+              </a:ext>
+            </a:extLst>
+          </p:cNvPr>
+          <p:cNvPicPr>
+            <a:picLocks noGrp="1" noChangeAspect="1"/>
+          </p:cNvPicPr>
+          <p:nvPr>
+            <p:ph idx="1"/>
+          </p:nvPr>
+        </p:nvPicPr>
+        <p:blipFill>
+          <a:blip r:embed="rId3"/>
+          <a:stretch>
+            <a:fillRect/>
+          </a:stretch>
+        </p:blipFill>
+        <p:spPr>
+          <a:xfrm>
+            <a:off x="0" y="987973"/>
+            <a:ext cx="5870027" cy="5870027"/>
+          </a:xfrm>
+        </p:spPr>
+      </p:pic>
+      <p:sp>
+        <p:nvSpPr>
+          <p:cNvPr id="6" name="內容版面配置區 8">
+            <a:extLst>
+              <a:ext uri="{FF2B5EF4-FFF2-40B4-BE49-F238E27FC236}">
+                <a16:creationId xmlns:a16="http://schemas.microsoft.com/office/drawing/2014/main" id="{29811C93-3877-4F25-3B6B-E495E9AB815D}"/>
+              </a:ext>
+            </a:extLst>
+          </p:cNvPr>
+          <p:cNvSpPr txBox="1">
+            <a:spLocks/>
+          </p:cNvSpPr>
+          <p:nvPr/>
+        </p:nvSpPr>
+        <p:spPr>
+          <a:xfrm>
+            <a:off x="2385596" y="204395"/>
+            <a:ext cx="9580432" cy="783578"/>
+          </a:xfrm>
+          <a:prstGeom prst="rect">
+            <a:avLst/>
+          </a:prstGeom>
+        </p:spPr>
+        <p:txBody>
+          <a:bodyPr vert="horz" lIns="91440" tIns="45720" rIns="91440" bIns="45720" rtlCol="0">
+            <a:normAutofit/>
+          </a:bodyPr>
+          <a:lstStyle>
+            <a:lvl1pPr marL="228600" indent="-228600" algn="l" defTabSz="914400" rtl="0" eaLnBrk="1" latinLnBrk="0" hangingPunct="1">
+              <a:lnSpc>
+                <a:spcPct val="90000"/>
+              </a:lnSpc>
+              <a:spcBef>
+                <a:spcPts val="1000"/>
+              </a:spcBef>
+              <a:buFont typeface="Arial" panose="020B0604020202020204" pitchFamily="34" charset="0"/>
+              <a:buChar char="•"/>
+              <a:defRPr sz="2800" kern="1200">
+                <a:solidFill>
+                  <a:schemeClr val="tx1"/>
+                </a:solidFill>
+                <a:latin typeface="+mn-lt"/>
+                <a:ea typeface="+mn-ea"/>
+                <a:cs typeface="+mn-cs"/>
+              </a:defRPr>
+            </a:lvl1pPr>
+            <a:lvl2pPr marL="685800" indent="-228600" algn="l" defTabSz="914400" rtl="0" eaLnBrk="1" latinLnBrk="0" hangingPunct="1">
+              <a:lnSpc>
+                <a:spcPct val="90000"/>
+              </a:lnSpc>
+              <a:spcBef>
+                <a:spcPts val="500"/>
+              </a:spcBef>
+              <a:buFont typeface="Arial" panose="020B0604020202020204" pitchFamily="34" charset="0"/>
+              <a:buChar char="•"/>
+              <a:defRPr sz="2400" kern="1200">
+                <a:solidFill>
+                  <a:schemeClr val="tx1"/>
+                </a:solidFill>
+                <a:latin typeface="+mn-lt"/>
+                <a:ea typeface="+mn-ea"/>
+                <a:cs typeface="+mn-cs"/>
+              </a:defRPr>
+            </a:lvl2pPr>
+            <a:lvl3pPr marL="1143000" indent="-228600" algn="l" defTabSz="914400" rtl="0" eaLnBrk="1" latinLnBrk="0" hangingPunct="1">
+              <a:lnSpc>
+                <a:spcPct val="90000"/>
+              </a:lnSpc>
+              <a:spcBef>
+                <a:spcPts val="500"/>
+              </a:spcBef>
+              <a:buFont typeface="Arial" panose="020B0604020202020204" pitchFamily="34" charset="0"/>
+              <a:buChar char="•"/>
+              <a:defRPr sz="2000" kern="1200">
+                <a:solidFill>
+                  <a:schemeClr val="tx1"/>
+                </a:solidFill>
+                <a:latin typeface="+mn-lt"/>
+                <a:ea typeface="+mn-ea"/>
+                <a:cs typeface="+mn-cs"/>
+              </a:defRPr>
+            </a:lvl3pPr>
+            <a:lvl4pPr marL="1600200" indent="-228600" algn="l" defTabSz="914400" rtl="0" eaLnBrk="1" latinLnBrk="0" hangingPunct="1">
+              <a:lnSpc>
+                <a:spcPct val="90000"/>
+              </a:lnSpc>
+              <a:spcBef>
+                <a:spcPts val="500"/>
+              </a:spcBef>
+              <a:buFont typeface="Arial" panose="020B0604020202020204" pitchFamily="34" charset="0"/>
+              <a:buChar char="•"/>
+              <a:defRPr sz="1800" kern="1200">
+                <a:solidFill>
+                  <a:schemeClr val="tx1"/>
+                </a:solidFill>
+                <a:latin typeface="+mn-lt"/>
+                <a:ea typeface="+mn-ea"/>
+                <a:cs typeface="+mn-cs"/>
+              </a:defRPr>
+            </a:lvl4pPr>
+            <a:lvl5pPr marL="2057400" indent="-228600" algn="l" defTabSz="914400" rtl="0" eaLnBrk="1" latinLnBrk="0" hangingPunct="1">
+              <a:lnSpc>
+                <a:spcPct val="90000"/>
+              </a:lnSpc>
+              <a:spcBef>
+                <a:spcPts val="500"/>
+              </a:spcBef>
+              <a:buFont typeface="Arial" panose="020B0604020202020204" pitchFamily="34" charset="0"/>
+              <a:buChar char="•"/>
+              <a:defRPr sz="1800" kern="1200">
+                <a:solidFill>
+                  <a:schemeClr val="tx1"/>
+                </a:solidFill>
+                <a:latin typeface="+mn-lt"/>
+                <a:ea typeface="+mn-ea"/>
+                <a:cs typeface="+mn-cs"/>
+              </a:defRPr>
+            </a:lvl5pPr>
+            <a:lvl6pPr marL="2514600" indent="-228600" algn="l" defTabSz="914400" rtl="0" eaLnBrk="1" latinLnBrk="0" hangingPunct="1">
+              <a:lnSpc>
+                <a:spcPct val="90000"/>
+              </a:lnSpc>
+              <a:spcBef>
+                <a:spcPts val="500"/>
+              </a:spcBef>
+              <a:buFont typeface="Arial" panose="020B0604020202020204" pitchFamily="34" charset="0"/>
+              <a:buChar char="•"/>
+              <a:defRPr sz="1800" kern="1200">
+                <a:solidFill>
+                  <a:schemeClr val="tx1"/>
+                </a:solidFill>
+                <a:latin typeface="+mn-lt"/>
+                <a:ea typeface="+mn-ea"/>
+                <a:cs typeface="+mn-cs"/>
+              </a:defRPr>
+            </a:lvl6pPr>
+            <a:lvl7pPr marL="2971800" indent="-228600" algn="l" defTabSz="914400" rtl="0" eaLnBrk="1" latinLnBrk="0" hangingPunct="1">
+              <a:lnSpc>
+                <a:spcPct val="90000"/>
+              </a:lnSpc>
+              <a:spcBef>
+                <a:spcPts val="500"/>
+              </a:spcBef>
+              <a:buFont typeface="Arial" panose="020B0604020202020204" pitchFamily="34" charset="0"/>
+              <a:buChar char="•"/>
+              <a:defRPr sz="1800" kern="1200">
+                <a:solidFill>
+                  <a:schemeClr val="tx1"/>
+                </a:solidFill>
+                <a:latin typeface="+mn-lt"/>
+                <a:ea typeface="+mn-ea"/>
+                <a:cs typeface="+mn-cs"/>
+              </a:defRPr>
+            </a:lvl7pPr>
+            <a:lvl8pPr marL="3429000" indent="-228600" algn="l" defTabSz="914400" rtl="0" eaLnBrk="1" latinLnBrk="0" hangingPunct="1">
+              <a:lnSpc>
+                <a:spcPct val="90000"/>
+              </a:lnSpc>
+              <a:spcBef>
+                <a:spcPts val="500"/>
+              </a:spcBef>
+              <a:buFont typeface="Arial" panose="020B0604020202020204" pitchFamily="34" charset="0"/>
+              <a:buChar char="•"/>
+              <a:defRPr sz="1800" kern="1200">
+                <a:solidFill>
+                  <a:schemeClr val="tx1"/>
+                </a:solidFill>
+                <a:latin typeface="+mn-lt"/>
+                <a:ea typeface="+mn-ea"/>
+                <a:cs typeface="+mn-cs"/>
+              </a:defRPr>
+            </a:lvl8pPr>
+            <a:lvl9pPr marL="3886200" indent="-228600" algn="l" defTabSz="914400" rtl="0" eaLnBrk="1" latinLnBrk="0" hangingPunct="1">
+              <a:lnSpc>
+                <a:spcPct val="90000"/>
+              </a:lnSpc>
+              <a:spcBef>
+                <a:spcPts val="500"/>
+              </a:spcBef>
+              <a:buFont typeface="Arial" panose="020B0604020202020204" pitchFamily="34" charset="0"/>
+              <a:buChar char="•"/>
+              <a:defRPr sz="1800" kern="1200">
+                <a:solidFill>
+                  <a:schemeClr val="tx1"/>
+                </a:solidFill>
+                <a:latin typeface="+mn-lt"/>
+                <a:ea typeface="+mn-ea"/>
+                <a:cs typeface="+mn-cs"/>
+              </a:defRPr>
+            </a:lvl9pPr>
+          </a:lstStyle>
+          <a:p>
+            <a:pPr marL="0" indent="0">
+              <a:buNone/>
+            </a:pPr>
+            <a:r>
+              <a:rPr lang="zh-TW" altLang="en-US" sz="2400" dirty="0">
+                <a:solidFill>
+                  <a:schemeClr val="accent2"/>
+                </a:solidFill>
+                <a:latin typeface="GenSenRounded JP M" panose="020B0600000000000000" pitchFamily="34" charset="-128"/>
+                <a:ea typeface="GenSenRounded JP M" panose="020B0600000000000000" pitchFamily="34" charset="-128"/>
+              </a:rPr>
+              <a:t>最終，我獲得了比賽的特別獎。 也明白了，創作不僅是技巧，還包含了對意外的包容與欣賞。</a:t>
+            </a:r>
+          </a:p>
+          <a:p>
+            <a:pPr marL="0" indent="0">
+              <a:buFont typeface="Arial" panose="020B0604020202020204" pitchFamily="34" charset="0"/>
+              <a:buNone/>
+            </a:pPr>
+            <a:endParaRPr lang="zh-TW" altLang="en-US" sz="2400" dirty="0">
+              <a:solidFill>
+                <a:schemeClr val="accent2"/>
+              </a:solidFill>
+              <a:latin typeface="GenSenRounded JP M" panose="020B0600000000000000" pitchFamily="34" charset="-128"/>
+              <a:ea typeface="GenSenRounded JP M" panose="020B0600000000000000" pitchFamily="34" charset="-128"/>
+            </a:endParaRPr>
+          </a:p>
+        </p:txBody>
+      </p:sp>
+      <p:sp>
+        <p:nvSpPr>
+          <p:cNvPr id="7" name="標題 1">
+            <a:extLst>
+              <a:ext uri="{FF2B5EF4-FFF2-40B4-BE49-F238E27FC236}">
+                <a16:creationId xmlns:a16="http://schemas.microsoft.com/office/drawing/2014/main" id="{C04B0BB0-34B6-49A4-90EA-82C73405890A}"/>
+              </a:ext>
+            </a:extLst>
+          </p:cNvPr>
+          <p:cNvSpPr txBox="1">
+            <a:spLocks/>
+          </p:cNvSpPr>
+          <p:nvPr/>
+        </p:nvSpPr>
+        <p:spPr>
+          <a:xfrm>
+            <a:off x="225972" y="0"/>
+            <a:ext cx="4238452" cy="1213946"/>
+          </a:xfrm>
+          <a:prstGeom prst="rect">
+            <a:avLst/>
+          </a:prstGeom>
+        </p:spPr>
+        <p:txBody>
+          <a:bodyPr vert="horz" lIns="91440" tIns="45720" rIns="91440" bIns="45720" rtlCol="0" anchor="ctr">
+            <a:noAutofit/>
+          </a:bodyPr>
+          <a:lstStyle>
+            <a:lvl1pPr algn="l" defTabSz="914400" rtl="0" eaLnBrk="1" latinLnBrk="0" hangingPunct="1">
+              <a:lnSpc>
+                <a:spcPct val="90000"/>
+              </a:lnSpc>
+              <a:spcBef>
+                <a:spcPct val="0"/>
+              </a:spcBef>
+              <a:buNone/>
+              <a:defRPr sz="4400" kern="1200">
+                <a:solidFill>
+                  <a:schemeClr val="tx1"/>
+                </a:solidFill>
+                <a:latin typeface="+mj-lt"/>
+                <a:ea typeface="+mj-ea"/>
+                <a:cs typeface="+mj-cs"/>
+              </a:defRPr>
+            </a:lvl1pPr>
+          </a:lstStyle>
+          <a:p>
+            <a:r>
+              <a:rPr lang="en-US" altLang="zh-TW" sz="5400" dirty="0">
+                <a:ln>
+                  <a:solidFill>
+                    <a:schemeClr val="accent2"/>
+                  </a:solidFill>
+                </a:ln>
+                <a:solidFill>
+                  <a:schemeClr val="bg1"/>
+                </a:solidFill>
+                <a:latin typeface="GenSenRounded JP M" panose="020B0600000000000000" pitchFamily="34" charset="-128"/>
+                <a:ea typeface="GenSenRounded JP M" panose="020B0600000000000000" pitchFamily="34" charset="-128"/>
+              </a:rPr>
+              <a:t>7.</a:t>
+            </a:r>
+            <a:r>
+              <a:rPr lang="zh-TW" altLang="en-US" sz="5400" dirty="0">
+                <a:ln>
+                  <a:solidFill>
+                    <a:schemeClr val="accent2"/>
+                  </a:solidFill>
+                </a:ln>
+                <a:solidFill>
+                  <a:schemeClr val="bg1"/>
+                </a:solidFill>
+                <a:latin typeface="GenSenRounded JP M" panose="020B0600000000000000" pitchFamily="34" charset="-128"/>
+                <a:ea typeface="GenSenRounded JP M" panose="020B0600000000000000" pitchFamily="34" charset="-128"/>
+              </a:rPr>
+              <a:t>結局</a:t>
+            </a:r>
+          </a:p>
+        </p:txBody>
+      </p:sp>
+    </p:spTree>
+    <p:extLst>
+      <p:ext uri="{BB962C8B-B14F-4D97-AF65-F5344CB8AC3E}">
+        <p14:creationId xmlns:p14="http://schemas.microsoft.com/office/powerpoint/2010/main" val="842190106"/>
       </p:ext>
     </p:extLst>
   </p:cSld>
@@ -3677,4 +7344,299 @@
     </a:ext>
   </a:extLst>
 </a:theme>
+</file>
+
+<file path=ppt/theme/theme2.xml><?xml version="1.0" encoding="utf-8"?>
+<a:theme xmlns:a="http://schemas.openxmlformats.org/drawingml/2006/main" name="Office 佈景主題">
+  <a:themeElements>
+    <a:clrScheme name="Office">
+      <a:dk1>
+        <a:sysClr val="windowText" lastClr="000000"/>
+      </a:dk1>
+      <a:lt1>
+        <a:sysClr val="window" lastClr="FFFFFF"/>
+      </a:lt1>
+      <a:dk2>
+        <a:srgbClr val="44546A"/>
+      </a:dk2>
+      <a:lt2>
+        <a:srgbClr val="E7E6E6"/>
+      </a:lt2>
+      <a:accent1>
+        <a:srgbClr val="4472C4"/>
+      </a:accent1>
+      <a:accent2>
+        <a:srgbClr val="ED7D31"/>
+      </a:accent2>
+      <a:accent3>
+        <a:srgbClr val="A5A5A5"/>
+      </a:accent3>
+      <a:accent4>
+        <a:srgbClr val="FFC000"/>
+      </a:accent4>
+      <a:accent5>
+        <a:srgbClr val="5B9BD5"/>
+      </a:accent5>
+      <a:accent6>
+        <a:srgbClr val="70AD47"/>
+      </a:accent6>
+      <a:hlink>
+        <a:srgbClr val="0563C1"/>
+      </a:hlink>
+      <a:folHlink>
+        <a:srgbClr val="954F72"/>
+      </a:folHlink>
+    </a:clrScheme>
+    <a:fontScheme name="Office">
+      <a:majorFont>
+        <a:latin typeface="Calibri Light" panose="020F0302020204030204"/>
+        <a:ea typeface=""/>
+        <a:cs typeface=""/>
+        <a:font script="Jpan" typeface="游ゴシック Light"/>
+        <a:font script="Hang" typeface="맑은 고딕"/>
+        <a:font script="Hans" typeface="等线 Light"/>
+        <a:font script="Hant" typeface="新細明體"/>
+        <a:font script="Arab" typeface="Times New Roman"/>
+        <a:font script="Hebr" typeface="Times New Roman"/>
+        <a:font script="Thai" typeface="Angsana New"/>
+        <a:font script="Ethi" typeface="Nyala"/>
+        <a:font script="Beng" typeface="Vrinda"/>
+        <a:font script="Gujr" typeface="Shruti"/>
+        <a:font script="Khmr" typeface="MoolBoran"/>
+        <a:font script="Knda" typeface="Tunga"/>
+        <a:font script="Guru" typeface="Raavi"/>
+        <a:font script="Cans" typeface="Euphemia"/>
+        <a:font script="Cher" typeface="Plantagenet Cherokee"/>
+        <a:font script="Yiii" typeface="Microsoft Yi Baiti"/>
+        <a:font script="Tibt" typeface="Microsoft Himalaya"/>
+        <a:font script="Thaa" typeface="MV Boli"/>
+        <a:font script="Deva" typeface="Mangal"/>
+        <a:font script="Telu" typeface="Gautami"/>
+        <a:font script="Taml" typeface="Latha"/>
+        <a:font script="Syrc" typeface="Estrangelo Edessa"/>
+        <a:font script="Orya" typeface="Kalinga"/>
+        <a:font script="Mlym" typeface="Kartika"/>
+        <a:font script="Laoo" typeface="DokChampa"/>
+        <a:font script="Sinh" typeface="Iskoola Pota"/>
+        <a:font script="Mong" typeface="Mongolian Baiti"/>
+        <a:font script="Viet" typeface="Times New Roman"/>
+        <a:font script="Uigh" typeface="Microsoft Uighur"/>
+        <a:font script="Geor" typeface="Sylfaen"/>
+        <a:font script="Armn" typeface="Arial"/>
+        <a:font script="Bugi" typeface="Leelawadee UI"/>
+        <a:font script="Bopo" typeface="Microsoft JhengHei"/>
+        <a:font script="Java" typeface="Javanese Text"/>
+        <a:font script="Lisu" typeface="Segoe UI"/>
+        <a:font script="Mymr" typeface="Myanmar Text"/>
+        <a:font script="Nkoo" typeface="Ebrima"/>
+        <a:font script="Olck" typeface="Nirmala UI"/>
+        <a:font script="Osma" typeface="Ebrima"/>
+        <a:font script="Phag" typeface="Phagspa"/>
+        <a:font script="Syrn" typeface="Estrangelo Edessa"/>
+        <a:font script="Syrj" typeface="Estrangelo Edessa"/>
+        <a:font script="Syre" typeface="Estrangelo Edessa"/>
+        <a:font script="Sora" typeface="Nirmala UI"/>
+        <a:font script="Tale" typeface="Microsoft Tai Le"/>
+        <a:font script="Talu" typeface="Microsoft New Tai Lue"/>
+        <a:font script="Tfng" typeface="Ebrima"/>
+      </a:majorFont>
+      <a:minorFont>
+        <a:latin typeface="Calibri" panose="020F0502020204030204"/>
+        <a:ea typeface=""/>
+        <a:cs typeface=""/>
+        <a:font script="Jpan" typeface="游ゴシック"/>
+        <a:font script="Hang" typeface="맑은 고딕"/>
+        <a:font script="Hans" typeface="等线"/>
+        <a:font script="Hant" typeface="新細明體"/>
+        <a:font script="Arab" typeface="Arial"/>
+        <a:font script="Hebr" typeface="Arial"/>
+        <a:font script="Thai" typeface="Cordia New"/>
+        <a:font script="Ethi" typeface="Nyala"/>
+        <a:font script="Beng" typeface="Vrinda"/>
+        <a:font script="Gujr" typeface="Shruti"/>
+        <a:font script="Khmr" typeface="DaunPenh"/>
+        <a:font script="Knda" typeface="Tunga"/>
+        <a:font script="Guru" typeface="Raavi"/>
+        <a:font script="Cans" typeface="Euphemia"/>
+        <a:font script="Cher" typeface="Plantagenet Cherokee"/>
+        <a:font script="Yiii" typeface="Microsoft Yi Baiti"/>
+        <a:font script="Tibt" typeface="Microsoft Himalaya"/>
+        <a:font script="Thaa" typeface="MV Boli"/>
+        <a:font script="Deva" typeface="Mangal"/>
+        <a:font script="Telu" typeface="Gautami"/>
+        <a:font script="Taml" typeface="Latha"/>
+        <a:font script="Syrc" typeface="Estrangelo Edessa"/>
+        <a:font script="Orya" typeface="Kalinga"/>
+        <a:font script="Mlym" typeface="Kartika"/>
+        <a:font script="Laoo" typeface="DokChampa"/>
+        <a:font script="Sinh" typeface="Iskoola Pota"/>
+        <a:font script="Mong" typeface="Mongolian Baiti"/>
+        <a:font script="Viet" typeface="Arial"/>
+        <a:font script="Uigh" typeface="Microsoft Uighur"/>
+        <a:font script="Geor" typeface="Sylfaen"/>
+        <a:font script="Armn" typeface="Arial"/>
+        <a:font script="Bugi" typeface="Leelawadee UI"/>
+        <a:font script="Bopo" typeface="Microsoft JhengHei"/>
+        <a:font script="Java" typeface="Javanese Text"/>
+        <a:font script="Lisu" typeface="Segoe UI"/>
+        <a:font script="Mymr" typeface="Myanmar Text"/>
+        <a:font script="Nkoo" typeface="Ebrima"/>
+        <a:font script="Olck" typeface="Nirmala UI"/>
+        <a:font script="Osma" typeface="Ebrima"/>
+        <a:font script="Phag" typeface="Phagspa"/>
+        <a:font script="Syrn" typeface="Estrangelo Edessa"/>
+        <a:font script="Syrj" typeface="Estrangelo Edessa"/>
+        <a:font script="Syre" typeface="Estrangelo Edessa"/>
+        <a:font script="Sora" typeface="Nirmala UI"/>
+        <a:font script="Tale" typeface="Microsoft Tai Le"/>
+        <a:font script="Talu" typeface="Microsoft New Tai Lue"/>
+        <a:font script="Tfng" typeface="Ebrima"/>
+      </a:minorFont>
+    </a:fontScheme>
+    <a:fmtScheme name="Office">
+      <a:fillStyleLst>
+        <a:solidFill>
+          <a:schemeClr val="phClr"/>
+        </a:solidFill>
+        <a:gradFill rotWithShape="1">
+          <a:gsLst>
+            <a:gs pos="0">
+              <a:schemeClr val="phClr">
+                <a:lumMod val="110000"/>
+                <a:satMod val="105000"/>
+                <a:tint val="67000"/>
+              </a:schemeClr>
+            </a:gs>
+            <a:gs pos="50000">
+              <a:schemeClr val="phClr">
+                <a:lumMod val="105000"/>
+                <a:satMod val="103000"/>
+                <a:tint val="73000"/>
+              </a:schemeClr>
+            </a:gs>
+            <a:gs pos="100000">
+              <a:schemeClr val="phClr">
+                <a:lumMod val="105000"/>
+                <a:satMod val="109000"/>
+                <a:tint val="81000"/>
+              </a:schemeClr>
+            </a:gs>
+          </a:gsLst>
+          <a:lin ang="5400000" scaled="0"/>
+        </a:gradFill>
+        <a:gradFill rotWithShape="1">
+          <a:gsLst>
+            <a:gs pos="0">
+              <a:schemeClr val="phClr">
+                <a:satMod val="103000"/>
+                <a:lumMod val="102000"/>
+                <a:tint val="94000"/>
+              </a:schemeClr>
+            </a:gs>
+            <a:gs pos="50000">
+              <a:schemeClr val="phClr">
+                <a:satMod val="110000"/>
+                <a:lumMod val="100000"/>
+                <a:shade val="100000"/>
+              </a:schemeClr>
+            </a:gs>
+            <a:gs pos="100000">
+              <a:schemeClr val="phClr">
+                <a:lumMod val="99000"/>
+                <a:satMod val="120000"/>
+                <a:shade val="78000"/>
+              </a:schemeClr>
+            </a:gs>
+          </a:gsLst>
+          <a:lin ang="5400000" scaled="0"/>
+        </a:gradFill>
+      </a:fillStyleLst>
+      <a:lnStyleLst>
+        <a:ln w="6350" cap="flat" cmpd="sng" algn="ctr">
+          <a:solidFill>
+            <a:schemeClr val="phClr"/>
+          </a:solidFill>
+          <a:prstDash val="solid"/>
+          <a:miter lim="800000"/>
+        </a:ln>
+        <a:ln w="12700" cap="flat" cmpd="sng" algn="ctr">
+          <a:solidFill>
+            <a:schemeClr val="phClr"/>
+          </a:solidFill>
+          <a:prstDash val="solid"/>
+          <a:miter lim="800000"/>
+        </a:ln>
+        <a:ln w="19050" cap="flat" cmpd="sng" algn="ctr">
+          <a:solidFill>
+            <a:schemeClr val="phClr"/>
+          </a:solidFill>
+          <a:prstDash val="solid"/>
+          <a:miter lim="800000"/>
+        </a:ln>
+      </a:lnStyleLst>
+      <a:effectStyleLst>
+        <a:effectStyle>
+          <a:effectLst/>
+        </a:effectStyle>
+        <a:effectStyle>
+          <a:effectLst/>
+        </a:effectStyle>
+        <a:effectStyle>
+          <a:effectLst>
+            <a:outerShdw blurRad="57150" dist="19050" dir="5400000" algn="ctr" rotWithShape="0">
+              <a:srgbClr val="000000">
+                <a:alpha val="63000"/>
+              </a:srgbClr>
+            </a:outerShdw>
+          </a:effectLst>
+        </a:effectStyle>
+      </a:effectStyleLst>
+      <a:bgFillStyleLst>
+        <a:solidFill>
+          <a:schemeClr val="phClr"/>
+        </a:solidFill>
+        <a:solidFill>
+          <a:schemeClr val="phClr">
+            <a:tint val="95000"/>
+            <a:satMod val="170000"/>
+          </a:schemeClr>
+        </a:solidFill>
+        <a:gradFill rotWithShape="1">
+          <a:gsLst>
+            <a:gs pos="0">
+              <a:schemeClr val="phClr">
+                <a:tint val="93000"/>
+                <a:satMod val="150000"/>
+                <a:shade val="98000"/>
+                <a:lumMod val="102000"/>
+              </a:schemeClr>
+            </a:gs>
+            <a:gs pos="50000">
+              <a:schemeClr val="phClr">
+                <a:tint val="98000"/>
+                <a:satMod val="130000"/>
+                <a:shade val="90000"/>
+                <a:lumMod val="103000"/>
+              </a:schemeClr>
+            </a:gs>
+            <a:gs pos="100000">
+              <a:schemeClr val="phClr">
+                <a:shade val="63000"/>
+                <a:satMod val="120000"/>
+              </a:schemeClr>
+            </a:gs>
+          </a:gsLst>
+          <a:lin ang="5400000" scaled="0"/>
+        </a:gradFill>
+      </a:bgFillStyleLst>
+    </a:fmtScheme>
+  </a:themeElements>
+  <a:objectDefaults/>
+  <a:extraClrSchemeLst/>
+  <a:extLst>
+    <a:ext uri="{05A4C25C-085E-4340-85A3-A5531E510DB2}">
+      <thm15:themeFamily xmlns:thm15="http://schemas.microsoft.com/office/thememl/2012/main" name="Office Theme" id="{62F939B6-93AF-4DB8-9C6B-D6C7DFDC589F}" vid="{4A3C46E8-61CC-4603-A589-7422A47A8E4A}"/>
+    </a:ext>
+  </a:extLst>
+</a:theme>
 </file>